--- a/Report.pptx
+++ b/Report.pptx
@@ -10,6 +10,8 @@
     <p:sldId id="258" r:id="rId4"/>
     <p:sldId id="260" r:id="rId5"/>
     <p:sldId id="259" r:id="rId6"/>
+    <p:sldId id="261" r:id="rId7"/>
+    <p:sldId id="262" r:id="rId8"/>
   </p:sldIdLst>
   <p:sldSz cx="12192000" cy="6858000"/>
   <p:notesSz cx="6858000" cy="9144000"/>
@@ -3657,11 +3659,11 @@
           </a:lstStyle>
           <a:p>
             <a:r>
-              <a:rPr lang="en-GB" b="1"/>
-              <a:t>Higgs Twitter Dataset</a:t>
+              <a:rPr lang="en-US" b="1" dirty="0"/>
+              <a:t>Collecting data</a:t>
             </a:r>
             <a:br>
-              <a:rPr lang="en-GB" b="1"/>
+              <a:rPr lang="en-GB" b="1" dirty="0"/>
             </a:br>
             <a:endParaRPr lang="en-RU" dirty="0"/>
           </a:p>
@@ -3972,7 +3974,7 @@
         </p:nvSpPr>
         <p:spPr>
           <a:xfrm>
-            <a:off x="1140031" y="5332021"/>
+            <a:off x="1157288" y="5971143"/>
             <a:ext cx="5271636" cy="369332"/>
           </a:xfrm>
           <a:prstGeom prst="rect">
@@ -3998,6 +4000,79 @@
               <a:rPr lang="en-RU" dirty="0"/>
               <a:t>se only half of edges, because memory complexety</a:t>
             </a:r>
+          </a:p>
+        </p:txBody>
+      </p:sp>
+      <p:sp>
+        <p:nvSpPr>
+          <p:cNvPr id="12" name="TextBox 11">
+            <a:extLst>
+              <a:ext uri="{FF2B5EF4-FFF2-40B4-BE49-F238E27FC236}">
+                <a16:creationId xmlns:a16="http://schemas.microsoft.com/office/drawing/2014/main" id="{47A899C2-A250-1B42-BDB2-5BEF1A5FE471}"/>
+              </a:ext>
+            </a:extLst>
+          </p:cNvPr>
+          <p:cNvSpPr txBox="1"/>
+          <p:nvPr/>
+        </p:nvSpPr>
+        <p:spPr>
+          <a:xfrm>
+            <a:off x="1157288" y="4572000"/>
+            <a:ext cx="3641125" cy="1477328"/>
+          </a:xfrm>
+          <a:prstGeom prst="rect">
+            <a:avLst/>
+          </a:prstGeom>
+          <a:noFill/>
+        </p:spPr>
+        <p:txBody>
+          <a:bodyPr wrap="none" rtlCol="0">
+            <a:spAutoFit/>
+          </a:bodyPr>
+          <a:lstStyle/>
+          <a:p>
+            <a:r>
+              <a:rPr lang="en-RU" dirty="0"/>
+              <a:t>Methodology of getting data:</a:t>
+            </a:r>
+          </a:p>
+          <a:p>
+            <a:pPr marL="342900" indent="-342900">
+              <a:buAutoNum type="arabicParenR"/>
+            </a:pPr>
+            <a:r>
+              <a:rPr lang="en-RU" dirty="0"/>
+              <a:t>Download .txt files</a:t>
+            </a:r>
+          </a:p>
+          <a:p>
+            <a:pPr marL="342900" indent="-342900">
+              <a:buAutoNum type="arabicParenR"/>
+            </a:pPr>
+            <a:r>
+              <a:rPr lang="en-RU" dirty="0"/>
+              <a:t>Use pandas.read_csv</a:t>
+            </a:r>
+          </a:p>
+          <a:p>
+            <a:pPr marL="342900" indent="-342900">
+              <a:buAutoNum type="arabicParenR"/>
+            </a:pPr>
+            <a:r>
+              <a:rPr lang="en-RU" dirty="0"/>
+              <a:t>Use </a:t>
+            </a:r>
+            <a:r>
+              <a:rPr lang="en-GB" dirty="0"/>
+              <a:t>network to work with graphs</a:t>
+            </a:r>
+            <a:endParaRPr lang="en-RU" dirty="0"/>
+          </a:p>
+          <a:p>
+            <a:pPr marL="342900" indent="-342900">
+              <a:buAutoNum type="arabicParenR"/>
+            </a:pPr>
+            <a:endParaRPr lang="en-RU" dirty="0"/>
           </a:p>
         </p:txBody>
       </p:sp>
@@ -4235,6 +4310,65 @@
           </a:p>
         </p:txBody>
       </p:sp>
+      <p:sp>
+        <p:nvSpPr>
+          <p:cNvPr id="9" name="TextBox 8">
+            <a:extLst>
+              <a:ext uri="{FF2B5EF4-FFF2-40B4-BE49-F238E27FC236}">
+                <a16:creationId xmlns:a16="http://schemas.microsoft.com/office/drawing/2014/main" id="{77098DB1-6598-9F40-B959-0C17136F8306}"/>
+              </a:ext>
+            </a:extLst>
+          </p:cNvPr>
+          <p:cNvSpPr txBox="1"/>
+          <p:nvPr/>
+        </p:nvSpPr>
+        <p:spPr>
+          <a:xfrm>
+            <a:off x="5922566" y="3011925"/>
+            <a:ext cx="6097978" cy="1477328"/>
+          </a:xfrm>
+          <a:prstGeom prst="rect">
+            <a:avLst/>
+          </a:prstGeom>
+          <a:noFill/>
+        </p:spPr>
+        <p:txBody>
+          <a:bodyPr wrap="square">
+            <a:spAutoFit/>
+          </a:bodyPr>
+          <a:lstStyle/>
+          <a:p>
+            <a:r>
+              <a:rPr lang="en-US" dirty="0"/>
+              <a:t>For these goals we use</a:t>
+            </a:r>
+          </a:p>
+          <a:p>
+            <a:r>
+              <a:rPr lang="en-US" dirty="0"/>
+              <a:t>1) For these goals we use </a:t>
+            </a:r>
+            <a:r>
+              <a:rPr lang="en-GB" dirty="0" err="1"/>
+              <a:t>Plotly</a:t>
+            </a:r>
+            <a:r>
+              <a:rPr lang="en-GB" dirty="0"/>
+              <a:t> Dash-related slides</a:t>
+            </a:r>
+            <a:endParaRPr lang="en-US" dirty="0"/>
+          </a:p>
+          <a:p>
+            <a:endParaRPr lang="ru-RU" dirty="0"/>
+          </a:p>
+          <a:p>
+            <a:endParaRPr lang="ru-RU" dirty="0"/>
+          </a:p>
+          <a:p>
+            <a:endParaRPr lang="en-GB" dirty="0"/>
+          </a:p>
+        </p:txBody>
+      </p:sp>
     </p:spTree>
     <p:extLst>
       <p:ext uri="{BB962C8B-B14F-4D97-AF65-F5344CB8AC3E}">
@@ -4288,7 +4422,7 @@
           <a:p>
             <a:r>
               <a:rPr lang="en-RU" dirty="0"/>
-              <a:t>Basic EDA</a:t>
+              <a:t>EDA</a:t>
             </a:r>
           </a:p>
         </p:txBody>
@@ -4315,7 +4449,7 @@
         </p:blipFill>
         <p:spPr>
           <a:xfrm>
-            <a:off x="469756" y="1365250"/>
+            <a:off x="469756" y="1593850"/>
             <a:ext cx="5181600" cy="3670300"/>
           </a:xfrm>
           <a:prstGeom prst="rect">
@@ -4325,10 +4459,10 @@
       </p:pic>
       <p:pic>
         <p:nvPicPr>
-          <p:cNvPr id="7" name="Picture 6">
-            <a:extLst>
-              <a:ext uri="{FF2B5EF4-FFF2-40B4-BE49-F238E27FC236}">
-                <a16:creationId xmlns:a16="http://schemas.microsoft.com/office/drawing/2014/main" id="{8AEBD7A4-4AC8-614E-9479-DBE0F1E1A677}"/>
+          <p:cNvPr id="9" name="Picture 8">
+            <a:extLst>
+              <a:ext uri="{FF2B5EF4-FFF2-40B4-BE49-F238E27FC236}">
+                <a16:creationId xmlns:a16="http://schemas.microsoft.com/office/drawing/2014/main" id="{44B09D16-D63D-0B4B-AB6A-85EFF86184CF}"/>
               </a:ext>
             </a:extLst>
           </p:cNvPr>
@@ -4345,7 +4479,130 @@
         </p:blipFill>
         <p:spPr>
           <a:xfrm>
-            <a:off x="6730928" y="365125"/>
+            <a:off x="7054778" y="1748096"/>
+            <a:ext cx="2895600" cy="1841500"/>
+          </a:xfrm>
+          <a:prstGeom prst="rect">
+            <a:avLst/>
+          </a:prstGeom>
+        </p:spPr>
+      </p:pic>
+      <p:sp>
+        <p:nvSpPr>
+          <p:cNvPr id="11" name="TextBox 10">
+            <a:extLst>
+              <a:ext uri="{FF2B5EF4-FFF2-40B4-BE49-F238E27FC236}">
+                <a16:creationId xmlns:a16="http://schemas.microsoft.com/office/drawing/2014/main" id="{105BACD7-DDEF-1F4C-875B-B430DA394008}"/>
+              </a:ext>
+            </a:extLst>
+          </p:cNvPr>
+          <p:cNvSpPr txBox="1"/>
+          <p:nvPr/>
+        </p:nvSpPr>
+        <p:spPr>
+          <a:xfrm>
+            <a:off x="3050381" y="3387209"/>
+            <a:ext cx="6100762" cy="369332"/>
+          </a:xfrm>
+          <a:prstGeom prst="rect">
+            <a:avLst/>
+          </a:prstGeom>
+          <a:noFill/>
+        </p:spPr>
+        <p:txBody>
+          <a:bodyPr wrap="square">
+            <a:spAutoFit/>
+          </a:bodyPr>
+          <a:lstStyle/>
+          <a:p>
+            <a:r>
+              <a:rPr lang="en-RU" dirty="0"/>
+              <a:t>networkx</a:t>
+            </a:r>
+          </a:p>
+        </p:txBody>
+      </p:sp>
+    </p:spTree>
+    <p:extLst>
+      <p:ext uri="{BB962C8B-B14F-4D97-AF65-F5344CB8AC3E}">
+        <p14:creationId xmlns:p14="http://schemas.microsoft.com/office/powerpoint/2010/main" val="3978721797"/>
+      </p:ext>
+    </p:extLst>
+  </p:cSld>
+  <p:clrMapOvr>
+    <a:masterClrMapping/>
+  </p:clrMapOvr>
+</p:sld>
+</file>
+
+<file path=ppt/slides/slide6.xml><?xml version="1.0" encoding="utf-8"?>
+<p:sld xmlns:a="http://schemas.openxmlformats.org/drawingml/2006/main" xmlns:r="http://schemas.openxmlformats.org/officeDocument/2006/relationships" xmlns:p="http://schemas.openxmlformats.org/presentationml/2006/main">
+  <p:cSld>
+    <p:spTree>
+      <p:nvGrpSpPr>
+        <p:cNvPr id="1" name=""/>
+        <p:cNvGrpSpPr/>
+        <p:nvPr/>
+      </p:nvGrpSpPr>
+      <p:grpSpPr>
+        <a:xfrm>
+          <a:off x="0" y="0"/>
+          <a:ext cx="0" cy="0"/>
+          <a:chOff x="0" y="0"/>
+          <a:chExt cx="0" cy="0"/>
+        </a:xfrm>
+      </p:grpSpPr>
+      <p:sp>
+        <p:nvSpPr>
+          <p:cNvPr id="2" name="Title 1">
+            <a:extLst>
+              <a:ext uri="{FF2B5EF4-FFF2-40B4-BE49-F238E27FC236}">
+                <a16:creationId xmlns:a16="http://schemas.microsoft.com/office/drawing/2014/main" id="{563A9FC4-19C9-054C-9067-608AEC480786}"/>
+              </a:ext>
+            </a:extLst>
+          </p:cNvPr>
+          <p:cNvSpPr>
+            <a:spLocks noGrp="1"/>
+          </p:cNvSpPr>
+          <p:nvPr>
+            <p:ph type="title"/>
+          </p:nvPr>
+        </p:nvSpPr>
+        <p:spPr/>
+        <p:txBody>
+          <a:bodyPr/>
+          <a:lstStyle/>
+          <a:p>
+            <a:r>
+              <a:rPr lang="en-RU" dirty="0"/>
+              <a:t>EDA</a:t>
+            </a:r>
+          </a:p>
+        </p:txBody>
+      </p:sp>
+      <p:pic>
+        <p:nvPicPr>
+          <p:cNvPr id="7" name="Picture 6">
+            <a:extLst>
+              <a:ext uri="{FF2B5EF4-FFF2-40B4-BE49-F238E27FC236}">
+                <a16:creationId xmlns:a16="http://schemas.microsoft.com/office/drawing/2014/main" id="{8AEBD7A4-4AC8-614E-9479-DBE0F1E1A677}"/>
+              </a:ext>
+            </a:extLst>
+          </p:cNvPr>
+          <p:cNvPicPr>
+            <a:picLocks noChangeAspect="1"/>
+          </p:cNvPicPr>
+          <p:nvPr/>
+        </p:nvPicPr>
+        <p:blipFill>
+          <a:blip r:embed="rId2"/>
+          <a:stretch>
+            <a:fillRect/>
+          </a:stretch>
+        </p:blipFill>
+        <p:spPr>
+          <a:xfrm>
+            <a:off x="1100137" y="2014537"/>
             <a:ext cx="3543300" cy="3200400"/>
           </a:xfrm>
           <a:prstGeom prst="rect">
@@ -4368,14 +4625,14 @@
           <p:nvPr/>
         </p:nvPicPr>
         <p:blipFill>
-          <a:blip r:embed="rId4"/>
+          <a:blip r:embed="rId3"/>
           <a:stretch>
             <a:fillRect/>
           </a:stretch>
         </p:blipFill>
         <p:spPr>
           <a:xfrm>
-            <a:off x="6699178" y="4078287"/>
+            <a:off x="6096000" y="2635250"/>
             <a:ext cx="3606800" cy="1587500"/>
           </a:xfrm>
           <a:prstGeom prst="rect">
@@ -4386,7 +4643,133 @@
     </p:spTree>
     <p:extLst>
       <p:ext uri="{BB962C8B-B14F-4D97-AF65-F5344CB8AC3E}">
-        <p14:creationId xmlns:p14="http://schemas.microsoft.com/office/powerpoint/2010/main" val="3978721797"/>
+        <p14:creationId xmlns:p14="http://schemas.microsoft.com/office/powerpoint/2010/main" val="744294791"/>
+      </p:ext>
+    </p:extLst>
+  </p:cSld>
+  <p:clrMapOvr>
+    <a:masterClrMapping/>
+  </p:clrMapOvr>
+</p:sld>
+</file>
+
+<file path=ppt/slides/slide7.xml><?xml version="1.0" encoding="utf-8"?>
+<p:sld xmlns:a="http://schemas.openxmlformats.org/drawingml/2006/main" xmlns:r="http://schemas.openxmlformats.org/officeDocument/2006/relationships" xmlns:p="http://schemas.openxmlformats.org/presentationml/2006/main">
+  <p:cSld>
+    <p:spTree>
+      <p:nvGrpSpPr>
+        <p:cNvPr id="1" name=""/>
+        <p:cNvGrpSpPr/>
+        <p:nvPr/>
+      </p:nvGrpSpPr>
+      <p:grpSpPr>
+        <a:xfrm>
+          <a:off x="0" y="0"/>
+          <a:ext cx="0" cy="0"/>
+          <a:chOff x="0" y="0"/>
+          <a:chExt cx="0" cy="0"/>
+        </a:xfrm>
+      </p:grpSpPr>
+      <p:pic>
+        <p:nvPicPr>
+          <p:cNvPr id="4" name="Picture 3">
+            <a:extLst>
+              <a:ext uri="{FF2B5EF4-FFF2-40B4-BE49-F238E27FC236}">
+                <a16:creationId xmlns:a16="http://schemas.microsoft.com/office/drawing/2014/main" id="{90BA2F92-B3FA-0542-ADB4-42BFB15B061D}"/>
+              </a:ext>
+            </a:extLst>
+          </p:cNvPr>
+          <p:cNvPicPr>
+            <a:picLocks noChangeAspect="1"/>
+          </p:cNvPicPr>
+          <p:nvPr/>
+        </p:nvPicPr>
+        <p:blipFill>
+          <a:blip r:embed="rId2"/>
+          <a:stretch>
+            <a:fillRect/>
+          </a:stretch>
+        </p:blipFill>
+        <p:spPr>
+          <a:xfrm>
+            <a:off x="684964" y="2000250"/>
+            <a:ext cx="7978024" cy="4300155"/>
+          </a:xfrm>
+          <a:prstGeom prst="rect">
+            <a:avLst/>
+          </a:prstGeom>
+        </p:spPr>
+      </p:pic>
+      <p:sp>
+        <p:nvSpPr>
+          <p:cNvPr id="5" name="Title 1">
+            <a:extLst>
+              <a:ext uri="{FF2B5EF4-FFF2-40B4-BE49-F238E27FC236}">
+                <a16:creationId xmlns:a16="http://schemas.microsoft.com/office/drawing/2014/main" id="{53DFA981-EE78-2E4F-AEC8-E41B9C4F1F5B}"/>
+              </a:ext>
+            </a:extLst>
+          </p:cNvPr>
+          <p:cNvSpPr>
+            <a:spLocks noGrp="1"/>
+          </p:cNvSpPr>
+          <p:nvPr>
+            <p:ph type="title"/>
+          </p:nvPr>
+        </p:nvSpPr>
+        <p:spPr>
+          <a:xfrm>
+            <a:off x="838200" y="365125"/>
+            <a:ext cx="10515600" cy="1325563"/>
+          </a:xfrm>
+        </p:spPr>
+        <p:txBody>
+          <a:bodyPr/>
+          <a:lstStyle/>
+          <a:p>
+            <a:r>
+              <a:rPr lang="en-RU"/>
+              <a:t>Plotly intearactive graph</a:t>
+            </a:r>
+            <a:endParaRPr lang="en-RU" dirty="0"/>
+          </a:p>
+        </p:txBody>
+      </p:sp>
+      <p:sp>
+        <p:nvSpPr>
+          <p:cNvPr id="6" name="TextBox 5">
+            <a:extLst>
+              <a:ext uri="{FF2B5EF4-FFF2-40B4-BE49-F238E27FC236}">
+                <a16:creationId xmlns:a16="http://schemas.microsoft.com/office/drawing/2014/main" id="{23E60724-2C43-8D41-B803-3447BFF58189}"/>
+              </a:ext>
+            </a:extLst>
+          </p:cNvPr>
+          <p:cNvSpPr txBox="1"/>
+          <p:nvPr/>
+        </p:nvSpPr>
+        <p:spPr>
+          <a:xfrm>
+            <a:off x="1885950" y="1014413"/>
+            <a:ext cx="184731" cy="369332"/>
+          </a:xfrm>
+          <a:prstGeom prst="rect">
+            <a:avLst/>
+          </a:prstGeom>
+          <a:noFill/>
+        </p:spPr>
+        <p:txBody>
+          <a:bodyPr wrap="none" rtlCol="0">
+            <a:spAutoFit/>
+          </a:bodyPr>
+          <a:lstStyle/>
+          <a:p>
+            <a:endParaRPr lang="en-RU" dirty="0"/>
+          </a:p>
+        </p:txBody>
+      </p:sp>
+    </p:spTree>
+    <p:extLst>
+      <p:ext uri="{BB962C8B-B14F-4D97-AF65-F5344CB8AC3E}">
+        <p14:creationId xmlns:p14="http://schemas.microsoft.com/office/powerpoint/2010/main" val="3242170166"/>
       </p:ext>
     </p:extLst>
   </p:cSld>

--- a/Report.pptx
+++ b/Report.pptx
@@ -12,6 +12,8 @@
     <p:sldId id="259" r:id="rId6"/>
     <p:sldId id="261" r:id="rId7"/>
     <p:sldId id="262" r:id="rId8"/>
+    <p:sldId id="263" r:id="rId9"/>
+    <p:sldId id="264" r:id="rId10"/>
   </p:sldIdLst>
   <p:sldSz cx="12192000" cy="6858000"/>
   <p:notesSz cx="6858000" cy="9144000"/>
@@ -3566,7 +3568,7 @@
           <a:p>
             <a:r>
               <a:rPr lang="en-RU" dirty="0"/>
-              <a:t>In EDA we can see in what type rumor is spreading (retweet, montions, replies) throught time</a:t>
+              <a:t>In EDA we can see in what type rumor is spreading (retweet, motions, replies) throught time</a:t>
             </a:r>
           </a:p>
           <a:p>
@@ -4727,19 +4729,76 @@
           <a:lstStyle/>
           <a:p>
             <a:r>
-              <a:rPr lang="en-RU"/>
+              <a:rPr lang="en-RU" dirty="0"/>
               <a:t>Plotly intearactive graph</a:t>
             </a:r>
-            <a:endParaRPr lang="en-RU" dirty="0"/>
-          </a:p>
-        </p:txBody>
-      </p:sp>
-      <p:sp>
-        <p:nvSpPr>
-          <p:cNvPr id="6" name="TextBox 5">
-            <a:extLst>
-              <a:ext uri="{FF2B5EF4-FFF2-40B4-BE49-F238E27FC236}">
-                <a16:creationId xmlns:a16="http://schemas.microsoft.com/office/drawing/2014/main" id="{23E60724-2C43-8D41-B803-3447BFF58189}"/>
+          </a:p>
+        </p:txBody>
+      </p:sp>
+    </p:spTree>
+    <p:extLst>
+      <p:ext uri="{BB962C8B-B14F-4D97-AF65-F5344CB8AC3E}">
+        <p14:creationId xmlns:p14="http://schemas.microsoft.com/office/powerpoint/2010/main" val="3242170166"/>
+      </p:ext>
+    </p:extLst>
+  </p:cSld>
+  <p:clrMapOvr>
+    <a:masterClrMapping/>
+  </p:clrMapOvr>
+</p:sld>
+</file>
+
+<file path=ppt/slides/slide8.xml><?xml version="1.0" encoding="utf-8"?>
+<p:sld xmlns:a="http://schemas.openxmlformats.org/drawingml/2006/main" xmlns:r="http://schemas.openxmlformats.org/officeDocument/2006/relationships" xmlns:p="http://schemas.openxmlformats.org/presentationml/2006/main">
+  <p:cSld>
+    <p:spTree>
+      <p:nvGrpSpPr>
+        <p:cNvPr id="1" name=""/>
+        <p:cNvGrpSpPr/>
+        <p:nvPr/>
+      </p:nvGrpSpPr>
+      <p:grpSpPr>
+        <a:xfrm>
+          <a:off x="0" y="0"/>
+          <a:ext cx="0" cy="0"/>
+          <a:chOff x="0" y="0"/>
+          <a:chExt cx="0" cy="0"/>
+        </a:xfrm>
+      </p:grpSpPr>
+      <p:sp>
+        <p:nvSpPr>
+          <p:cNvPr id="2" name="Title 1">
+            <a:extLst>
+              <a:ext uri="{FF2B5EF4-FFF2-40B4-BE49-F238E27FC236}">
+                <a16:creationId xmlns:a16="http://schemas.microsoft.com/office/drawing/2014/main" id="{D3C3C62E-E9FA-A543-9387-D1392222C339}"/>
+              </a:ext>
+            </a:extLst>
+          </p:cNvPr>
+          <p:cNvSpPr>
+            <a:spLocks noGrp="1"/>
+          </p:cNvSpPr>
+          <p:nvPr>
+            <p:ph type="title"/>
+          </p:nvPr>
+        </p:nvSpPr>
+        <p:spPr/>
+        <p:txBody>
+          <a:bodyPr/>
+          <a:lstStyle/>
+          <a:p>
+            <a:r>
+              <a:rPr lang="en-RU" dirty="0"/>
+              <a:t>Predictive analytics methodology</a:t>
+            </a:r>
+          </a:p>
+        </p:txBody>
+      </p:sp>
+      <p:sp>
+        <p:nvSpPr>
+          <p:cNvPr id="4" name="TextBox 3">
+            <a:extLst>
+              <a:ext uri="{FF2B5EF4-FFF2-40B4-BE49-F238E27FC236}">
+                <a16:creationId xmlns:a16="http://schemas.microsoft.com/office/drawing/2014/main" id="{DAF9AF01-CBAC-8A42-ACFF-B043FAFAE3AC}"/>
               </a:ext>
             </a:extLst>
           </p:cNvPr>
@@ -4748,8 +4807,8 @@
         </p:nvSpPr>
         <p:spPr>
           <a:xfrm>
-            <a:off x="1885950" y="1014413"/>
-            <a:ext cx="184731" cy="369332"/>
+            <a:off x="1021277" y="1506022"/>
+            <a:ext cx="6652206" cy="3970318"/>
           </a:xfrm>
           <a:prstGeom prst="rect">
             <a:avLst/>
@@ -4762,14 +4821,456 @@
           </a:bodyPr>
           <a:lstStyle/>
           <a:p>
-            <a:endParaRPr lang="en-RU" dirty="0"/>
-          </a:p>
-        </p:txBody>
-      </p:sp>
+            <a:r>
+              <a:rPr lang="en-US" dirty="0"/>
+              <a:t>We will predict probability of infection in certain time interval, </a:t>
+            </a:r>
+          </a:p>
+          <a:p>
+            <a:r>
+              <a:rPr lang="en-US" dirty="0"/>
+              <a:t>depending on the number of infected followers and follows person:</a:t>
+            </a:r>
+          </a:p>
+          <a:p>
+            <a:endParaRPr lang="en-US" dirty="0"/>
+          </a:p>
+          <a:p>
+            <a:r>
+              <a:rPr lang="en-US" dirty="0"/>
+              <a:t>Divide data on train – test:</a:t>
+            </a:r>
+          </a:p>
+          <a:p>
+            <a:pPr marL="342900" indent="-342900">
+              <a:buAutoNum type="arabicParenR"/>
+            </a:pPr>
+            <a:r>
+              <a:rPr lang="en-US" dirty="0"/>
+              <a:t>Object – edge of network (or client of twitter), target - 1 if person</a:t>
+            </a:r>
+          </a:p>
+          <a:p>
+            <a:r>
+              <a:rPr lang="en-US" dirty="0"/>
+              <a:t> is infected in this time interval or  </a:t>
+            </a:r>
+          </a:p>
+          <a:p>
+            <a:r>
+              <a:rPr lang="en-US" dirty="0"/>
+              <a:t>0 – if person has not been infected in this time interval or earlier</a:t>
+            </a:r>
+          </a:p>
+          <a:p>
+            <a:r>
+              <a:rPr lang="en-US" dirty="0"/>
+              <a:t>2) Train period is 07 of July, test is 08 July</a:t>
+            </a:r>
+          </a:p>
+          <a:p>
+            <a:endParaRPr lang="en-US" dirty="0"/>
+          </a:p>
+          <a:p>
+            <a:r>
+              <a:rPr lang="en-US" dirty="0"/>
+              <a:t>Features - for every person compute 8 features:</a:t>
+            </a:r>
+          </a:p>
+          <a:p>
+            <a:endParaRPr lang="en-US" dirty="0"/>
+          </a:p>
+          <a:p>
+            <a:endParaRPr lang="en-US" dirty="0"/>
+          </a:p>
+          <a:p>
+            <a:endParaRPr lang="en-US" dirty="0"/>
+          </a:p>
+          <a:p>
+            <a:endParaRPr lang="en-US" dirty="0"/>
+          </a:p>
+        </p:txBody>
+      </p:sp>
+      <p:pic>
+        <p:nvPicPr>
+          <p:cNvPr id="8" name="Picture 7">
+            <a:extLst>
+              <a:ext uri="{FF2B5EF4-FFF2-40B4-BE49-F238E27FC236}">
+                <a16:creationId xmlns:a16="http://schemas.microsoft.com/office/drawing/2014/main" id="{93D5C7DB-9FA1-9D4C-9233-576CBD485202}"/>
+              </a:ext>
+            </a:extLst>
+          </p:cNvPr>
+          <p:cNvPicPr>
+            <a:picLocks noChangeAspect="1"/>
+          </p:cNvPicPr>
+          <p:nvPr/>
+        </p:nvPicPr>
+        <p:blipFill>
+          <a:blip r:embed="rId2"/>
+          <a:stretch>
+            <a:fillRect/>
+          </a:stretch>
+        </p:blipFill>
+        <p:spPr>
+          <a:xfrm>
+            <a:off x="8592623" y="1749425"/>
+            <a:ext cx="2578100" cy="1765300"/>
+          </a:xfrm>
+          <a:prstGeom prst="rect">
+            <a:avLst/>
+          </a:prstGeom>
+        </p:spPr>
+      </p:pic>
+      <p:graphicFrame>
+        <p:nvGraphicFramePr>
+          <p:cNvPr id="9" name="Table 9">
+            <a:extLst>
+              <a:ext uri="{FF2B5EF4-FFF2-40B4-BE49-F238E27FC236}">
+                <a16:creationId xmlns:a16="http://schemas.microsoft.com/office/drawing/2014/main" id="{6B50D1FD-C6F7-E849-96D1-384D7FE207F3}"/>
+              </a:ext>
+            </a:extLst>
+          </p:cNvPr>
+          <p:cNvGraphicFramePr>
+            <a:graphicFrameLocks noGrp="1"/>
+          </p:cNvGraphicFramePr>
+          <p:nvPr>
+            <p:extLst>
+              <p:ext uri="{D42A27DB-BD31-4B8C-83A1-F6EECF244321}">
+                <p14:modId xmlns:p14="http://schemas.microsoft.com/office/powerpoint/2010/main" val="727640589"/>
+              </p:ext>
+            </p:extLst>
+          </p:nvPr>
+        </p:nvGraphicFramePr>
+        <p:xfrm>
+          <a:off x="1753672" y="4841875"/>
+          <a:ext cx="9176265" cy="1381760"/>
+        </p:xfrm>
+        <a:graphic>
+          <a:graphicData uri="http://schemas.openxmlformats.org/drawingml/2006/table">
+            <a:tbl>
+              <a:tblPr firstRow="1" bandRow="1">
+                <a:tableStyleId>{ED083AE6-46FA-4A59-8FB0-9F97EB10719F}</a:tableStyleId>
+              </a:tblPr>
+              <a:tblGrid>
+                <a:gridCol w="1835253">
+                  <a:extLst>
+                    <a:ext uri="{9D8B030D-6E8A-4147-A177-3AD203B41FA5}">
+                      <a16:colId xmlns:a16="http://schemas.microsoft.com/office/drawing/2014/main" val="2918176100"/>
+                    </a:ext>
+                  </a:extLst>
+                </a:gridCol>
+                <a:gridCol w="1835253">
+                  <a:extLst>
+                    <a:ext uri="{9D8B030D-6E8A-4147-A177-3AD203B41FA5}">
+                      <a16:colId xmlns:a16="http://schemas.microsoft.com/office/drawing/2014/main" val="2711595899"/>
+                    </a:ext>
+                  </a:extLst>
+                </a:gridCol>
+                <a:gridCol w="1835253">
+                  <a:extLst>
+                    <a:ext uri="{9D8B030D-6E8A-4147-A177-3AD203B41FA5}">
+                      <a16:colId xmlns:a16="http://schemas.microsoft.com/office/drawing/2014/main" val="2968646919"/>
+                    </a:ext>
+                  </a:extLst>
+                </a:gridCol>
+                <a:gridCol w="1835253">
+                  <a:extLst>
+                    <a:ext uri="{9D8B030D-6E8A-4147-A177-3AD203B41FA5}">
+                      <a16:colId xmlns:a16="http://schemas.microsoft.com/office/drawing/2014/main" val="3564307744"/>
+                    </a:ext>
+                  </a:extLst>
+                </a:gridCol>
+                <a:gridCol w="1835253">
+                  <a:extLst>
+                    <a:ext uri="{9D8B030D-6E8A-4147-A177-3AD203B41FA5}">
+                      <a16:colId xmlns:a16="http://schemas.microsoft.com/office/drawing/2014/main" val="2061345368"/>
+                    </a:ext>
+                  </a:extLst>
+                </a:gridCol>
+              </a:tblGrid>
+              <a:tr h="370840">
+                <a:tc>
+                  <a:txBody>
+                    <a:bodyPr/>
+                    <a:lstStyle/>
+                    <a:p>
+                      <a:endParaRPr lang="en-RU"/>
+                    </a:p>
+                  </a:txBody>
+                  <a:tcPr/>
+                </a:tc>
+                <a:tc>
+                  <a:txBody>
+                    <a:bodyPr/>
+                    <a:lstStyle/>
+                    <a:p>
+                      <a:r>
+                        <a:rPr lang="en-RU" dirty="0"/>
+                        <a:t>number</a:t>
+                      </a:r>
+                    </a:p>
+                  </a:txBody>
+                  <a:tcPr/>
+                </a:tc>
+                <a:tc>
+                  <a:txBody>
+                    <a:bodyPr/>
+                    <a:lstStyle/>
+                    <a:p>
+                      <a:r>
+                        <a:rPr lang="en-GB" dirty="0"/>
+                        <a:t>Fraction mentioned</a:t>
+                      </a:r>
+                      <a:endParaRPr lang="en-RU" dirty="0"/>
+                    </a:p>
+                  </a:txBody>
+                  <a:tcPr/>
+                </a:tc>
+                <a:tc>
+                  <a:txBody>
+                    <a:bodyPr/>
+                    <a:lstStyle/>
+                    <a:p>
+                      <a:r>
+                        <a:rPr lang="en-RU" dirty="0"/>
+                        <a:t>Fraction retweeted</a:t>
+                      </a:r>
+                    </a:p>
+                  </a:txBody>
+                  <a:tcPr/>
+                </a:tc>
+                <a:tc>
+                  <a:txBody>
+                    <a:bodyPr/>
+                    <a:lstStyle/>
+                    <a:p>
+                      <a:r>
+                        <a:rPr lang="en-RU" dirty="0"/>
+                        <a:t>Fraction replies</a:t>
+                      </a:r>
+                    </a:p>
+                  </a:txBody>
+                  <a:tcPr/>
+                </a:tc>
+                <a:extLst>
+                  <a:ext uri="{0D108BD9-81ED-4DB2-BD59-A6C34878D82A}">
+                    <a16:rowId xmlns:a16="http://schemas.microsoft.com/office/drawing/2014/main" val="2737127133"/>
+                  </a:ext>
+                </a:extLst>
+              </a:tr>
+              <a:tr h="370840">
+                <a:tc>
+                  <a:txBody>
+                    <a:bodyPr/>
+                    <a:lstStyle/>
+                    <a:p>
+                      <a:r>
+                        <a:rPr lang="en-US" dirty="0"/>
+                        <a:t>among followers</a:t>
+                      </a:r>
+                      <a:endParaRPr lang="en-RU" dirty="0"/>
+                    </a:p>
+                  </a:txBody>
+                  <a:tcPr/>
+                </a:tc>
+                <a:tc>
+                  <a:txBody>
+                    <a:bodyPr/>
+                    <a:lstStyle/>
+                    <a:p>
+                      <a:endParaRPr lang="en-RU"/>
+                    </a:p>
+                  </a:txBody>
+                  <a:tcPr/>
+                </a:tc>
+                <a:tc>
+                  <a:txBody>
+                    <a:bodyPr/>
+                    <a:lstStyle/>
+                    <a:p>
+                      <a:endParaRPr lang="en-RU" dirty="0"/>
+                    </a:p>
+                  </a:txBody>
+                  <a:tcPr/>
+                </a:tc>
+                <a:tc>
+                  <a:txBody>
+                    <a:bodyPr/>
+                    <a:lstStyle/>
+                    <a:p>
+                      <a:endParaRPr lang="en-RU"/>
+                    </a:p>
+                  </a:txBody>
+                  <a:tcPr/>
+                </a:tc>
+                <a:tc>
+                  <a:txBody>
+                    <a:bodyPr/>
+                    <a:lstStyle/>
+                    <a:p>
+                      <a:endParaRPr lang="en-RU"/>
+                    </a:p>
+                  </a:txBody>
+                  <a:tcPr/>
+                </a:tc>
+                <a:extLst>
+                  <a:ext uri="{0D108BD9-81ED-4DB2-BD59-A6C34878D82A}">
+                    <a16:rowId xmlns:a16="http://schemas.microsoft.com/office/drawing/2014/main" val="57999389"/>
+                  </a:ext>
+                </a:extLst>
+              </a:tr>
+              <a:tr h="370840">
+                <a:tc>
+                  <a:txBody>
+                    <a:bodyPr/>
+                    <a:lstStyle/>
+                    <a:p>
+                      <a:r>
+                        <a:rPr lang="en-GB" dirty="0"/>
+                        <a:t>a</a:t>
+                      </a:r>
+                      <a:r>
+                        <a:rPr lang="en-RU" dirty="0"/>
+                        <a:t>mong follows</a:t>
+                      </a:r>
+                    </a:p>
+                  </a:txBody>
+                  <a:tcPr/>
+                </a:tc>
+                <a:tc>
+                  <a:txBody>
+                    <a:bodyPr/>
+                    <a:lstStyle/>
+                    <a:p>
+                      <a:endParaRPr lang="en-RU"/>
+                    </a:p>
+                  </a:txBody>
+                  <a:tcPr/>
+                </a:tc>
+                <a:tc>
+                  <a:txBody>
+                    <a:bodyPr/>
+                    <a:lstStyle/>
+                    <a:p>
+                      <a:endParaRPr lang="en-RU" dirty="0"/>
+                    </a:p>
+                  </a:txBody>
+                  <a:tcPr/>
+                </a:tc>
+                <a:tc>
+                  <a:txBody>
+                    <a:bodyPr/>
+                    <a:lstStyle/>
+                    <a:p>
+                      <a:endParaRPr lang="en-RU"/>
+                    </a:p>
+                  </a:txBody>
+                  <a:tcPr/>
+                </a:tc>
+                <a:tc>
+                  <a:txBody>
+                    <a:bodyPr/>
+                    <a:lstStyle/>
+                    <a:p>
+                      <a:endParaRPr lang="en-RU" dirty="0"/>
+                    </a:p>
+                  </a:txBody>
+                  <a:tcPr/>
+                </a:tc>
+                <a:extLst>
+                  <a:ext uri="{0D108BD9-81ED-4DB2-BD59-A6C34878D82A}">
+                    <a16:rowId xmlns:a16="http://schemas.microsoft.com/office/drawing/2014/main" val="2111396345"/>
+                  </a:ext>
+                </a:extLst>
+              </a:tr>
+            </a:tbl>
+          </a:graphicData>
+        </a:graphic>
+      </p:graphicFrame>
     </p:spTree>
     <p:extLst>
       <p:ext uri="{BB962C8B-B14F-4D97-AF65-F5344CB8AC3E}">
-        <p14:creationId xmlns:p14="http://schemas.microsoft.com/office/powerpoint/2010/main" val="3242170166"/>
+        <p14:creationId xmlns:p14="http://schemas.microsoft.com/office/powerpoint/2010/main" val="1947585422"/>
+      </p:ext>
+    </p:extLst>
+  </p:cSld>
+  <p:clrMapOvr>
+    <a:masterClrMapping/>
+  </p:clrMapOvr>
+</p:sld>
+</file>
+
+<file path=ppt/slides/slide9.xml><?xml version="1.0" encoding="utf-8"?>
+<p:sld xmlns:a="http://schemas.openxmlformats.org/drawingml/2006/main" xmlns:r="http://schemas.openxmlformats.org/officeDocument/2006/relationships" xmlns:p="http://schemas.openxmlformats.org/presentationml/2006/main">
+  <p:cSld>
+    <p:spTree>
+      <p:nvGrpSpPr>
+        <p:cNvPr id="1" name=""/>
+        <p:cNvGrpSpPr/>
+        <p:nvPr/>
+      </p:nvGrpSpPr>
+      <p:grpSpPr>
+        <a:xfrm>
+          <a:off x="0" y="0"/>
+          <a:ext cx="0" cy="0"/>
+          <a:chOff x="0" y="0"/>
+          <a:chExt cx="0" cy="0"/>
+        </a:xfrm>
+      </p:grpSpPr>
+      <p:sp>
+        <p:nvSpPr>
+          <p:cNvPr id="2" name="Title 1">
+            <a:extLst>
+              <a:ext uri="{FF2B5EF4-FFF2-40B4-BE49-F238E27FC236}">
+                <a16:creationId xmlns:a16="http://schemas.microsoft.com/office/drawing/2014/main" id="{020EA5DA-078C-3146-B346-DDA38048075F}"/>
+              </a:ext>
+            </a:extLst>
+          </p:cNvPr>
+          <p:cNvSpPr>
+            <a:spLocks noGrp="1"/>
+          </p:cNvSpPr>
+          <p:nvPr>
+            <p:ph type="title"/>
+          </p:nvPr>
+        </p:nvSpPr>
+        <p:spPr/>
+        <p:txBody>
+          <a:bodyPr/>
+          <a:lstStyle/>
+          <a:p>
+            <a:endParaRPr lang="en-RU"/>
+          </a:p>
+        </p:txBody>
+      </p:sp>
+      <p:sp>
+        <p:nvSpPr>
+          <p:cNvPr id="3" name="Content Placeholder 2">
+            <a:extLst>
+              <a:ext uri="{FF2B5EF4-FFF2-40B4-BE49-F238E27FC236}">
+                <a16:creationId xmlns:a16="http://schemas.microsoft.com/office/drawing/2014/main" id="{93D22201-3946-C34E-9EC5-0EB500F49398}"/>
+              </a:ext>
+            </a:extLst>
+          </p:cNvPr>
+          <p:cNvSpPr>
+            <a:spLocks noGrp="1"/>
+          </p:cNvSpPr>
+          <p:nvPr>
+            <p:ph idx="1"/>
+          </p:nvPr>
+        </p:nvSpPr>
+        <p:spPr/>
+        <p:txBody>
+          <a:bodyPr/>
+          <a:lstStyle/>
+          <a:p>
+            <a:endParaRPr lang="en-RU"/>
+          </a:p>
+        </p:txBody>
+      </p:sp>
+    </p:spTree>
+    <p:extLst>
+      <p:ext uri="{BB962C8B-B14F-4D97-AF65-F5344CB8AC3E}">
+        <p14:creationId xmlns:p14="http://schemas.microsoft.com/office/powerpoint/2010/main" val="1888319588"/>
       </p:ext>
     </p:extLst>
   </p:cSld>

--- a/Report.pptx
+++ b/Report.pptx
@@ -13,7 +13,8 @@
     <p:sldId id="261" r:id="rId7"/>
     <p:sldId id="262" r:id="rId8"/>
     <p:sldId id="263" r:id="rId9"/>
-    <p:sldId id="264" r:id="rId10"/>
+    <p:sldId id="265" r:id="rId10"/>
+    <p:sldId id="264" r:id="rId11"/>
   </p:sldIdLst>
   <p:sldSz cx="12192000" cy="6858000"/>
   <p:notesSz cx="6858000" cy="9144000"/>
@@ -3459,6 +3460,335 @@
 </p:sld>
 </file>
 
+<file path=ppt/slides/slide10.xml><?xml version="1.0" encoding="utf-8"?>
+<p:sld xmlns:a="http://schemas.openxmlformats.org/drawingml/2006/main" xmlns:r="http://schemas.openxmlformats.org/officeDocument/2006/relationships" xmlns:p="http://schemas.openxmlformats.org/presentationml/2006/main">
+  <p:cSld>
+    <p:spTree>
+      <p:nvGrpSpPr>
+        <p:cNvPr id="1" name=""/>
+        <p:cNvGrpSpPr/>
+        <p:nvPr/>
+      </p:nvGrpSpPr>
+      <p:grpSpPr>
+        <a:xfrm>
+          <a:off x="0" y="0"/>
+          <a:ext cx="0" cy="0"/>
+          <a:chOff x="0" y="0"/>
+          <a:chExt cx="0" cy="0"/>
+        </a:xfrm>
+      </p:grpSpPr>
+      <p:graphicFrame>
+        <p:nvGraphicFramePr>
+          <p:cNvPr id="4" name="Table 9">
+            <a:extLst>
+              <a:ext uri="{FF2B5EF4-FFF2-40B4-BE49-F238E27FC236}">
+                <a16:creationId xmlns:a16="http://schemas.microsoft.com/office/drawing/2014/main" id="{8570D5A7-DAFB-3345-9414-99C2C7AAEC83}"/>
+              </a:ext>
+            </a:extLst>
+          </p:cNvPr>
+          <p:cNvGraphicFramePr>
+            <a:graphicFrameLocks noGrp="1"/>
+          </p:cNvGraphicFramePr>
+          <p:nvPr>
+            <p:extLst>
+              <p:ext uri="{D42A27DB-BD31-4B8C-83A1-F6EECF244321}">
+                <p14:modId xmlns:p14="http://schemas.microsoft.com/office/powerpoint/2010/main" val="1013809206"/>
+              </p:ext>
+            </p:extLst>
+          </p:nvPr>
+        </p:nvGraphicFramePr>
+        <p:xfrm>
+          <a:off x="1753672" y="4841875"/>
+          <a:ext cx="9176265" cy="1381760"/>
+        </p:xfrm>
+        <a:graphic>
+          <a:graphicData uri="http://schemas.openxmlformats.org/drawingml/2006/table">
+            <a:tbl>
+              <a:tblPr firstRow="1" bandRow="1">
+                <a:tableStyleId>{ED083AE6-46FA-4A59-8FB0-9F97EB10719F}</a:tableStyleId>
+              </a:tblPr>
+              <a:tblGrid>
+                <a:gridCol w="1835253">
+                  <a:extLst>
+                    <a:ext uri="{9D8B030D-6E8A-4147-A177-3AD203B41FA5}">
+                      <a16:colId xmlns:a16="http://schemas.microsoft.com/office/drawing/2014/main" val="2918176100"/>
+                    </a:ext>
+                  </a:extLst>
+                </a:gridCol>
+                <a:gridCol w="1835253">
+                  <a:extLst>
+                    <a:ext uri="{9D8B030D-6E8A-4147-A177-3AD203B41FA5}">
+                      <a16:colId xmlns:a16="http://schemas.microsoft.com/office/drawing/2014/main" val="2711595899"/>
+                    </a:ext>
+                  </a:extLst>
+                </a:gridCol>
+                <a:gridCol w="1835253">
+                  <a:extLst>
+                    <a:ext uri="{9D8B030D-6E8A-4147-A177-3AD203B41FA5}">
+                      <a16:colId xmlns:a16="http://schemas.microsoft.com/office/drawing/2014/main" val="2968646919"/>
+                    </a:ext>
+                  </a:extLst>
+                </a:gridCol>
+                <a:gridCol w="1835253">
+                  <a:extLst>
+                    <a:ext uri="{9D8B030D-6E8A-4147-A177-3AD203B41FA5}">
+                      <a16:colId xmlns:a16="http://schemas.microsoft.com/office/drawing/2014/main" val="3564307744"/>
+                    </a:ext>
+                  </a:extLst>
+                </a:gridCol>
+                <a:gridCol w="1835253">
+                  <a:extLst>
+                    <a:ext uri="{9D8B030D-6E8A-4147-A177-3AD203B41FA5}">
+                      <a16:colId xmlns:a16="http://schemas.microsoft.com/office/drawing/2014/main" val="2061345368"/>
+                    </a:ext>
+                  </a:extLst>
+                </a:gridCol>
+              </a:tblGrid>
+              <a:tr h="370840">
+                <a:tc>
+                  <a:txBody>
+                    <a:bodyPr/>
+                    <a:lstStyle/>
+                    <a:p>
+                      <a:endParaRPr lang="en-RU"/>
+                    </a:p>
+                  </a:txBody>
+                  <a:tcPr/>
+                </a:tc>
+                <a:tc>
+                  <a:txBody>
+                    <a:bodyPr/>
+                    <a:lstStyle/>
+                    <a:p>
+                      <a:r>
+                        <a:rPr lang="en-RU" dirty="0"/>
+                        <a:t>number</a:t>
+                      </a:r>
+                    </a:p>
+                  </a:txBody>
+                  <a:tcPr/>
+                </a:tc>
+                <a:tc>
+                  <a:txBody>
+                    <a:bodyPr/>
+                    <a:lstStyle/>
+                    <a:p>
+                      <a:r>
+                        <a:rPr lang="en-GB" dirty="0"/>
+                        <a:t>Fraction mentioned</a:t>
+                      </a:r>
+                      <a:endParaRPr lang="en-RU" dirty="0"/>
+                    </a:p>
+                  </a:txBody>
+                  <a:tcPr/>
+                </a:tc>
+                <a:tc>
+                  <a:txBody>
+                    <a:bodyPr/>
+                    <a:lstStyle/>
+                    <a:p>
+                      <a:r>
+                        <a:rPr lang="en-RU" dirty="0"/>
+                        <a:t>Fraction retweeted</a:t>
+                      </a:r>
+                    </a:p>
+                  </a:txBody>
+                  <a:tcPr/>
+                </a:tc>
+                <a:tc>
+                  <a:txBody>
+                    <a:bodyPr/>
+                    <a:lstStyle/>
+                    <a:p>
+                      <a:r>
+                        <a:rPr lang="en-RU" dirty="0"/>
+                        <a:t>Fraction replies</a:t>
+                      </a:r>
+                    </a:p>
+                  </a:txBody>
+                  <a:tcPr/>
+                </a:tc>
+                <a:extLst>
+                  <a:ext uri="{0D108BD9-81ED-4DB2-BD59-A6C34878D82A}">
+                    <a16:rowId xmlns:a16="http://schemas.microsoft.com/office/drawing/2014/main" val="2737127133"/>
+                  </a:ext>
+                </a:extLst>
+              </a:tr>
+              <a:tr h="370840">
+                <a:tc>
+                  <a:txBody>
+                    <a:bodyPr/>
+                    <a:lstStyle/>
+                    <a:p>
+                      <a:r>
+                        <a:rPr lang="en-US" dirty="0"/>
+                        <a:t>among followers</a:t>
+                      </a:r>
+                      <a:endParaRPr lang="en-RU" dirty="0"/>
+                    </a:p>
+                  </a:txBody>
+                  <a:tcPr/>
+                </a:tc>
+                <a:tc>
+                  <a:txBody>
+                    <a:bodyPr/>
+                    <a:lstStyle/>
+                    <a:p>
+                      <a:endParaRPr lang="en-RU"/>
+                    </a:p>
+                  </a:txBody>
+                  <a:tcPr/>
+                </a:tc>
+                <a:tc>
+                  <a:txBody>
+                    <a:bodyPr/>
+                    <a:lstStyle/>
+                    <a:p>
+                      <a:endParaRPr lang="en-RU" dirty="0"/>
+                    </a:p>
+                  </a:txBody>
+                  <a:tcPr/>
+                </a:tc>
+                <a:tc>
+                  <a:txBody>
+                    <a:bodyPr/>
+                    <a:lstStyle/>
+                    <a:p>
+                      <a:endParaRPr lang="en-RU"/>
+                    </a:p>
+                  </a:txBody>
+                  <a:tcPr/>
+                </a:tc>
+                <a:tc>
+                  <a:txBody>
+                    <a:bodyPr/>
+                    <a:lstStyle/>
+                    <a:p>
+                      <a:endParaRPr lang="en-RU"/>
+                    </a:p>
+                  </a:txBody>
+                  <a:tcPr/>
+                </a:tc>
+                <a:extLst>
+                  <a:ext uri="{0D108BD9-81ED-4DB2-BD59-A6C34878D82A}">
+                    <a16:rowId xmlns:a16="http://schemas.microsoft.com/office/drawing/2014/main" val="57999389"/>
+                  </a:ext>
+                </a:extLst>
+              </a:tr>
+              <a:tr h="370840">
+                <a:tc>
+                  <a:txBody>
+                    <a:bodyPr/>
+                    <a:lstStyle/>
+                    <a:p>
+                      <a:r>
+                        <a:rPr lang="en-GB" dirty="0"/>
+                        <a:t>a</a:t>
+                      </a:r>
+                      <a:r>
+                        <a:rPr lang="en-RU" dirty="0"/>
+                        <a:t>mong follows</a:t>
+                      </a:r>
+                    </a:p>
+                  </a:txBody>
+                  <a:tcPr/>
+                </a:tc>
+                <a:tc>
+                  <a:txBody>
+                    <a:bodyPr/>
+                    <a:lstStyle/>
+                    <a:p>
+                      <a:endParaRPr lang="en-RU" dirty="0"/>
+                    </a:p>
+                  </a:txBody>
+                  <a:tcPr/>
+                </a:tc>
+                <a:tc>
+                  <a:txBody>
+                    <a:bodyPr/>
+                    <a:lstStyle/>
+                    <a:p>
+                      <a:endParaRPr lang="en-RU" dirty="0"/>
+                    </a:p>
+                  </a:txBody>
+                  <a:tcPr/>
+                </a:tc>
+                <a:tc>
+                  <a:txBody>
+                    <a:bodyPr/>
+                    <a:lstStyle/>
+                    <a:p>
+                      <a:endParaRPr lang="en-RU"/>
+                    </a:p>
+                  </a:txBody>
+                  <a:tcPr/>
+                </a:tc>
+                <a:tc>
+                  <a:txBody>
+                    <a:bodyPr/>
+                    <a:lstStyle/>
+                    <a:p>
+                      <a:endParaRPr lang="en-RU" dirty="0"/>
+                    </a:p>
+                  </a:txBody>
+                  <a:tcPr/>
+                </a:tc>
+                <a:extLst>
+                  <a:ext uri="{0D108BD9-81ED-4DB2-BD59-A6C34878D82A}">
+                    <a16:rowId xmlns:a16="http://schemas.microsoft.com/office/drawing/2014/main" val="2111396345"/>
+                  </a:ext>
+                </a:extLst>
+              </a:tr>
+            </a:tbl>
+          </a:graphicData>
+        </a:graphic>
+      </p:graphicFrame>
+      <p:sp>
+        <p:nvSpPr>
+          <p:cNvPr id="7" name="Title 1">
+            <a:extLst>
+              <a:ext uri="{FF2B5EF4-FFF2-40B4-BE49-F238E27FC236}">
+                <a16:creationId xmlns:a16="http://schemas.microsoft.com/office/drawing/2014/main" id="{BF2F1A07-6486-744A-BEEA-A795EADF1F53}"/>
+              </a:ext>
+            </a:extLst>
+          </p:cNvPr>
+          <p:cNvSpPr>
+            <a:spLocks noGrp="1"/>
+          </p:cNvSpPr>
+          <p:nvPr>
+            <p:ph type="title"/>
+          </p:nvPr>
+        </p:nvSpPr>
+        <p:spPr>
+          <a:xfrm>
+            <a:off x="838200" y="634365"/>
+            <a:ext cx="10515600" cy="1325563"/>
+          </a:xfrm>
+        </p:spPr>
+        <p:txBody>
+          <a:bodyPr/>
+          <a:lstStyle/>
+          <a:p>
+            <a:r>
+              <a:rPr lang="en-RU" dirty="0"/>
+              <a:t>Predictive analytics methodology</a:t>
+            </a:r>
+          </a:p>
+        </p:txBody>
+      </p:sp>
+    </p:spTree>
+    <p:extLst>
+      <p:ext uri="{BB962C8B-B14F-4D97-AF65-F5344CB8AC3E}">
+        <p14:creationId xmlns:p14="http://schemas.microsoft.com/office/powerpoint/2010/main" val="1888319588"/>
+      </p:ext>
+    </p:extLst>
+  </p:cSld>
+  <p:clrMapOvr>
+    <a:masterClrMapping/>
+  </p:clrMapOvr>
+</p:sld>
+</file>
+
 <file path=ppt/slides/slide2.xml><?xml version="1.0" encoding="utf-8"?>
 <p:sld xmlns:a="http://schemas.openxmlformats.org/drawingml/2006/main" xmlns:r="http://schemas.openxmlformats.org/officeDocument/2006/relationships" xmlns:p="http://schemas.openxmlformats.org/presentationml/2006/main">
   <p:cSld>
@@ -4184,7 +4514,11 @@
           <a:p>
             <a:r>
               <a:rPr lang="en-US" dirty="0"/>
-              <a:t>3) Detection of outliers and musings</a:t>
+              <a:t>3) Detection of outliers and </a:t>
+            </a:r>
+            <a:r>
+              <a:rPr lang="en-US" dirty="0" err="1"/>
+              <a:t>misings</a:t>
             </a:r>
             <a:endParaRPr lang="ru-RU" dirty="0"/>
           </a:p>
@@ -4807,8 +5141,8 @@
         </p:nvSpPr>
         <p:spPr>
           <a:xfrm>
-            <a:off x="1021277" y="1506022"/>
-            <a:ext cx="6652206" cy="3970318"/>
+            <a:off x="522836" y="1519476"/>
+            <a:ext cx="5958106" cy="4801314"/>
           </a:xfrm>
           <a:prstGeom prst="rect">
             <a:avLst/>
@@ -4823,13 +5157,23 @@
           <a:p>
             <a:r>
               <a:rPr lang="en-US" dirty="0"/>
-              <a:t>We will predict probability of infection in certain time interval, </a:t>
-            </a:r>
-          </a:p>
-          <a:p>
+              <a:t>We will predict probability of infection in certain time interval</a:t>
+            </a:r>
+          </a:p>
+          <a:p>
+            <a:r>
+              <a:rPr lang="ru-RU" dirty="0"/>
+              <a:t>1 – </a:t>
+            </a:r>
             <a:r>
               <a:rPr lang="en-US" dirty="0"/>
-              <a:t>depending on the number of infected followers and follows person:</a:t>
+              <a:t>if person is infected in this time interval</a:t>
+            </a:r>
+          </a:p>
+          <a:p>
+            <a:r>
+              <a:rPr lang="en-US" dirty="0"/>
+              <a:t>0 – if infected later (1 day later)</a:t>
             </a:r>
           </a:p>
           <a:p>
@@ -4842,40 +5186,40 @@
             </a:r>
           </a:p>
           <a:p>
-            <a:pPr marL="342900" indent="-342900">
-              <a:buAutoNum type="arabicParenR"/>
-            </a:pPr>
             <a:r>
               <a:rPr lang="en-US" dirty="0"/>
-              <a:t>Object – edge of network (or client of twitter), target - 1 if person</a:t>
+              <a:t>Train contains first half of 7 July (positive examples)</a:t>
             </a:r>
           </a:p>
           <a:p>
             <a:r>
               <a:rPr lang="en-US" dirty="0"/>
-              <a:t> is infected in this time interval or  </a:t>
-            </a:r>
+              <a:t>and first half of 6 July (negative examples – infected later).</a:t>
+            </a:r>
+          </a:p>
+          <a:p>
+            <a:endParaRPr lang="en-US" dirty="0"/>
           </a:p>
           <a:p>
             <a:r>
               <a:rPr lang="en-US" dirty="0"/>
-              <a:t>0 – if person has not been infected in this time interval or earlier</a:t>
+              <a:t>Test contains second half of 7 July (positive examples)</a:t>
             </a:r>
           </a:p>
           <a:p>
             <a:r>
               <a:rPr lang="en-US" dirty="0"/>
-              <a:t>2) Train period is 07 of July, test is 08 July</a:t>
+              <a:t>and second half of 6 July (negative examples – infected later).</a:t>
             </a:r>
           </a:p>
           <a:p>
             <a:endParaRPr lang="en-US" dirty="0"/>
           </a:p>
           <a:p>
-            <a:r>
-              <a:rPr lang="en-US" dirty="0"/>
-              <a:t>Features - for every person compute 8 features:</a:t>
-            </a:r>
+            <a:endParaRPr lang="en-US" dirty="0"/>
+          </a:p>
+          <a:p>
+            <a:endParaRPr lang="en-US" dirty="0"/>
           </a:p>
           <a:p>
             <a:endParaRPr lang="en-US" dirty="0"/>
@@ -4893,10 +5237,10 @@
       </p:sp>
       <p:pic>
         <p:nvPicPr>
-          <p:cNvPr id="8" name="Picture 7">
-            <a:extLst>
-              <a:ext uri="{FF2B5EF4-FFF2-40B4-BE49-F238E27FC236}">
-                <a16:creationId xmlns:a16="http://schemas.microsoft.com/office/drawing/2014/main" id="{93D5C7DB-9FA1-9D4C-9233-576CBD485202}"/>
+          <p:cNvPr id="11" name="Picture 10">
+            <a:extLst>
+              <a:ext uri="{FF2B5EF4-FFF2-40B4-BE49-F238E27FC236}">
+                <a16:creationId xmlns:a16="http://schemas.microsoft.com/office/drawing/2014/main" id="{8A9D288B-D0B8-1545-B964-6F5B0B5A4548}"/>
               </a:ext>
             </a:extLst>
           </p:cNvPr>
@@ -4913,280 +5257,14 @@
         </p:blipFill>
         <p:spPr>
           <a:xfrm>
-            <a:off x="8592623" y="1749425"/>
-            <a:ext cx="2578100" cy="1765300"/>
+            <a:off x="7268146" y="1502688"/>
+            <a:ext cx="4749800" cy="3644900"/>
           </a:xfrm>
           <a:prstGeom prst="rect">
             <a:avLst/>
           </a:prstGeom>
         </p:spPr>
       </p:pic>
-      <p:graphicFrame>
-        <p:nvGraphicFramePr>
-          <p:cNvPr id="9" name="Table 9">
-            <a:extLst>
-              <a:ext uri="{FF2B5EF4-FFF2-40B4-BE49-F238E27FC236}">
-                <a16:creationId xmlns:a16="http://schemas.microsoft.com/office/drawing/2014/main" id="{6B50D1FD-C6F7-E849-96D1-384D7FE207F3}"/>
-              </a:ext>
-            </a:extLst>
-          </p:cNvPr>
-          <p:cNvGraphicFramePr>
-            <a:graphicFrameLocks noGrp="1"/>
-          </p:cNvGraphicFramePr>
-          <p:nvPr>
-            <p:extLst>
-              <p:ext uri="{D42A27DB-BD31-4B8C-83A1-F6EECF244321}">
-                <p14:modId xmlns:p14="http://schemas.microsoft.com/office/powerpoint/2010/main" val="727640589"/>
-              </p:ext>
-            </p:extLst>
-          </p:nvPr>
-        </p:nvGraphicFramePr>
-        <p:xfrm>
-          <a:off x="1753672" y="4841875"/>
-          <a:ext cx="9176265" cy="1381760"/>
-        </p:xfrm>
-        <a:graphic>
-          <a:graphicData uri="http://schemas.openxmlformats.org/drawingml/2006/table">
-            <a:tbl>
-              <a:tblPr firstRow="1" bandRow="1">
-                <a:tableStyleId>{ED083AE6-46FA-4A59-8FB0-9F97EB10719F}</a:tableStyleId>
-              </a:tblPr>
-              <a:tblGrid>
-                <a:gridCol w="1835253">
-                  <a:extLst>
-                    <a:ext uri="{9D8B030D-6E8A-4147-A177-3AD203B41FA5}">
-                      <a16:colId xmlns:a16="http://schemas.microsoft.com/office/drawing/2014/main" val="2918176100"/>
-                    </a:ext>
-                  </a:extLst>
-                </a:gridCol>
-                <a:gridCol w="1835253">
-                  <a:extLst>
-                    <a:ext uri="{9D8B030D-6E8A-4147-A177-3AD203B41FA5}">
-                      <a16:colId xmlns:a16="http://schemas.microsoft.com/office/drawing/2014/main" val="2711595899"/>
-                    </a:ext>
-                  </a:extLst>
-                </a:gridCol>
-                <a:gridCol w="1835253">
-                  <a:extLst>
-                    <a:ext uri="{9D8B030D-6E8A-4147-A177-3AD203B41FA5}">
-                      <a16:colId xmlns:a16="http://schemas.microsoft.com/office/drawing/2014/main" val="2968646919"/>
-                    </a:ext>
-                  </a:extLst>
-                </a:gridCol>
-                <a:gridCol w="1835253">
-                  <a:extLst>
-                    <a:ext uri="{9D8B030D-6E8A-4147-A177-3AD203B41FA5}">
-                      <a16:colId xmlns:a16="http://schemas.microsoft.com/office/drawing/2014/main" val="3564307744"/>
-                    </a:ext>
-                  </a:extLst>
-                </a:gridCol>
-                <a:gridCol w="1835253">
-                  <a:extLst>
-                    <a:ext uri="{9D8B030D-6E8A-4147-A177-3AD203B41FA5}">
-                      <a16:colId xmlns:a16="http://schemas.microsoft.com/office/drawing/2014/main" val="2061345368"/>
-                    </a:ext>
-                  </a:extLst>
-                </a:gridCol>
-              </a:tblGrid>
-              <a:tr h="370840">
-                <a:tc>
-                  <a:txBody>
-                    <a:bodyPr/>
-                    <a:lstStyle/>
-                    <a:p>
-                      <a:endParaRPr lang="en-RU"/>
-                    </a:p>
-                  </a:txBody>
-                  <a:tcPr/>
-                </a:tc>
-                <a:tc>
-                  <a:txBody>
-                    <a:bodyPr/>
-                    <a:lstStyle/>
-                    <a:p>
-                      <a:r>
-                        <a:rPr lang="en-RU" dirty="0"/>
-                        <a:t>number</a:t>
-                      </a:r>
-                    </a:p>
-                  </a:txBody>
-                  <a:tcPr/>
-                </a:tc>
-                <a:tc>
-                  <a:txBody>
-                    <a:bodyPr/>
-                    <a:lstStyle/>
-                    <a:p>
-                      <a:r>
-                        <a:rPr lang="en-GB" dirty="0"/>
-                        <a:t>Fraction mentioned</a:t>
-                      </a:r>
-                      <a:endParaRPr lang="en-RU" dirty="0"/>
-                    </a:p>
-                  </a:txBody>
-                  <a:tcPr/>
-                </a:tc>
-                <a:tc>
-                  <a:txBody>
-                    <a:bodyPr/>
-                    <a:lstStyle/>
-                    <a:p>
-                      <a:r>
-                        <a:rPr lang="en-RU" dirty="0"/>
-                        <a:t>Fraction retweeted</a:t>
-                      </a:r>
-                    </a:p>
-                  </a:txBody>
-                  <a:tcPr/>
-                </a:tc>
-                <a:tc>
-                  <a:txBody>
-                    <a:bodyPr/>
-                    <a:lstStyle/>
-                    <a:p>
-                      <a:r>
-                        <a:rPr lang="en-RU" dirty="0"/>
-                        <a:t>Fraction replies</a:t>
-                      </a:r>
-                    </a:p>
-                  </a:txBody>
-                  <a:tcPr/>
-                </a:tc>
-                <a:extLst>
-                  <a:ext uri="{0D108BD9-81ED-4DB2-BD59-A6C34878D82A}">
-                    <a16:rowId xmlns:a16="http://schemas.microsoft.com/office/drawing/2014/main" val="2737127133"/>
-                  </a:ext>
-                </a:extLst>
-              </a:tr>
-              <a:tr h="370840">
-                <a:tc>
-                  <a:txBody>
-                    <a:bodyPr/>
-                    <a:lstStyle/>
-                    <a:p>
-                      <a:r>
-                        <a:rPr lang="en-US" dirty="0"/>
-                        <a:t>among followers</a:t>
-                      </a:r>
-                      <a:endParaRPr lang="en-RU" dirty="0"/>
-                    </a:p>
-                  </a:txBody>
-                  <a:tcPr/>
-                </a:tc>
-                <a:tc>
-                  <a:txBody>
-                    <a:bodyPr/>
-                    <a:lstStyle/>
-                    <a:p>
-                      <a:endParaRPr lang="en-RU"/>
-                    </a:p>
-                  </a:txBody>
-                  <a:tcPr/>
-                </a:tc>
-                <a:tc>
-                  <a:txBody>
-                    <a:bodyPr/>
-                    <a:lstStyle/>
-                    <a:p>
-                      <a:endParaRPr lang="en-RU" dirty="0"/>
-                    </a:p>
-                  </a:txBody>
-                  <a:tcPr/>
-                </a:tc>
-                <a:tc>
-                  <a:txBody>
-                    <a:bodyPr/>
-                    <a:lstStyle/>
-                    <a:p>
-                      <a:endParaRPr lang="en-RU"/>
-                    </a:p>
-                  </a:txBody>
-                  <a:tcPr/>
-                </a:tc>
-                <a:tc>
-                  <a:txBody>
-                    <a:bodyPr/>
-                    <a:lstStyle/>
-                    <a:p>
-                      <a:endParaRPr lang="en-RU"/>
-                    </a:p>
-                  </a:txBody>
-                  <a:tcPr/>
-                </a:tc>
-                <a:extLst>
-                  <a:ext uri="{0D108BD9-81ED-4DB2-BD59-A6C34878D82A}">
-                    <a16:rowId xmlns:a16="http://schemas.microsoft.com/office/drawing/2014/main" val="57999389"/>
-                  </a:ext>
-                </a:extLst>
-              </a:tr>
-              <a:tr h="370840">
-                <a:tc>
-                  <a:txBody>
-                    <a:bodyPr/>
-                    <a:lstStyle/>
-                    <a:p>
-                      <a:r>
-                        <a:rPr lang="en-GB" dirty="0"/>
-                        <a:t>a</a:t>
-                      </a:r>
-                      <a:r>
-                        <a:rPr lang="en-RU" dirty="0"/>
-                        <a:t>mong follows</a:t>
-                      </a:r>
-                    </a:p>
-                  </a:txBody>
-                  <a:tcPr/>
-                </a:tc>
-                <a:tc>
-                  <a:txBody>
-                    <a:bodyPr/>
-                    <a:lstStyle/>
-                    <a:p>
-                      <a:endParaRPr lang="en-RU"/>
-                    </a:p>
-                  </a:txBody>
-                  <a:tcPr/>
-                </a:tc>
-                <a:tc>
-                  <a:txBody>
-                    <a:bodyPr/>
-                    <a:lstStyle/>
-                    <a:p>
-                      <a:endParaRPr lang="en-RU" dirty="0"/>
-                    </a:p>
-                  </a:txBody>
-                  <a:tcPr/>
-                </a:tc>
-                <a:tc>
-                  <a:txBody>
-                    <a:bodyPr/>
-                    <a:lstStyle/>
-                    <a:p>
-                      <a:endParaRPr lang="en-RU"/>
-                    </a:p>
-                  </a:txBody>
-                  <a:tcPr/>
-                </a:tc>
-                <a:tc>
-                  <a:txBody>
-                    <a:bodyPr/>
-                    <a:lstStyle/>
-                    <a:p>
-                      <a:endParaRPr lang="en-RU" dirty="0"/>
-                    </a:p>
-                  </a:txBody>
-                  <a:tcPr/>
-                </a:tc>
-                <a:extLst>
-                  <a:ext uri="{0D108BD9-81ED-4DB2-BD59-A6C34878D82A}">
-                    <a16:rowId xmlns:a16="http://schemas.microsoft.com/office/drawing/2014/main" val="2111396345"/>
-                  </a:ext>
-                </a:extLst>
-              </a:tr>
-            </a:tbl>
-          </a:graphicData>
-        </a:graphic>
-      </p:graphicFrame>
     </p:spTree>
     <p:extLst>
       <p:ext uri="{BB962C8B-B14F-4D97-AF65-F5344CB8AC3E}">
@@ -5219,58 +5297,269 @@
       </p:grpSpPr>
       <p:sp>
         <p:nvSpPr>
-          <p:cNvPr id="2" name="Title 1">
-            <a:extLst>
-              <a:ext uri="{FF2B5EF4-FFF2-40B4-BE49-F238E27FC236}">
-                <a16:creationId xmlns:a16="http://schemas.microsoft.com/office/drawing/2014/main" id="{020EA5DA-078C-3146-B346-DDA38048075F}"/>
-              </a:ext>
-            </a:extLst>
-          </p:cNvPr>
-          <p:cNvSpPr>
-            <a:spLocks noGrp="1"/>
-          </p:cNvSpPr>
-          <p:nvPr>
-            <p:ph type="title"/>
-          </p:nvPr>
-        </p:nvSpPr>
-        <p:spPr/>
-        <p:txBody>
-          <a:bodyPr/>
-          <a:lstStyle/>
-          <a:p>
-            <a:endParaRPr lang="en-RU"/>
-          </a:p>
-        </p:txBody>
-      </p:sp>
-      <p:sp>
-        <p:nvSpPr>
-          <p:cNvPr id="3" name="Content Placeholder 2">
-            <a:extLst>
-              <a:ext uri="{FF2B5EF4-FFF2-40B4-BE49-F238E27FC236}">
-                <a16:creationId xmlns:a16="http://schemas.microsoft.com/office/drawing/2014/main" id="{93D22201-3946-C34E-9EC5-0EB500F49398}"/>
-              </a:ext>
-            </a:extLst>
-          </p:cNvPr>
-          <p:cNvSpPr>
-            <a:spLocks noGrp="1"/>
-          </p:cNvSpPr>
-          <p:nvPr>
-            <p:ph idx="1"/>
-          </p:nvPr>
-        </p:nvSpPr>
-        <p:spPr/>
-        <p:txBody>
-          <a:bodyPr/>
-          <a:lstStyle/>
-          <a:p>
-            <a:endParaRPr lang="en-RU"/>
-          </a:p>
-        </p:txBody>
-      </p:sp>
+          <p:cNvPr id="4" name="Title 1">
+            <a:extLst>
+              <a:ext uri="{FF2B5EF4-FFF2-40B4-BE49-F238E27FC236}">
+                <a16:creationId xmlns:a16="http://schemas.microsoft.com/office/drawing/2014/main" id="{14D08290-2484-2643-B8A7-53D73ED1D911}"/>
+              </a:ext>
+            </a:extLst>
+          </p:cNvPr>
+          <p:cNvSpPr txBox="1">
+            <a:spLocks/>
+          </p:cNvSpPr>
+          <p:nvPr/>
+        </p:nvSpPr>
+        <p:spPr>
+          <a:xfrm>
+            <a:off x="990600" y="517525"/>
+            <a:ext cx="10515600" cy="1325563"/>
+          </a:xfrm>
+          <a:prstGeom prst="rect">
+            <a:avLst/>
+          </a:prstGeom>
+        </p:spPr>
+        <p:txBody>
+          <a:bodyPr vert="horz" lIns="91440" tIns="45720" rIns="91440" bIns="45720" rtlCol="0" anchor="ctr">
+            <a:normAutofit/>
+          </a:bodyPr>
+          <a:lstStyle>
+            <a:lvl1pPr algn="l" defTabSz="914400" rtl="0" eaLnBrk="1" latinLnBrk="0" hangingPunct="1">
+              <a:lnSpc>
+                <a:spcPct val="90000"/>
+              </a:lnSpc>
+              <a:spcBef>
+                <a:spcPct val="0"/>
+              </a:spcBef>
+              <a:buNone/>
+              <a:defRPr sz="4400" kern="1200">
+                <a:solidFill>
+                  <a:schemeClr val="tx1"/>
+                </a:solidFill>
+                <a:latin typeface="+mj-lt"/>
+                <a:ea typeface="+mj-ea"/>
+                <a:cs typeface="+mj-cs"/>
+              </a:defRPr>
+            </a:lvl1pPr>
+          </a:lstStyle>
+          <a:p>
+            <a:r>
+              <a:rPr lang="en-RU" dirty="0"/>
+              <a:t>EDA with SQL </a:t>
+            </a:r>
+          </a:p>
+        </p:txBody>
+      </p:sp>
+      <p:sp>
+        <p:nvSpPr>
+          <p:cNvPr id="7" name="TextBox 6">
+            <a:extLst>
+              <a:ext uri="{FF2B5EF4-FFF2-40B4-BE49-F238E27FC236}">
+                <a16:creationId xmlns:a16="http://schemas.microsoft.com/office/drawing/2014/main" id="{AB87AEFE-10CA-0745-B153-F04A68056040}"/>
+              </a:ext>
+            </a:extLst>
+          </p:cNvPr>
+          <p:cNvSpPr txBox="1"/>
+          <p:nvPr/>
+        </p:nvSpPr>
+        <p:spPr>
+          <a:xfrm>
+            <a:off x="522836" y="1519476"/>
+            <a:ext cx="10908114" cy="2031325"/>
+          </a:xfrm>
+          <a:prstGeom prst="rect">
+            <a:avLst/>
+          </a:prstGeom>
+          <a:noFill/>
+        </p:spPr>
+        <p:txBody>
+          <a:bodyPr wrap="none" rtlCol="0">
+            <a:spAutoFit/>
+          </a:bodyPr>
+          <a:lstStyle/>
+          <a:p>
+            <a:r>
+              <a:rPr lang="en-US" dirty="0"/>
+              <a:t>We determine train and test sets. In this section we will analyze this tables with SQL</a:t>
+            </a:r>
+            <a:r>
+              <a:rPr lang="ru-RU" dirty="0"/>
+              <a:t> (</a:t>
+            </a:r>
+            <a:r>
+              <a:rPr lang="en-US" dirty="0"/>
+              <a:t>all SQL queries are in </a:t>
+            </a:r>
+            <a:r>
+              <a:rPr lang="en-US" dirty="0" err="1"/>
+              <a:t>jupyter</a:t>
+            </a:r>
+            <a:r>
+              <a:rPr lang="en-US" dirty="0"/>
+              <a:t>)</a:t>
+            </a:r>
+          </a:p>
+          <a:p>
+            <a:endParaRPr lang="en-US" dirty="0"/>
+          </a:p>
+          <a:p>
+            <a:endParaRPr lang="en-US" dirty="0"/>
+          </a:p>
+          <a:p>
+            <a:endParaRPr lang="en-US" dirty="0"/>
+          </a:p>
+          <a:p>
+            <a:endParaRPr lang="en-US" dirty="0"/>
+          </a:p>
+          <a:p>
+            <a:endParaRPr lang="en-US" dirty="0"/>
+          </a:p>
+          <a:p>
+            <a:endParaRPr lang="en-US" dirty="0"/>
+          </a:p>
+        </p:txBody>
+      </p:sp>
+      <p:pic>
+        <p:nvPicPr>
+          <p:cNvPr id="8" name="Picture 7">
+            <a:extLst>
+              <a:ext uri="{FF2B5EF4-FFF2-40B4-BE49-F238E27FC236}">
+                <a16:creationId xmlns:a16="http://schemas.microsoft.com/office/drawing/2014/main" id="{54ACBD8D-8E2F-A94A-B2C1-7226252F00A5}"/>
+              </a:ext>
+            </a:extLst>
+          </p:cNvPr>
+          <p:cNvPicPr>
+            <a:picLocks noChangeAspect="1"/>
+          </p:cNvPicPr>
+          <p:nvPr/>
+        </p:nvPicPr>
+        <p:blipFill>
+          <a:blip r:embed="rId2"/>
+          <a:stretch>
+            <a:fillRect/>
+          </a:stretch>
+        </p:blipFill>
+        <p:spPr>
+          <a:xfrm>
+            <a:off x="522836" y="2438400"/>
+            <a:ext cx="2819400" cy="1981200"/>
+          </a:xfrm>
+          <a:prstGeom prst="rect">
+            <a:avLst/>
+          </a:prstGeom>
+        </p:spPr>
+      </p:pic>
+      <p:sp>
+        <p:nvSpPr>
+          <p:cNvPr id="9" name="TextBox 8">
+            <a:extLst>
+              <a:ext uri="{FF2B5EF4-FFF2-40B4-BE49-F238E27FC236}">
+                <a16:creationId xmlns:a16="http://schemas.microsoft.com/office/drawing/2014/main" id="{1390EF94-0478-BA46-B850-3CDEE44EF50E}"/>
+              </a:ext>
+            </a:extLst>
+          </p:cNvPr>
+          <p:cNvSpPr txBox="1"/>
+          <p:nvPr/>
+        </p:nvSpPr>
+        <p:spPr>
+          <a:xfrm>
+            <a:off x="522836" y="2115681"/>
+            <a:ext cx="4613186" cy="646331"/>
+          </a:xfrm>
+          <a:prstGeom prst="rect">
+            <a:avLst/>
+          </a:prstGeom>
+          <a:noFill/>
+        </p:spPr>
+        <p:txBody>
+          <a:bodyPr wrap="none" rtlCol="0">
+            <a:spAutoFit/>
+          </a:bodyPr>
+          <a:lstStyle/>
+          <a:p>
+            <a:r>
+              <a:rPr lang="en-US" dirty="0"/>
+              <a:t>1) How many objects in train and test samples</a:t>
+            </a:r>
+            <a:r>
+              <a:rPr lang="ru-RU" dirty="0"/>
+              <a:t>?</a:t>
+            </a:r>
+            <a:endParaRPr lang="en-US" dirty="0"/>
+          </a:p>
+          <a:p>
+            <a:endParaRPr lang="en-RU" dirty="0"/>
+          </a:p>
+        </p:txBody>
+      </p:sp>
+      <p:sp>
+        <p:nvSpPr>
+          <p:cNvPr id="10" name="TextBox 9">
+            <a:extLst>
+              <a:ext uri="{FF2B5EF4-FFF2-40B4-BE49-F238E27FC236}">
+                <a16:creationId xmlns:a16="http://schemas.microsoft.com/office/drawing/2014/main" id="{03FDB276-A777-344D-A928-C3132A2D1E7D}"/>
+              </a:ext>
+            </a:extLst>
+          </p:cNvPr>
+          <p:cNvSpPr txBox="1"/>
+          <p:nvPr/>
+        </p:nvSpPr>
+        <p:spPr>
+          <a:xfrm>
+            <a:off x="5379719" y="2115681"/>
+            <a:ext cx="3352521" cy="369332"/>
+          </a:xfrm>
+          <a:prstGeom prst="rect">
+            <a:avLst/>
+          </a:prstGeom>
+          <a:noFill/>
+        </p:spPr>
+        <p:txBody>
+          <a:bodyPr wrap="none" rtlCol="0">
+            <a:spAutoFit/>
+          </a:bodyPr>
+          <a:lstStyle/>
+          <a:p>
+            <a:r>
+              <a:rPr lang="en-RU" dirty="0"/>
+              <a:t>2) Mean of all features in samples</a:t>
+            </a:r>
+          </a:p>
+        </p:txBody>
+      </p:sp>
+      <p:pic>
+        <p:nvPicPr>
+          <p:cNvPr id="11" name="Picture 10">
+            <a:extLst>
+              <a:ext uri="{FF2B5EF4-FFF2-40B4-BE49-F238E27FC236}">
+                <a16:creationId xmlns:a16="http://schemas.microsoft.com/office/drawing/2014/main" id="{53B5A4F1-44B6-1343-8F4E-86411483165B}"/>
+              </a:ext>
+            </a:extLst>
+          </p:cNvPr>
+          <p:cNvPicPr>
+            <a:picLocks noChangeAspect="1"/>
+          </p:cNvPicPr>
+          <p:nvPr/>
+        </p:nvPicPr>
+        <p:blipFill>
+          <a:blip r:embed="rId3"/>
+          <a:stretch>
+            <a:fillRect/>
+          </a:stretch>
+        </p:blipFill>
+        <p:spPr>
+          <a:xfrm>
+            <a:off x="3342236" y="3022943"/>
+            <a:ext cx="8498357" cy="1350045"/>
+          </a:xfrm>
+          <a:prstGeom prst="rect">
+            <a:avLst/>
+          </a:prstGeom>
+        </p:spPr>
+      </p:pic>
     </p:spTree>
     <p:extLst>
       <p:ext uri="{BB962C8B-B14F-4D97-AF65-F5344CB8AC3E}">
-        <p14:creationId xmlns:p14="http://schemas.microsoft.com/office/powerpoint/2010/main" val="1888319588"/>
+        <p14:creationId xmlns:p14="http://schemas.microsoft.com/office/powerpoint/2010/main" val="819576219"/>
       </p:ext>
     </p:extLst>
   </p:cSld>

--- a/Report.pptx
+++ b/Report.pptx
@@ -13,8 +13,11 @@
     <p:sldId id="261" r:id="rId7"/>
     <p:sldId id="262" r:id="rId8"/>
     <p:sldId id="263" r:id="rId9"/>
-    <p:sldId id="265" r:id="rId10"/>
-    <p:sldId id="264" r:id="rId11"/>
+    <p:sldId id="264" r:id="rId10"/>
+    <p:sldId id="265" r:id="rId11"/>
+    <p:sldId id="266" r:id="rId12"/>
+    <p:sldId id="267" r:id="rId13"/>
+    <p:sldId id="268" r:id="rId14"/>
   </p:sldIdLst>
   <p:sldSz cx="12192000" cy="6858000"/>
   <p:notesSz cx="6858000" cy="9144000"/>
@@ -3477,6 +3480,2385 @@
           <a:chExt cx="0" cy="0"/>
         </a:xfrm>
       </p:grpSpPr>
+      <p:sp>
+        <p:nvSpPr>
+          <p:cNvPr id="4" name="Title 1">
+            <a:extLst>
+              <a:ext uri="{FF2B5EF4-FFF2-40B4-BE49-F238E27FC236}">
+                <a16:creationId xmlns:a16="http://schemas.microsoft.com/office/drawing/2014/main" id="{14D08290-2484-2643-B8A7-53D73ED1D911}"/>
+              </a:ext>
+            </a:extLst>
+          </p:cNvPr>
+          <p:cNvSpPr txBox="1">
+            <a:spLocks/>
+          </p:cNvSpPr>
+          <p:nvPr/>
+        </p:nvSpPr>
+        <p:spPr>
+          <a:xfrm>
+            <a:off x="990600" y="517525"/>
+            <a:ext cx="10515600" cy="1325563"/>
+          </a:xfrm>
+          <a:prstGeom prst="rect">
+            <a:avLst/>
+          </a:prstGeom>
+        </p:spPr>
+        <p:txBody>
+          <a:bodyPr vert="horz" lIns="91440" tIns="45720" rIns="91440" bIns="45720" rtlCol="0" anchor="ctr">
+            <a:normAutofit/>
+          </a:bodyPr>
+          <a:lstStyle>
+            <a:lvl1pPr algn="l" defTabSz="914400" rtl="0" eaLnBrk="1" latinLnBrk="0" hangingPunct="1">
+              <a:lnSpc>
+                <a:spcPct val="90000"/>
+              </a:lnSpc>
+              <a:spcBef>
+                <a:spcPct val="0"/>
+              </a:spcBef>
+              <a:buNone/>
+              <a:defRPr sz="4400" kern="1200">
+                <a:solidFill>
+                  <a:schemeClr val="tx1"/>
+                </a:solidFill>
+                <a:latin typeface="+mj-lt"/>
+                <a:ea typeface="+mj-ea"/>
+                <a:cs typeface="+mj-cs"/>
+              </a:defRPr>
+            </a:lvl1pPr>
+          </a:lstStyle>
+          <a:p>
+            <a:r>
+              <a:rPr lang="en-RU" dirty="0"/>
+              <a:t>EDA with SQL </a:t>
+            </a:r>
+          </a:p>
+        </p:txBody>
+      </p:sp>
+      <p:sp>
+        <p:nvSpPr>
+          <p:cNvPr id="7" name="TextBox 6">
+            <a:extLst>
+              <a:ext uri="{FF2B5EF4-FFF2-40B4-BE49-F238E27FC236}">
+                <a16:creationId xmlns:a16="http://schemas.microsoft.com/office/drawing/2014/main" id="{AB87AEFE-10CA-0745-B153-F04A68056040}"/>
+              </a:ext>
+            </a:extLst>
+          </p:cNvPr>
+          <p:cNvSpPr txBox="1"/>
+          <p:nvPr/>
+        </p:nvSpPr>
+        <p:spPr>
+          <a:xfrm>
+            <a:off x="522836" y="1519476"/>
+            <a:ext cx="10908114" cy="2031325"/>
+          </a:xfrm>
+          <a:prstGeom prst="rect">
+            <a:avLst/>
+          </a:prstGeom>
+          <a:noFill/>
+        </p:spPr>
+        <p:txBody>
+          <a:bodyPr wrap="none" rtlCol="0">
+            <a:spAutoFit/>
+          </a:bodyPr>
+          <a:lstStyle/>
+          <a:p>
+            <a:r>
+              <a:rPr lang="en-US" dirty="0"/>
+              <a:t>We determine train and test sets. In this section we will analyze this tables with SQL</a:t>
+            </a:r>
+            <a:r>
+              <a:rPr lang="ru-RU" dirty="0"/>
+              <a:t> (</a:t>
+            </a:r>
+            <a:r>
+              <a:rPr lang="en-US" dirty="0"/>
+              <a:t>all SQL queries are in </a:t>
+            </a:r>
+            <a:r>
+              <a:rPr lang="en-US" dirty="0" err="1"/>
+              <a:t>jupyter</a:t>
+            </a:r>
+            <a:r>
+              <a:rPr lang="en-US" dirty="0"/>
+              <a:t>)</a:t>
+            </a:r>
+          </a:p>
+          <a:p>
+            <a:endParaRPr lang="en-US" dirty="0"/>
+          </a:p>
+          <a:p>
+            <a:endParaRPr lang="en-US" dirty="0"/>
+          </a:p>
+          <a:p>
+            <a:endParaRPr lang="en-US" dirty="0"/>
+          </a:p>
+          <a:p>
+            <a:endParaRPr lang="en-US" dirty="0"/>
+          </a:p>
+          <a:p>
+            <a:endParaRPr lang="en-US" dirty="0"/>
+          </a:p>
+          <a:p>
+            <a:endParaRPr lang="en-US" dirty="0"/>
+          </a:p>
+        </p:txBody>
+      </p:sp>
+      <p:pic>
+        <p:nvPicPr>
+          <p:cNvPr id="8" name="Picture 7">
+            <a:extLst>
+              <a:ext uri="{FF2B5EF4-FFF2-40B4-BE49-F238E27FC236}">
+                <a16:creationId xmlns:a16="http://schemas.microsoft.com/office/drawing/2014/main" id="{54ACBD8D-8E2F-A94A-B2C1-7226252F00A5}"/>
+              </a:ext>
+            </a:extLst>
+          </p:cNvPr>
+          <p:cNvPicPr>
+            <a:picLocks noChangeAspect="1"/>
+          </p:cNvPicPr>
+          <p:nvPr/>
+        </p:nvPicPr>
+        <p:blipFill>
+          <a:blip r:embed="rId2"/>
+          <a:stretch>
+            <a:fillRect/>
+          </a:stretch>
+        </p:blipFill>
+        <p:spPr>
+          <a:xfrm>
+            <a:off x="522836" y="2438400"/>
+            <a:ext cx="2819400" cy="1981200"/>
+          </a:xfrm>
+          <a:prstGeom prst="rect">
+            <a:avLst/>
+          </a:prstGeom>
+        </p:spPr>
+      </p:pic>
+      <p:sp>
+        <p:nvSpPr>
+          <p:cNvPr id="9" name="TextBox 8">
+            <a:extLst>
+              <a:ext uri="{FF2B5EF4-FFF2-40B4-BE49-F238E27FC236}">
+                <a16:creationId xmlns:a16="http://schemas.microsoft.com/office/drawing/2014/main" id="{1390EF94-0478-BA46-B850-3CDEE44EF50E}"/>
+              </a:ext>
+            </a:extLst>
+          </p:cNvPr>
+          <p:cNvSpPr txBox="1"/>
+          <p:nvPr/>
+        </p:nvSpPr>
+        <p:spPr>
+          <a:xfrm>
+            <a:off x="522836" y="2115681"/>
+            <a:ext cx="4613186" cy="646331"/>
+          </a:xfrm>
+          <a:prstGeom prst="rect">
+            <a:avLst/>
+          </a:prstGeom>
+          <a:noFill/>
+        </p:spPr>
+        <p:txBody>
+          <a:bodyPr wrap="none" rtlCol="0">
+            <a:spAutoFit/>
+          </a:bodyPr>
+          <a:lstStyle/>
+          <a:p>
+            <a:r>
+              <a:rPr lang="en-US" dirty="0"/>
+              <a:t>1) How many objects in train and test samples</a:t>
+            </a:r>
+            <a:r>
+              <a:rPr lang="ru-RU" dirty="0"/>
+              <a:t>?</a:t>
+            </a:r>
+            <a:endParaRPr lang="en-US" dirty="0"/>
+          </a:p>
+          <a:p>
+            <a:endParaRPr lang="en-RU" dirty="0"/>
+          </a:p>
+        </p:txBody>
+      </p:sp>
+      <p:sp>
+        <p:nvSpPr>
+          <p:cNvPr id="13" name="TextBox 12">
+            <a:extLst>
+              <a:ext uri="{FF2B5EF4-FFF2-40B4-BE49-F238E27FC236}">
+                <a16:creationId xmlns:a16="http://schemas.microsoft.com/office/drawing/2014/main" id="{4AB5B53F-5321-244B-BD05-796A775D94E6}"/>
+              </a:ext>
+            </a:extLst>
+          </p:cNvPr>
+          <p:cNvSpPr txBox="1"/>
+          <p:nvPr/>
+        </p:nvSpPr>
+        <p:spPr>
+          <a:xfrm>
+            <a:off x="522836" y="4692193"/>
+            <a:ext cx="7652159" cy="369332"/>
+          </a:xfrm>
+          <a:prstGeom prst="rect">
+            <a:avLst/>
+          </a:prstGeom>
+          <a:noFill/>
+        </p:spPr>
+        <p:txBody>
+          <a:bodyPr wrap="none" rtlCol="0">
+            <a:spAutoFit/>
+          </a:bodyPr>
+          <a:lstStyle/>
+          <a:p>
+            <a:r>
+              <a:rPr lang="en-RU" dirty="0"/>
+              <a:t>Insight: </a:t>
+            </a:r>
+            <a:r>
+              <a:rPr lang="en-US" dirty="0"/>
+              <a:t>through time number of samples decrease. It</a:t>
+            </a:r>
+            <a:r>
+              <a:rPr lang="ru-RU" dirty="0"/>
+              <a:t> </a:t>
+            </a:r>
+            <a:r>
+              <a:rPr lang="en-US" dirty="0"/>
+              <a:t>matches with </a:t>
+            </a:r>
+            <a:r>
+              <a:rPr lang="en-US" dirty="0" err="1"/>
+              <a:t>plotly</a:t>
+            </a:r>
+            <a:r>
+              <a:rPr lang="en-US" dirty="0"/>
+              <a:t> graph</a:t>
+            </a:r>
+            <a:endParaRPr lang="en-RU" dirty="0"/>
+          </a:p>
+        </p:txBody>
+      </p:sp>
+    </p:spTree>
+    <p:extLst>
+      <p:ext uri="{BB962C8B-B14F-4D97-AF65-F5344CB8AC3E}">
+        <p14:creationId xmlns:p14="http://schemas.microsoft.com/office/powerpoint/2010/main" val="819576219"/>
+      </p:ext>
+    </p:extLst>
+  </p:cSld>
+  <p:clrMapOvr>
+    <a:masterClrMapping/>
+  </p:clrMapOvr>
+</p:sld>
+</file>
+
+<file path=ppt/slides/slide11.xml><?xml version="1.0" encoding="utf-8"?>
+<p:sld xmlns:a="http://schemas.openxmlformats.org/drawingml/2006/main" xmlns:r="http://schemas.openxmlformats.org/officeDocument/2006/relationships" xmlns:p="http://schemas.openxmlformats.org/presentationml/2006/main">
+  <p:cSld>
+    <p:spTree>
+      <p:nvGrpSpPr>
+        <p:cNvPr id="1" name=""/>
+        <p:cNvGrpSpPr/>
+        <p:nvPr/>
+      </p:nvGrpSpPr>
+      <p:grpSpPr>
+        <a:xfrm>
+          <a:off x="0" y="0"/>
+          <a:ext cx="0" cy="0"/>
+          <a:chOff x="0" y="0"/>
+          <a:chExt cx="0" cy="0"/>
+        </a:xfrm>
+      </p:grpSpPr>
+      <p:sp>
+        <p:nvSpPr>
+          <p:cNvPr id="4" name="Title 1">
+            <a:extLst>
+              <a:ext uri="{FF2B5EF4-FFF2-40B4-BE49-F238E27FC236}">
+                <a16:creationId xmlns:a16="http://schemas.microsoft.com/office/drawing/2014/main" id="{7074CFA6-BD16-424D-9740-EFA716977FC6}"/>
+              </a:ext>
+            </a:extLst>
+          </p:cNvPr>
+          <p:cNvSpPr txBox="1">
+            <a:spLocks/>
+          </p:cNvSpPr>
+          <p:nvPr/>
+        </p:nvSpPr>
+        <p:spPr>
+          <a:xfrm>
+            <a:off x="990600" y="517525"/>
+            <a:ext cx="10515600" cy="1325563"/>
+          </a:xfrm>
+          <a:prstGeom prst="rect">
+            <a:avLst/>
+          </a:prstGeom>
+        </p:spPr>
+        <p:txBody>
+          <a:bodyPr vert="horz" lIns="91440" tIns="45720" rIns="91440" bIns="45720" rtlCol="0" anchor="ctr">
+            <a:normAutofit/>
+          </a:bodyPr>
+          <a:lstStyle>
+            <a:lvl1pPr algn="l" defTabSz="914400" rtl="0" eaLnBrk="1" latinLnBrk="0" hangingPunct="1">
+              <a:lnSpc>
+                <a:spcPct val="90000"/>
+              </a:lnSpc>
+              <a:spcBef>
+                <a:spcPct val="0"/>
+              </a:spcBef>
+              <a:buNone/>
+              <a:defRPr sz="4400" kern="1200">
+                <a:solidFill>
+                  <a:schemeClr val="tx1"/>
+                </a:solidFill>
+                <a:latin typeface="+mj-lt"/>
+                <a:ea typeface="+mj-ea"/>
+                <a:cs typeface="+mj-cs"/>
+              </a:defRPr>
+            </a:lvl1pPr>
+          </a:lstStyle>
+          <a:p>
+            <a:r>
+              <a:rPr lang="en-RU" dirty="0"/>
+              <a:t>EDA with SQL </a:t>
+            </a:r>
+          </a:p>
+        </p:txBody>
+      </p:sp>
+      <p:sp>
+        <p:nvSpPr>
+          <p:cNvPr id="6" name="TextBox 5">
+            <a:extLst>
+              <a:ext uri="{FF2B5EF4-FFF2-40B4-BE49-F238E27FC236}">
+                <a16:creationId xmlns:a16="http://schemas.microsoft.com/office/drawing/2014/main" id="{2868C338-7064-C647-82FA-E0969A35A7F7}"/>
+              </a:ext>
+            </a:extLst>
+          </p:cNvPr>
+          <p:cNvSpPr txBox="1"/>
+          <p:nvPr/>
+        </p:nvSpPr>
+        <p:spPr>
+          <a:xfrm>
+            <a:off x="990600" y="1843088"/>
+            <a:ext cx="3352521" cy="369332"/>
+          </a:xfrm>
+          <a:prstGeom prst="rect">
+            <a:avLst/>
+          </a:prstGeom>
+          <a:noFill/>
+        </p:spPr>
+        <p:txBody>
+          <a:bodyPr wrap="none" rtlCol="0">
+            <a:spAutoFit/>
+          </a:bodyPr>
+          <a:lstStyle/>
+          <a:p>
+            <a:r>
+              <a:rPr lang="en-RU" dirty="0"/>
+              <a:t>2) Mean of all features in samples</a:t>
+            </a:r>
+          </a:p>
+        </p:txBody>
+      </p:sp>
+      <p:pic>
+        <p:nvPicPr>
+          <p:cNvPr id="7" name="Picture 6">
+            <a:extLst>
+              <a:ext uri="{FF2B5EF4-FFF2-40B4-BE49-F238E27FC236}">
+                <a16:creationId xmlns:a16="http://schemas.microsoft.com/office/drawing/2014/main" id="{B2B6DDE3-3C38-FC47-B912-8CD267359C62}"/>
+              </a:ext>
+            </a:extLst>
+          </p:cNvPr>
+          <p:cNvPicPr>
+            <a:picLocks noChangeAspect="1"/>
+          </p:cNvPicPr>
+          <p:nvPr/>
+        </p:nvPicPr>
+        <p:blipFill>
+          <a:blip r:embed="rId2"/>
+          <a:stretch>
+            <a:fillRect/>
+          </a:stretch>
+        </p:blipFill>
+        <p:spPr>
+          <a:xfrm>
+            <a:off x="1028700" y="2287950"/>
+            <a:ext cx="8498357" cy="1350045"/>
+          </a:xfrm>
+          <a:prstGeom prst="rect">
+            <a:avLst/>
+          </a:prstGeom>
+        </p:spPr>
+      </p:pic>
+      <p:sp>
+        <p:nvSpPr>
+          <p:cNvPr id="8" name="TextBox 7">
+            <a:extLst>
+              <a:ext uri="{FF2B5EF4-FFF2-40B4-BE49-F238E27FC236}">
+                <a16:creationId xmlns:a16="http://schemas.microsoft.com/office/drawing/2014/main" id="{56B30175-F592-4C4D-8ED0-76170E092D8D}"/>
+              </a:ext>
+            </a:extLst>
+          </p:cNvPr>
+          <p:cNvSpPr txBox="1"/>
+          <p:nvPr/>
+        </p:nvSpPr>
+        <p:spPr>
+          <a:xfrm>
+            <a:off x="1028700" y="4600575"/>
+            <a:ext cx="10067884" cy="646331"/>
+          </a:xfrm>
+          <a:prstGeom prst="rect">
+            <a:avLst/>
+          </a:prstGeom>
+          <a:noFill/>
+        </p:spPr>
+        <p:txBody>
+          <a:bodyPr wrap="none" rtlCol="0">
+            <a:spAutoFit/>
+          </a:bodyPr>
+          <a:lstStyle/>
+          <a:p>
+            <a:r>
+              <a:rPr lang="en-RU" dirty="0"/>
+              <a:t>Insight: we see that average of infected neirhbors (different types) does not</a:t>
+            </a:r>
+            <a:r>
+              <a:rPr lang="ru-RU" dirty="0"/>
+              <a:t> </a:t>
+            </a:r>
+            <a:r>
+              <a:rPr lang="en-US" dirty="0"/>
+              <a:t>depend on class and sample, </a:t>
+            </a:r>
+          </a:p>
+          <a:p>
+            <a:r>
+              <a:rPr lang="en-US" dirty="0"/>
+              <a:t>but really depends on time of slice (train_1, test_1, train_0, test_0)</a:t>
+            </a:r>
+            <a:endParaRPr lang="en-RU" dirty="0"/>
+          </a:p>
+        </p:txBody>
+      </p:sp>
+    </p:spTree>
+    <p:extLst>
+      <p:ext uri="{BB962C8B-B14F-4D97-AF65-F5344CB8AC3E}">
+        <p14:creationId xmlns:p14="http://schemas.microsoft.com/office/powerpoint/2010/main" val="2299695050"/>
+      </p:ext>
+    </p:extLst>
+  </p:cSld>
+  <p:clrMapOvr>
+    <a:masterClrMapping/>
+  </p:clrMapOvr>
+</p:sld>
+</file>
+
+<file path=ppt/slides/slide12.xml><?xml version="1.0" encoding="utf-8"?>
+<p:sld xmlns:a="http://schemas.openxmlformats.org/drawingml/2006/main" xmlns:r="http://schemas.openxmlformats.org/officeDocument/2006/relationships" xmlns:p="http://schemas.openxmlformats.org/presentationml/2006/main">
+  <p:cSld>
+    <p:spTree>
+      <p:nvGrpSpPr>
+        <p:cNvPr id="1" name=""/>
+        <p:cNvGrpSpPr/>
+        <p:nvPr/>
+      </p:nvGrpSpPr>
+      <p:grpSpPr>
+        <a:xfrm>
+          <a:off x="0" y="0"/>
+          <a:ext cx="0" cy="0"/>
+          <a:chOff x="0" y="0"/>
+          <a:chExt cx="0" cy="0"/>
+        </a:xfrm>
+      </p:grpSpPr>
+      <p:sp>
+        <p:nvSpPr>
+          <p:cNvPr id="2" name="Title 1">
+            <a:extLst>
+              <a:ext uri="{FF2B5EF4-FFF2-40B4-BE49-F238E27FC236}">
+                <a16:creationId xmlns:a16="http://schemas.microsoft.com/office/drawing/2014/main" id="{75164686-1E7A-5F49-9332-268822DFB7DC}"/>
+              </a:ext>
+            </a:extLst>
+          </p:cNvPr>
+          <p:cNvSpPr>
+            <a:spLocks noGrp="1"/>
+          </p:cNvSpPr>
+          <p:nvPr>
+            <p:ph type="title"/>
+          </p:nvPr>
+        </p:nvSpPr>
+        <p:spPr/>
+        <p:txBody>
+          <a:bodyPr/>
+          <a:lstStyle/>
+          <a:p>
+            <a:r>
+              <a:rPr lang="en-RU" dirty="0"/>
+              <a:t>Results of predictive analytics</a:t>
+            </a:r>
+          </a:p>
+        </p:txBody>
+      </p:sp>
+      <p:sp>
+        <p:nvSpPr>
+          <p:cNvPr id="4" name="TextBox 3">
+            <a:extLst>
+              <a:ext uri="{FF2B5EF4-FFF2-40B4-BE49-F238E27FC236}">
+                <a16:creationId xmlns:a16="http://schemas.microsoft.com/office/drawing/2014/main" id="{4AAF3108-576B-6B46-ADB9-2841D8509B61}"/>
+              </a:ext>
+            </a:extLst>
+          </p:cNvPr>
+          <p:cNvSpPr txBox="1"/>
+          <p:nvPr/>
+        </p:nvSpPr>
+        <p:spPr>
+          <a:xfrm>
+            <a:off x="838200" y="1929746"/>
+            <a:ext cx="4130490" cy="1754326"/>
+          </a:xfrm>
+          <a:prstGeom prst="rect">
+            <a:avLst/>
+          </a:prstGeom>
+          <a:noFill/>
+        </p:spPr>
+        <p:txBody>
+          <a:bodyPr wrap="none" rtlCol="0">
+            <a:spAutoFit/>
+          </a:bodyPr>
+          <a:lstStyle/>
+          <a:p>
+            <a:r>
+              <a:rPr lang="en-RU" dirty="0"/>
+              <a:t>We use simple logreg without</a:t>
+            </a:r>
+          </a:p>
+          <a:p>
+            <a:r>
+              <a:rPr lang="en-RU" dirty="0"/>
+              <a:t> hyperparametres tunning</a:t>
+            </a:r>
+          </a:p>
+          <a:p>
+            <a:endParaRPr lang="en-RU" dirty="0"/>
+          </a:p>
+          <a:p>
+            <a:r>
+              <a:rPr lang="en-RU" dirty="0"/>
+              <a:t>Result:</a:t>
+            </a:r>
+            <a:r>
+              <a:rPr lang="ru-RU" dirty="0"/>
+              <a:t> </a:t>
+            </a:r>
+            <a:r>
+              <a:rPr lang="en-US" dirty="0"/>
+              <a:t>we get not very good performance</a:t>
+            </a:r>
+          </a:p>
+          <a:p>
+            <a:r>
+              <a:rPr lang="en-US" dirty="0"/>
+              <a:t> and metrics, but we can say that </a:t>
+            </a:r>
+          </a:p>
+          <a:p>
+            <a:r>
+              <a:rPr lang="en-US" dirty="0"/>
+              <a:t>Better performance on class 1</a:t>
+            </a:r>
+            <a:endParaRPr lang="en-RU" dirty="0"/>
+          </a:p>
+        </p:txBody>
+      </p:sp>
+      <p:pic>
+        <p:nvPicPr>
+          <p:cNvPr id="5" name="Picture 4">
+            <a:extLst>
+              <a:ext uri="{FF2B5EF4-FFF2-40B4-BE49-F238E27FC236}">
+                <a16:creationId xmlns:a16="http://schemas.microsoft.com/office/drawing/2014/main" id="{F81D4799-5A23-CF4A-9B45-44E0484FA441}"/>
+              </a:ext>
+            </a:extLst>
+          </p:cNvPr>
+          <p:cNvPicPr>
+            <a:picLocks noChangeAspect="1"/>
+          </p:cNvPicPr>
+          <p:nvPr/>
+        </p:nvPicPr>
+        <p:blipFill>
+          <a:blip r:embed="rId2"/>
+          <a:stretch>
+            <a:fillRect/>
+          </a:stretch>
+        </p:blipFill>
+        <p:spPr>
+          <a:xfrm>
+            <a:off x="5121276" y="1506022"/>
+            <a:ext cx="6451600" cy="4356100"/>
+          </a:xfrm>
+          <a:prstGeom prst="rect">
+            <a:avLst/>
+          </a:prstGeom>
+        </p:spPr>
+      </p:pic>
+    </p:spTree>
+    <p:extLst>
+      <p:ext uri="{BB962C8B-B14F-4D97-AF65-F5344CB8AC3E}">
+        <p14:creationId xmlns:p14="http://schemas.microsoft.com/office/powerpoint/2010/main" val="1809547613"/>
+      </p:ext>
+    </p:extLst>
+  </p:cSld>
+  <p:clrMapOvr>
+    <a:masterClrMapping/>
+  </p:clrMapOvr>
+</p:sld>
+</file>
+
+<file path=ppt/slides/slide13.xml><?xml version="1.0" encoding="utf-8"?>
+<p:sld xmlns:a="http://schemas.openxmlformats.org/drawingml/2006/main" xmlns:r="http://schemas.openxmlformats.org/officeDocument/2006/relationships" xmlns:p="http://schemas.openxmlformats.org/presentationml/2006/main">
+  <p:cSld>
+    <p:spTree>
+      <p:nvGrpSpPr>
+        <p:cNvPr id="1" name=""/>
+        <p:cNvGrpSpPr/>
+        <p:nvPr/>
+      </p:nvGrpSpPr>
+      <p:grpSpPr>
+        <a:xfrm>
+          <a:off x="0" y="0"/>
+          <a:ext cx="0" cy="0"/>
+          <a:chOff x="0" y="0"/>
+          <a:chExt cx="0" cy="0"/>
+        </a:xfrm>
+      </p:grpSpPr>
+      <p:sp>
+        <p:nvSpPr>
+          <p:cNvPr id="4" name="Title 1">
+            <a:extLst>
+              <a:ext uri="{FF2B5EF4-FFF2-40B4-BE49-F238E27FC236}">
+                <a16:creationId xmlns:a16="http://schemas.microsoft.com/office/drawing/2014/main" id="{CA196EBB-5CDE-D141-94E4-958BAA47C763}"/>
+              </a:ext>
+            </a:extLst>
+          </p:cNvPr>
+          <p:cNvSpPr>
+            <a:spLocks noGrp="1"/>
+          </p:cNvSpPr>
+          <p:nvPr>
+            <p:ph type="title"/>
+          </p:nvPr>
+        </p:nvSpPr>
+        <p:spPr>
+          <a:xfrm>
+            <a:off x="838200" y="365125"/>
+            <a:ext cx="10515600" cy="1325563"/>
+          </a:xfrm>
+        </p:spPr>
+        <p:txBody>
+          <a:bodyPr/>
+          <a:lstStyle/>
+          <a:p>
+            <a:r>
+              <a:rPr lang="en-RU" dirty="0"/>
+              <a:t>Results of predictive analytics</a:t>
+            </a:r>
+          </a:p>
+        </p:txBody>
+      </p:sp>
+      <p:sp>
+        <p:nvSpPr>
+          <p:cNvPr id="5" name="TextBox 4">
+            <a:extLst>
+              <a:ext uri="{FF2B5EF4-FFF2-40B4-BE49-F238E27FC236}">
+                <a16:creationId xmlns:a16="http://schemas.microsoft.com/office/drawing/2014/main" id="{54893676-2DCD-EC4D-918E-12BF9CD2D1A3}"/>
+              </a:ext>
+            </a:extLst>
+          </p:cNvPr>
+          <p:cNvSpPr txBox="1"/>
+          <p:nvPr/>
+        </p:nvSpPr>
+        <p:spPr>
+          <a:xfrm>
+            <a:off x="1109662" y="1630918"/>
+            <a:ext cx="4718215" cy="369332"/>
+          </a:xfrm>
+          <a:prstGeom prst="rect">
+            <a:avLst/>
+          </a:prstGeom>
+          <a:noFill/>
+        </p:spPr>
+        <p:txBody>
+          <a:bodyPr wrap="none" rtlCol="0">
+            <a:spAutoFit/>
+          </a:bodyPr>
+          <a:lstStyle/>
+          <a:p>
+            <a:r>
+              <a:rPr lang="en-RU" dirty="0"/>
+              <a:t>Yhe main and most interest result is on this slide</a:t>
+            </a:r>
+          </a:p>
+        </p:txBody>
+      </p:sp>
+      <p:pic>
+        <p:nvPicPr>
+          <p:cNvPr id="6" name="Picture 5">
+            <a:extLst>
+              <a:ext uri="{FF2B5EF4-FFF2-40B4-BE49-F238E27FC236}">
+                <a16:creationId xmlns:a16="http://schemas.microsoft.com/office/drawing/2014/main" id="{1B7EC617-28A1-DD45-A96E-D3646AD9F0B2}"/>
+              </a:ext>
+            </a:extLst>
+          </p:cNvPr>
+          <p:cNvPicPr>
+            <a:picLocks noChangeAspect="1"/>
+          </p:cNvPicPr>
+          <p:nvPr/>
+        </p:nvPicPr>
+        <p:blipFill>
+          <a:blip r:embed="rId2"/>
+          <a:stretch>
+            <a:fillRect/>
+          </a:stretch>
+        </p:blipFill>
+        <p:spPr>
+          <a:xfrm>
+            <a:off x="838200" y="2493406"/>
+            <a:ext cx="5486400" cy="2527300"/>
+          </a:xfrm>
+          <a:prstGeom prst="rect">
+            <a:avLst/>
+          </a:prstGeom>
+        </p:spPr>
+      </p:pic>
+      <p:sp>
+        <p:nvSpPr>
+          <p:cNvPr id="7" name="TextBox 6">
+            <a:extLst>
+              <a:ext uri="{FF2B5EF4-FFF2-40B4-BE49-F238E27FC236}">
+                <a16:creationId xmlns:a16="http://schemas.microsoft.com/office/drawing/2014/main" id="{81EDDD75-C46B-F84F-BB17-1331713A9199}"/>
+              </a:ext>
+            </a:extLst>
+          </p:cNvPr>
+          <p:cNvSpPr txBox="1"/>
+          <p:nvPr/>
+        </p:nvSpPr>
+        <p:spPr>
+          <a:xfrm>
+            <a:off x="6596062" y="1508313"/>
+            <a:ext cx="5436104" cy="4247317"/>
+          </a:xfrm>
+          <a:prstGeom prst="rect">
+            <a:avLst/>
+          </a:prstGeom>
+          <a:noFill/>
+        </p:spPr>
+        <p:txBody>
+          <a:bodyPr wrap="none" rtlCol="0">
+            <a:spAutoFit/>
+          </a:bodyPr>
+          <a:lstStyle/>
+          <a:p>
+            <a:r>
+              <a:rPr lang="en-RU" dirty="0"/>
+              <a:t>We can interpretate values of logreg weights.</a:t>
+            </a:r>
+          </a:p>
+          <a:p>
+            <a:r>
+              <a:rPr lang="en-GB" dirty="0"/>
+              <a:t>c</a:t>
+            </a:r>
+            <a:r>
+              <a:rPr lang="en-RU" dirty="0"/>
+              <a:t>oef_i &gt; 0 =&gt; more value of feature_i </a:t>
+            </a:r>
+            <a:r>
+              <a:rPr lang="en-US" dirty="0"/>
+              <a:t>leads </a:t>
+            </a:r>
+          </a:p>
+          <a:p>
+            <a:r>
+              <a:rPr lang="en-US" dirty="0"/>
+              <a:t>to increase probability of infection</a:t>
+            </a:r>
+            <a:endParaRPr lang="en-RU" dirty="0"/>
+          </a:p>
+          <a:p>
+            <a:endParaRPr lang="en-RU" dirty="0"/>
+          </a:p>
+          <a:p>
+            <a:r>
+              <a:rPr lang="en-RU" dirty="0"/>
+              <a:t>What we see</a:t>
+            </a:r>
+            <a:r>
+              <a:rPr lang="ru-RU" dirty="0"/>
+              <a:t>?</a:t>
+            </a:r>
+            <a:br>
+              <a:rPr lang="ru-RU" dirty="0"/>
+            </a:br>
+            <a:br>
+              <a:rPr lang="ru-RU" dirty="0"/>
+            </a:br>
+            <a:r>
+              <a:rPr lang="en-US" dirty="0"/>
+              <a:t>1) The higher number of neighbors, </a:t>
+            </a:r>
+          </a:p>
+          <a:p>
+            <a:r>
+              <a:rPr lang="en-US" dirty="0"/>
+              <a:t>the less probability of infection</a:t>
+            </a:r>
+          </a:p>
+          <a:p>
+            <a:endParaRPr lang="en-US" dirty="0"/>
+          </a:p>
+          <a:p>
+            <a:r>
+              <a:rPr lang="en-US" dirty="0"/>
+              <a:t>2) The higher number of neighbors </a:t>
+            </a:r>
+          </a:p>
+          <a:p>
+            <a:r>
+              <a:rPr lang="en-US" dirty="0"/>
+              <a:t>that infected with mention,</a:t>
+            </a:r>
+          </a:p>
+          <a:p>
+            <a:r>
+              <a:rPr lang="en-US" dirty="0"/>
+              <a:t>The less probability of infection</a:t>
+            </a:r>
+          </a:p>
+          <a:p>
+            <a:endParaRPr lang="en-US" dirty="0"/>
+          </a:p>
+          <a:p>
+            <a:r>
+              <a:rPr lang="en-US" dirty="0"/>
+              <a:t>3) Most strength indicator of fast infection is number of </a:t>
+            </a:r>
+          </a:p>
+          <a:p>
+            <a:r>
+              <a:rPr lang="en-US" dirty="0"/>
+              <a:t>Infection neighbors, infected with retweet</a:t>
+            </a:r>
+            <a:endParaRPr lang="en-RU" dirty="0"/>
+          </a:p>
+        </p:txBody>
+      </p:sp>
+    </p:spTree>
+    <p:extLst>
+      <p:ext uri="{BB962C8B-B14F-4D97-AF65-F5344CB8AC3E}">
+        <p14:creationId xmlns:p14="http://schemas.microsoft.com/office/powerpoint/2010/main" val="2711620237"/>
+      </p:ext>
+    </p:extLst>
+  </p:cSld>
+  <p:clrMapOvr>
+    <a:masterClrMapping/>
+  </p:clrMapOvr>
+</p:sld>
+</file>
+
+<file path=ppt/slides/slide2.xml><?xml version="1.0" encoding="utf-8"?>
+<p:sld xmlns:a="http://schemas.openxmlformats.org/drawingml/2006/main" xmlns:r="http://schemas.openxmlformats.org/officeDocument/2006/relationships" xmlns:p="http://schemas.openxmlformats.org/presentationml/2006/main">
+  <p:cSld>
+    <p:spTree>
+      <p:nvGrpSpPr>
+        <p:cNvPr id="1" name=""/>
+        <p:cNvGrpSpPr/>
+        <p:nvPr/>
+      </p:nvGrpSpPr>
+      <p:grpSpPr>
+        <a:xfrm>
+          <a:off x="0" y="0"/>
+          <a:ext cx="0" cy="0"/>
+          <a:chOff x="0" y="0"/>
+          <a:chExt cx="0" cy="0"/>
+        </a:xfrm>
+      </p:grpSpPr>
+      <p:sp>
+        <p:nvSpPr>
+          <p:cNvPr id="2" name="Title 1">
+            <a:extLst>
+              <a:ext uri="{FF2B5EF4-FFF2-40B4-BE49-F238E27FC236}">
+                <a16:creationId xmlns:a16="http://schemas.microsoft.com/office/drawing/2014/main" id="{B640F2DD-64D9-6345-8636-AC3FE427EC3E}"/>
+              </a:ext>
+            </a:extLst>
+          </p:cNvPr>
+          <p:cNvSpPr>
+            <a:spLocks noGrp="1"/>
+          </p:cNvSpPr>
+          <p:nvPr>
+            <p:ph type="title"/>
+          </p:nvPr>
+        </p:nvSpPr>
+        <p:spPr/>
+        <p:txBody>
+          <a:bodyPr/>
+          <a:lstStyle/>
+          <a:p>
+            <a:r>
+              <a:rPr lang="en-GB" b="1" dirty="0"/>
+              <a:t>Higgs Twitter Dataset</a:t>
+            </a:r>
+            <a:br>
+              <a:rPr lang="en-GB" b="1" dirty="0"/>
+            </a:br>
+            <a:endParaRPr lang="en-RU" dirty="0"/>
+          </a:p>
+        </p:txBody>
+      </p:sp>
+      <p:sp>
+        <p:nvSpPr>
+          <p:cNvPr id="4" name="TextBox 3">
+            <a:extLst>
+              <a:ext uri="{FF2B5EF4-FFF2-40B4-BE49-F238E27FC236}">
+                <a16:creationId xmlns:a16="http://schemas.microsoft.com/office/drawing/2014/main" id="{5F9C374D-708C-FC49-A780-A679840F1F06}"/>
+              </a:ext>
+            </a:extLst>
+          </p:cNvPr>
+          <p:cNvSpPr txBox="1"/>
+          <p:nvPr/>
+        </p:nvSpPr>
+        <p:spPr>
+          <a:xfrm>
+            <a:off x="1021277" y="1506022"/>
+            <a:ext cx="8949373" cy="1754326"/>
+          </a:xfrm>
+          <a:prstGeom prst="rect">
+            <a:avLst/>
+          </a:prstGeom>
+          <a:noFill/>
+        </p:spPr>
+        <p:txBody>
+          <a:bodyPr wrap="none" rtlCol="0">
+            <a:spAutoFit/>
+          </a:bodyPr>
+          <a:lstStyle/>
+          <a:p>
+            <a:r>
+              <a:rPr lang="en-RU" dirty="0"/>
+              <a:t>We use data from </a:t>
+            </a:r>
+            <a:r>
+              <a:rPr lang="en-GB" dirty="0">
+                <a:hlinkClick r:id="rId2"/>
+              </a:rPr>
+              <a:t>https://snap.stanford.edu/data/higgs-twitter.html</a:t>
+            </a:r>
+            <a:endParaRPr lang="en-GB" dirty="0"/>
+          </a:p>
+          <a:p>
+            <a:endParaRPr lang="en-GB" dirty="0"/>
+          </a:p>
+          <a:p>
+            <a:r>
+              <a:rPr lang="en-GB" dirty="0"/>
+              <a:t>It is information about how </a:t>
+            </a:r>
+            <a:r>
+              <a:rPr lang="en-US" dirty="0"/>
+              <a:t>discovery Boson Higgs’</a:t>
+            </a:r>
+            <a:r>
+              <a:rPr lang="en-GB" dirty="0"/>
+              <a:t> rumour is spreading through twitter.</a:t>
+            </a:r>
+          </a:p>
+          <a:p>
+            <a:r>
+              <a:rPr lang="en-RU" dirty="0"/>
+              <a:t>In EDA we can see in what type rumor is spreading (retweet, motions, replies) throught time</a:t>
+            </a:r>
+          </a:p>
+          <a:p>
+            <a:endParaRPr lang="en-RU" dirty="0"/>
+          </a:p>
+          <a:p>
+            <a:r>
+              <a:rPr lang="en-RU" dirty="0"/>
+              <a:t>In predictive analysis we can see what parametres influence on spreading</a:t>
+            </a:r>
+            <a:endParaRPr lang="en-GB" dirty="0"/>
+          </a:p>
+        </p:txBody>
+      </p:sp>
+    </p:spTree>
+    <p:extLst>
+      <p:ext uri="{BB962C8B-B14F-4D97-AF65-F5344CB8AC3E}">
+        <p14:creationId xmlns:p14="http://schemas.microsoft.com/office/powerpoint/2010/main" val="804940946"/>
+      </p:ext>
+    </p:extLst>
+  </p:cSld>
+  <p:clrMapOvr>
+    <a:masterClrMapping/>
+  </p:clrMapOvr>
+</p:sld>
+</file>
+
+<file path=ppt/slides/slide3.xml><?xml version="1.0" encoding="utf-8"?>
+<p:sld xmlns:a="http://schemas.openxmlformats.org/drawingml/2006/main" xmlns:r="http://schemas.openxmlformats.org/officeDocument/2006/relationships" xmlns:p="http://schemas.openxmlformats.org/presentationml/2006/main">
+  <p:cSld>
+    <p:spTree>
+      <p:nvGrpSpPr>
+        <p:cNvPr id="1" name=""/>
+        <p:cNvGrpSpPr/>
+        <p:nvPr/>
+      </p:nvGrpSpPr>
+      <p:grpSpPr>
+        <a:xfrm>
+          <a:off x="0" y="0"/>
+          <a:ext cx="0" cy="0"/>
+          <a:chOff x="0" y="0"/>
+          <a:chExt cx="0" cy="0"/>
+        </a:xfrm>
+      </p:grpSpPr>
+      <p:sp>
+        <p:nvSpPr>
+          <p:cNvPr id="4" name="Title 1">
+            <a:extLst>
+              <a:ext uri="{FF2B5EF4-FFF2-40B4-BE49-F238E27FC236}">
+                <a16:creationId xmlns:a16="http://schemas.microsoft.com/office/drawing/2014/main" id="{0E1AEEEB-27E0-7749-B740-DAAC679F818A}"/>
+              </a:ext>
+            </a:extLst>
+          </p:cNvPr>
+          <p:cNvSpPr txBox="1">
+            <a:spLocks/>
+          </p:cNvSpPr>
+          <p:nvPr/>
+        </p:nvSpPr>
+        <p:spPr>
+          <a:xfrm>
+            <a:off x="990600" y="517525"/>
+            <a:ext cx="10515600" cy="1325563"/>
+          </a:xfrm>
+          <a:prstGeom prst="rect">
+            <a:avLst/>
+          </a:prstGeom>
+        </p:spPr>
+        <p:txBody>
+          <a:bodyPr vert="horz" lIns="91440" tIns="45720" rIns="91440" bIns="45720" rtlCol="0" anchor="ctr">
+            <a:normAutofit/>
+          </a:bodyPr>
+          <a:lstStyle>
+            <a:lvl1pPr algn="l" defTabSz="914400" rtl="0" eaLnBrk="1" latinLnBrk="0" hangingPunct="1">
+              <a:lnSpc>
+                <a:spcPct val="90000"/>
+              </a:lnSpc>
+              <a:spcBef>
+                <a:spcPct val="0"/>
+              </a:spcBef>
+              <a:buNone/>
+              <a:defRPr sz="4400" kern="1200">
+                <a:solidFill>
+                  <a:schemeClr val="tx1"/>
+                </a:solidFill>
+                <a:latin typeface="+mj-lt"/>
+                <a:ea typeface="+mj-ea"/>
+                <a:cs typeface="+mj-cs"/>
+              </a:defRPr>
+            </a:lvl1pPr>
+          </a:lstStyle>
+          <a:p>
+            <a:r>
+              <a:rPr lang="en-US" b="1" dirty="0"/>
+              <a:t>Collecting data</a:t>
+            </a:r>
+            <a:br>
+              <a:rPr lang="en-GB" b="1" dirty="0"/>
+            </a:br>
+            <a:endParaRPr lang="en-RU" dirty="0"/>
+          </a:p>
+        </p:txBody>
+      </p:sp>
+      <p:sp>
+        <p:nvSpPr>
+          <p:cNvPr id="5" name="TextBox 4">
+            <a:extLst>
+              <a:ext uri="{FF2B5EF4-FFF2-40B4-BE49-F238E27FC236}">
+                <a16:creationId xmlns:a16="http://schemas.microsoft.com/office/drawing/2014/main" id="{30FA89FA-A18C-444C-871B-0D94E10E477D}"/>
+              </a:ext>
+            </a:extLst>
+          </p:cNvPr>
+          <p:cNvSpPr txBox="1"/>
+          <p:nvPr/>
+        </p:nvSpPr>
+        <p:spPr>
+          <a:xfrm>
+            <a:off x="912421" y="1482271"/>
+            <a:ext cx="6576031" cy="1477328"/>
+          </a:xfrm>
+          <a:prstGeom prst="rect">
+            <a:avLst/>
+          </a:prstGeom>
+          <a:noFill/>
+        </p:spPr>
+        <p:txBody>
+          <a:bodyPr wrap="none" rtlCol="0">
+            <a:spAutoFit/>
+          </a:bodyPr>
+          <a:lstStyle/>
+          <a:p>
+            <a:r>
+              <a:rPr lang="en-RU" dirty="0"/>
+              <a:t>We use data from </a:t>
+            </a:r>
+            <a:r>
+              <a:rPr lang="en-GB" dirty="0">
+                <a:hlinkClick r:id="rId2"/>
+              </a:rPr>
+              <a:t>https://snap.stanford.edu/data/higgs-twitter.html</a:t>
+            </a:r>
+            <a:endParaRPr lang="en-GB" dirty="0"/>
+          </a:p>
+          <a:p>
+            <a:endParaRPr lang="en-GB" dirty="0"/>
+          </a:p>
+          <a:p>
+            <a:r>
+              <a:rPr lang="en-GB" dirty="0"/>
+              <a:t>Data has text format, we use for report 2 tables</a:t>
+            </a:r>
+            <a:r>
+              <a:rPr lang="en-US" dirty="0"/>
+              <a:t>: </a:t>
+            </a:r>
+          </a:p>
+          <a:p>
+            <a:endParaRPr lang="en-US" dirty="0"/>
+          </a:p>
+          <a:p>
+            <a:endParaRPr lang="en-GB" dirty="0"/>
+          </a:p>
+        </p:txBody>
+      </p:sp>
+      <p:graphicFrame>
+        <p:nvGraphicFramePr>
+          <p:cNvPr id="10" name="Table 10">
+            <a:extLst>
+              <a:ext uri="{FF2B5EF4-FFF2-40B4-BE49-F238E27FC236}">
+                <a16:creationId xmlns:a16="http://schemas.microsoft.com/office/drawing/2014/main" id="{A613390C-73F5-4647-9D88-E26CB0644D3C}"/>
+              </a:ext>
+            </a:extLst>
+          </p:cNvPr>
+          <p:cNvGraphicFramePr>
+            <a:graphicFrameLocks noGrp="1"/>
+          </p:cNvGraphicFramePr>
+          <p:nvPr>
+            <p:extLst>
+              <p:ext uri="{D42A27DB-BD31-4B8C-83A1-F6EECF244321}">
+                <p14:modId xmlns:p14="http://schemas.microsoft.com/office/powerpoint/2010/main" val="1677654078"/>
+              </p:ext>
+            </p:extLst>
+          </p:nvPr>
+        </p:nvGraphicFramePr>
+        <p:xfrm>
+          <a:off x="990600" y="2542803"/>
+          <a:ext cx="8128000" cy="1828800"/>
+        </p:xfrm>
+        <a:graphic>
+          <a:graphicData uri="http://schemas.openxmlformats.org/drawingml/2006/table">
+            <a:tbl>
+              <a:tblPr firstRow="1" bandRow="1">
+                <a:tableStyleId>{D27102A9-8310-4765-A935-A1911B00CA55}</a:tableStyleId>
+              </a:tblPr>
+              <a:tblGrid>
+                <a:gridCol w="4064000">
+                  <a:extLst>
+                    <a:ext uri="{9D8B030D-6E8A-4147-A177-3AD203B41FA5}">
+                      <a16:colId xmlns:a16="http://schemas.microsoft.com/office/drawing/2014/main" val="1942178246"/>
+                    </a:ext>
+                  </a:extLst>
+                </a:gridCol>
+                <a:gridCol w="4064000">
+                  <a:extLst>
+                    <a:ext uri="{9D8B030D-6E8A-4147-A177-3AD203B41FA5}">
+                      <a16:colId xmlns:a16="http://schemas.microsoft.com/office/drawing/2014/main" val="324448526"/>
+                    </a:ext>
+                  </a:extLst>
+                </a:gridCol>
+              </a:tblGrid>
+              <a:tr h="370840">
+                <a:tc>
+                  <a:txBody>
+                    <a:bodyPr/>
+                    <a:lstStyle/>
+                    <a:p>
+                      <a:pPr marL="0" marR="0" lvl="0" indent="0" algn="l" defTabSz="914400" rtl="0" eaLnBrk="1" fontAlgn="auto" latinLnBrk="0" hangingPunct="1">
+                        <a:lnSpc>
+                          <a:spcPct val="100000"/>
+                        </a:lnSpc>
+                        <a:spcBef>
+                          <a:spcPts val="0"/>
+                        </a:spcBef>
+                        <a:spcAft>
+                          <a:spcPts val="0"/>
+                        </a:spcAft>
+                        <a:buClrTx/>
+                        <a:buSzTx/>
+                        <a:buFontTx/>
+                        <a:buNone/>
+                        <a:tabLst/>
+                        <a:defRPr/>
+                      </a:pPr>
+                      <a:r>
+                        <a:rPr lang="en-GB" u="none" strike="noStrike" dirty="0">
+                          <a:solidFill>
+                            <a:srgbClr val="267ED5"/>
+                          </a:solidFill>
+                          <a:effectLst/>
+                          <a:hlinkClick r:id="rId3"/>
+                        </a:rPr>
+                        <a:t>social_network.edgelist.gz</a:t>
+                      </a:r>
+                      <a:endParaRPr lang="en-GB" dirty="0">
+                        <a:solidFill>
+                          <a:srgbClr val="000000"/>
+                        </a:solidFill>
+                        <a:effectLst/>
+                      </a:endParaRPr>
+                    </a:p>
+                    <a:p>
+                      <a:endParaRPr lang="en-RU" dirty="0"/>
+                    </a:p>
+                  </a:txBody>
+                  <a:tcPr/>
+                </a:tc>
+                <a:tc>
+                  <a:txBody>
+                    <a:bodyPr/>
+                    <a:lstStyle/>
+                    <a:p>
+                      <a:pPr marL="0" marR="0" lvl="0" indent="0" algn="l" defTabSz="914400" rtl="0" eaLnBrk="1" fontAlgn="auto" latinLnBrk="0" hangingPunct="1">
+                        <a:lnSpc>
+                          <a:spcPct val="100000"/>
+                        </a:lnSpc>
+                        <a:spcBef>
+                          <a:spcPts val="0"/>
+                        </a:spcBef>
+                        <a:spcAft>
+                          <a:spcPts val="0"/>
+                        </a:spcAft>
+                        <a:buClrTx/>
+                        <a:buSzTx/>
+                        <a:buFontTx/>
+                        <a:buNone/>
+                        <a:tabLst/>
+                        <a:defRPr/>
+                      </a:pPr>
+                      <a:r>
+                        <a:rPr lang="en-GB" dirty="0">
+                          <a:solidFill>
+                            <a:srgbClr val="000000"/>
+                          </a:solidFill>
+                          <a:effectLst/>
+                        </a:rPr>
+                        <a:t>Friends/follower graph (directed)*</a:t>
+                      </a:r>
+                    </a:p>
+                    <a:p>
+                      <a:endParaRPr lang="en-RU" dirty="0"/>
+                    </a:p>
+                  </a:txBody>
+                  <a:tcPr/>
+                </a:tc>
+                <a:extLst>
+                  <a:ext uri="{0D108BD9-81ED-4DB2-BD59-A6C34878D82A}">
+                    <a16:rowId xmlns:a16="http://schemas.microsoft.com/office/drawing/2014/main" val="1572645522"/>
+                  </a:ext>
+                </a:extLst>
+              </a:tr>
+              <a:tr h="370840">
+                <a:tc>
+                  <a:txBody>
+                    <a:bodyPr/>
+                    <a:lstStyle/>
+                    <a:p>
+                      <a:pPr marL="0" marR="0" lvl="0" indent="0" algn="l" defTabSz="914400" rtl="0" eaLnBrk="1" fontAlgn="auto" latinLnBrk="0" hangingPunct="1">
+                        <a:lnSpc>
+                          <a:spcPct val="100000"/>
+                        </a:lnSpc>
+                        <a:spcBef>
+                          <a:spcPts val="0"/>
+                        </a:spcBef>
+                        <a:spcAft>
+                          <a:spcPts val="0"/>
+                        </a:spcAft>
+                        <a:buClrTx/>
+                        <a:buSzTx/>
+                        <a:buFontTx/>
+                        <a:buNone/>
+                        <a:tabLst/>
+                        <a:defRPr/>
+                      </a:pPr>
+                      <a:r>
+                        <a:rPr lang="en-GB" u="none" strike="noStrike" dirty="0">
+                          <a:solidFill>
+                            <a:srgbClr val="267ED5"/>
+                          </a:solidFill>
+                          <a:effectLst/>
+                          <a:hlinkClick r:id="rId4"/>
+                        </a:rPr>
+                        <a:t>higgs-activity_time.txt.gz</a:t>
+                      </a:r>
+                      <a:endParaRPr lang="en-GB" dirty="0">
+                        <a:solidFill>
+                          <a:srgbClr val="000000"/>
+                        </a:solidFill>
+                        <a:effectLst/>
+                      </a:endParaRPr>
+                    </a:p>
+                    <a:p>
+                      <a:endParaRPr lang="en-RU" dirty="0"/>
+                    </a:p>
+                  </a:txBody>
+                  <a:tcPr/>
+                </a:tc>
+                <a:tc>
+                  <a:txBody>
+                    <a:bodyPr/>
+                    <a:lstStyle/>
+                    <a:p>
+                      <a:pPr marL="0" marR="0" lvl="0" indent="0" algn="l" defTabSz="914400" rtl="0" eaLnBrk="1" fontAlgn="auto" latinLnBrk="0" hangingPunct="1">
+                        <a:lnSpc>
+                          <a:spcPct val="100000"/>
+                        </a:lnSpc>
+                        <a:spcBef>
+                          <a:spcPts val="0"/>
+                        </a:spcBef>
+                        <a:spcAft>
+                          <a:spcPts val="0"/>
+                        </a:spcAft>
+                        <a:buClrTx/>
+                        <a:buSzTx/>
+                        <a:buFontTx/>
+                        <a:buNone/>
+                        <a:tabLst/>
+                        <a:defRPr/>
+                      </a:pPr>
+                      <a:r>
+                        <a:rPr lang="en-GB" dirty="0">
+                          <a:solidFill>
+                            <a:srgbClr val="000000"/>
+                          </a:solidFill>
+                          <a:effectLst/>
+                        </a:rPr>
+                        <a:t>The dataset provides information about activity on Twitter during the discovery of Higgs boson</a:t>
+                      </a:r>
+                    </a:p>
+                    <a:p>
+                      <a:endParaRPr lang="en-RU" dirty="0"/>
+                    </a:p>
+                  </a:txBody>
+                  <a:tcPr/>
+                </a:tc>
+                <a:extLst>
+                  <a:ext uri="{0D108BD9-81ED-4DB2-BD59-A6C34878D82A}">
+                    <a16:rowId xmlns:a16="http://schemas.microsoft.com/office/drawing/2014/main" val="1582323869"/>
+                  </a:ext>
+                </a:extLst>
+              </a:tr>
+            </a:tbl>
+          </a:graphicData>
+        </a:graphic>
+      </p:graphicFrame>
+      <p:sp>
+        <p:nvSpPr>
+          <p:cNvPr id="11" name="TextBox 10">
+            <a:extLst>
+              <a:ext uri="{FF2B5EF4-FFF2-40B4-BE49-F238E27FC236}">
+                <a16:creationId xmlns:a16="http://schemas.microsoft.com/office/drawing/2014/main" id="{DCB8A0BC-29A5-0D43-8F26-6C0CFC577491}"/>
+              </a:ext>
+            </a:extLst>
+          </p:cNvPr>
+          <p:cNvSpPr txBox="1"/>
+          <p:nvPr/>
+        </p:nvSpPr>
+        <p:spPr>
+          <a:xfrm>
+            <a:off x="1157288" y="5971143"/>
+            <a:ext cx="5271636" cy="369332"/>
+          </a:xfrm>
+          <a:prstGeom prst="rect">
+            <a:avLst/>
+          </a:prstGeom>
+          <a:noFill/>
+        </p:spPr>
+        <p:txBody>
+          <a:bodyPr wrap="none" rtlCol="0">
+            <a:spAutoFit/>
+          </a:bodyPr>
+          <a:lstStyle/>
+          <a:p>
+            <a:r>
+              <a:rPr lang="en-RU" dirty="0"/>
+              <a:t>* </a:t>
+            </a:r>
+            <a:r>
+              <a:rPr lang="en-GB" dirty="0"/>
+              <a:t>U</a:t>
+            </a:r>
+            <a:r>
+              <a:rPr lang="en-RU" dirty="0"/>
+              <a:t>se only half of edges, because memory complexety</a:t>
+            </a:r>
+          </a:p>
+        </p:txBody>
+      </p:sp>
+      <p:sp>
+        <p:nvSpPr>
+          <p:cNvPr id="12" name="TextBox 11">
+            <a:extLst>
+              <a:ext uri="{FF2B5EF4-FFF2-40B4-BE49-F238E27FC236}">
+                <a16:creationId xmlns:a16="http://schemas.microsoft.com/office/drawing/2014/main" id="{47A899C2-A250-1B42-BDB2-5BEF1A5FE471}"/>
+              </a:ext>
+            </a:extLst>
+          </p:cNvPr>
+          <p:cNvSpPr txBox="1"/>
+          <p:nvPr/>
+        </p:nvSpPr>
+        <p:spPr>
+          <a:xfrm>
+            <a:off x="1157288" y="4572000"/>
+            <a:ext cx="3641125" cy="1477328"/>
+          </a:xfrm>
+          <a:prstGeom prst="rect">
+            <a:avLst/>
+          </a:prstGeom>
+          <a:noFill/>
+        </p:spPr>
+        <p:txBody>
+          <a:bodyPr wrap="none" rtlCol="0">
+            <a:spAutoFit/>
+          </a:bodyPr>
+          <a:lstStyle/>
+          <a:p>
+            <a:r>
+              <a:rPr lang="en-RU" dirty="0"/>
+              <a:t>Methodology of getting data:</a:t>
+            </a:r>
+          </a:p>
+          <a:p>
+            <a:pPr marL="342900" indent="-342900">
+              <a:buAutoNum type="arabicParenR"/>
+            </a:pPr>
+            <a:r>
+              <a:rPr lang="en-RU" dirty="0"/>
+              <a:t>Download .txt files</a:t>
+            </a:r>
+          </a:p>
+          <a:p>
+            <a:pPr marL="342900" indent="-342900">
+              <a:buAutoNum type="arabicParenR"/>
+            </a:pPr>
+            <a:r>
+              <a:rPr lang="en-RU" dirty="0"/>
+              <a:t>Use pandas.read_csv</a:t>
+            </a:r>
+          </a:p>
+          <a:p>
+            <a:pPr marL="342900" indent="-342900">
+              <a:buAutoNum type="arabicParenR"/>
+            </a:pPr>
+            <a:r>
+              <a:rPr lang="en-RU" dirty="0"/>
+              <a:t>Use </a:t>
+            </a:r>
+            <a:r>
+              <a:rPr lang="en-GB" dirty="0"/>
+              <a:t>network to work with graphs</a:t>
+            </a:r>
+            <a:endParaRPr lang="en-RU" dirty="0"/>
+          </a:p>
+          <a:p>
+            <a:pPr marL="342900" indent="-342900">
+              <a:buAutoNum type="arabicParenR"/>
+            </a:pPr>
+            <a:endParaRPr lang="en-RU" dirty="0"/>
+          </a:p>
+        </p:txBody>
+      </p:sp>
+    </p:spTree>
+    <p:extLst>
+      <p:ext uri="{BB962C8B-B14F-4D97-AF65-F5344CB8AC3E}">
+        <p14:creationId xmlns:p14="http://schemas.microsoft.com/office/powerpoint/2010/main" val="1832503845"/>
+      </p:ext>
+    </p:extLst>
+  </p:cSld>
+  <p:clrMapOvr>
+    <a:masterClrMapping/>
+  </p:clrMapOvr>
+</p:sld>
+</file>
+
+<file path=ppt/slides/slide4.xml><?xml version="1.0" encoding="utf-8"?>
+<p:sld xmlns:a="http://schemas.openxmlformats.org/drawingml/2006/main" xmlns:r="http://schemas.openxmlformats.org/officeDocument/2006/relationships" xmlns:p="http://schemas.openxmlformats.org/presentationml/2006/main">
+  <p:cSld>
+    <p:spTree>
+      <p:nvGrpSpPr>
+        <p:cNvPr id="1" name=""/>
+        <p:cNvGrpSpPr/>
+        <p:nvPr/>
+      </p:nvGrpSpPr>
+      <p:grpSpPr>
+        <a:xfrm>
+          <a:off x="0" y="0"/>
+          <a:ext cx="0" cy="0"/>
+          <a:chOff x="0" y="0"/>
+          <a:chExt cx="0" cy="0"/>
+        </a:xfrm>
+      </p:grpSpPr>
+      <p:sp>
+        <p:nvSpPr>
+          <p:cNvPr id="2" name="Title 1">
+            <a:extLst>
+              <a:ext uri="{FF2B5EF4-FFF2-40B4-BE49-F238E27FC236}">
+                <a16:creationId xmlns:a16="http://schemas.microsoft.com/office/drawing/2014/main" id="{7A7388FF-008B-3544-83AF-BA49D5F60BB7}"/>
+              </a:ext>
+            </a:extLst>
+          </p:cNvPr>
+          <p:cNvSpPr>
+            <a:spLocks noGrp="1"/>
+          </p:cNvSpPr>
+          <p:nvPr>
+            <p:ph type="title"/>
+          </p:nvPr>
+        </p:nvSpPr>
+        <p:spPr/>
+        <p:txBody>
+          <a:bodyPr/>
+          <a:lstStyle/>
+          <a:p>
+            <a:r>
+              <a:rPr lang="en-RU" dirty="0"/>
+              <a:t>EDA methodology</a:t>
+            </a:r>
+          </a:p>
+        </p:txBody>
+      </p:sp>
+      <p:sp>
+        <p:nvSpPr>
+          <p:cNvPr id="5" name="TextBox 4">
+            <a:extLst>
+              <a:ext uri="{FF2B5EF4-FFF2-40B4-BE49-F238E27FC236}">
+                <a16:creationId xmlns:a16="http://schemas.microsoft.com/office/drawing/2014/main" id="{2302D44A-8AE4-D34E-AFB9-0F165F234A21}"/>
+              </a:ext>
+            </a:extLst>
+          </p:cNvPr>
+          <p:cNvSpPr txBox="1"/>
+          <p:nvPr/>
+        </p:nvSpPr>
+        <p:spPr>
+          <a:xfrm>
+            <a:off x="1021277" y="1506022"/>
+            <a:ext cx="4153894" cy="1477328"/>
+          </a:xfrm>
+          <a:prstGeom prst="rect">
+            <a:avLst/>
+          </a:prstGeom>
+          <a:noFill/>
+        </p:spPr>
+        <p:txBody>
+          <a:bodyPr wrap="none" rtlCol="0">
+            <a:spAutoFit/>
+          </a:bodyPr>
+          <a:lstStyle/>
+          <a:p>
+            <a:r>
+              <a:rPr lang="en-US" dirty="0"/>
+              <a:t>The main goals of EDA analysis:</a:t>
+            </a:r>
+          </a:p>
+          <a:p>
+            <a:r>
+              <a:rPr lang="en-US" dirty="0"/>
+              <a:t>1) Brief peek of data</a:t>
+            </a:r>
+          </a:p>
+          <a:p>
+            <a:r>
+              <a:rPr lang="en-US" dirty="0"/>
+              <a:t>2) Understanding of data</a:t>
+            </a:r>
+          </a:p>
+          <a:p>
+            <a:r>
+              <a:rPr lang="en-US" dirty="0"/>
+              <a:t>3) Detection of outliers and </a:t>
+            </a:r>
+            <a:r>
+              <a:rPr lang="en-US" dirty="0" err="1"/>
+              <a:t>misings</a:t>
+            </a:r>
+            <a:endParaRPr lang="ru-RU" dirty="0"/>
+          </a:p>
+          <a:p>
+            <a:r>
+              <a:rPr lang="ru-RU" dirty="0"/>
+              <a:t>4) </a:t>
+            </a:r>
+            <a:r>
+              <a:rPr lang="en-US" dirty="0"/>
+              <a:t>Cleaning and prepare data for modeling</a:t>
+            </a:r>
+          </a:p>
+        </p:txBody>
+      </p:sp>
+      <p:sp>
+        <p:nvSpPr>
+          <p:cNvPr id="7" name="TextBox 6">
+            <a:extLst>
+              <a:ext uri="{FF2B5EF4-FFF2-40B4-BE49-F238E27FC236}">
+                <a16:creationId xmlns:a16="http://schemas.microsoft.com/office/drawing/2014/main" id="{BC17A11D-C07E-944A-B8A3-12C4D60E102B}"/>
+              </a:ext>
+            </a:extLst>
+          </p:cNvPr>
+          <p:cNvSpPr txBox="1"/>
+          <p:nvPr/>
+        </p:nvSpPr>
+        <p:spPr>
+          <a:xfrm>
+            <a:off x="1021277" y="3227833"/>
+            <a:ext cx="6097978" cy="2031325"/>
+          </a:xfrm>
+          <a:prstGeom prst="rect">
+            <a:avLst/>
+          </a:prstGeom>
+          <a:noFill/>
+        </p:spPr>
+        <p:txBody>
+          <a:bodyPr wrap="square">
+            <a:spAutoFit/>
+          </a:bodyPr>
+          <a:lstStyle/>
+          <a:p>
+            <a:r>
+              <a:rPr lang="en-US" dirty="0"/>
+              <a:t>For these goals we use</a:t>
+            </a:r>
+          </a:p>
+          <a:p>
+            <a:r>
+              <a:rPr lang="en-US" dirty="0"/>
+              <a:t>1) Plot of distribution: histogram </a:t>
+            </a:r>
+          </a:p>
+          <a:p>
+            <a:r>
+              <a:rPr lang="en-US" dirty="0"/>
+              <a:t>2) Bar or pie plots for categorial data</a:t>
+            </a:r>
+          </a:p>
+          <a:p>
+            <a:endParaRPr lang="en-US" dirty="0"/>
+          </a:p>
+          <a:p>
+            <a:endParaRPr lang="ru-RU" dirty="0"/>
+          </a:p>
+          <a:p>
+            <a:endParaRPr lang="ru-RU" dirty="0"/>
+          </a:p>
+          <a:p>
+            <a:endParaRPr lang="en-GB" dirty="0"/>
+          </a:p>
+        </p:txBody>
+      </p:sp>
+      <p:sp>
+        <p:nvSpPr>
+          <p:cNvPr id="8" name="TextBox 7">
+            <a:extLst>
+              <a:ext uri="{FF2B5EF4-FFF2-40B4-BE49-F238E27FC236}">
+                <a16:creationId xmlns:a16="http://schemas.microsoft.com/office/drawing/2014/main" id="{DAAC4698-19C9-2349-B52A-2A6972D736B1}"/>
+              </a:ext>
+            </a:extLst>
+          </p:cNvPr>
+          <p:cNvSpPr txBox="1"/>
+          <p:nvPr/>
+        </p:nvSpPr>
+        <p:spPr>
+          <a:xfrm>
+            <a:off x="5874265" y="1489889"/>
+            <a:ext cx="6194581" cy="1200329"/>
+          </a:xfrm>
+          <a:prstGeom prst="rect">
+            <a:avLst/>
+          </a:prstGeom>
+          <a:noFill/>
+        </p:spPr>
+        <p:txBody>
+          <a:bodyPr wrap="none" rtlCol="0">
+            <a:spAutoFit/>
+          </a:bodyPr>
+          <a:lstStyle/>
+          <a:p>
+            <a:r>
+              <a:rPr lang="en-US" dirty="0"/>
+              <a:t>The main goals of interactive EDA:</a:t>
+            </a:r>
+          </a:p>
+          <a:p>
+            <a:r>
+              <a:rPr lang="en-US" dirty="0"/>
+              <a:t>1) See how data changes through time</a:t>
+            </a:r>
+          </a:p>
+          <a:p>
+            <a:r>
+              <a:rPr lang="en-US" dirty="0"/>
+              <a:t>2) See how relationships between features change through time</a:t>
+            </a:r>
+          </a:p>
+          <a:p>
+            <a:r>
+              <a:rPr lang="en-US" dirty="0"/>
+              <a:t>3) Recognize changeable patterns</a:t>
+            </a:r>
+          </a:p>
+        </p:txBody>
+      </p:sp>
+      <p:sp>
+        <p:nvSpPr>
+          <p:cNvPr id="9" name="TextBox 8">
+            <a:extLst>
+              <a:ext uri="{FF2B5EF4-FFF2-40B4-BE49-F238E27FC236}">
+                <a16:creationId xmlns:a16="http://schemas.microsoft.com/office/drawing/2014/main" id="{77098DB1-6598-9F40-B959-0C17136F8306}"/>
+              </a:ext>
+            </a:extLst>
+          </p:cNvPr>
+          <p:cNvSpPr txBox="1"/>
+          <p:nvPr/>
+        </p:nvSpPr>
+        <p:spPr>
+          <a:xfrm>
+            <a:off x="5922566" y="3011925"/>
+            <a:ext cx="6097978" cy="1477328"/>
+          </a:xfrm>
+          <a:prstGeom prst="rect">
+            <a:avLst/>
+          </a:prstGeom>
+          <a:noFill/>
+        </p:spPr>
+        <p:txBody>
+          <a:bodyPr wrap="square">
+            <a:spAutoFit/>
+          </a:bodyPr>
+          <a:lstStyle/>
+          <a:p>
+            <a:r>
+              <a:rPr lang="en-US" dirty="0"/>
+              <a:t>For these goals we use</a:t>
+            </a:r>
+          </a:p>
+          <a:p>
+            <a:r>
+              <a:rPr lang="en-US" dirty="0"/>
+              <a:t>1) For these goals we use </a:t>
+            </a:r>
+            <a:r>
+              <a:rPr lang="en-GB" dirty="0" err="1"/>
+              <a:t>Plotly</a:t>
+            </a:r>
+            <a:r>
+              <a:rPr lang="en-GB" dirty="0"/>
+              <a:t> Dash-related slides</a:t>
+            </a:r>
+            <a:endParaRPr lang="en-US" dirty="0"/>
+          </a:p>
+          <a:p>
+            <a:endParaRPr lang="ru-RU" dirty="0"/>
+          </a:p>
+          <a:p>
+            <a:endParaRPr lang="ru-RU" dirty="0"/>
+          </a:p>
+          <a:p>
+            <a:endParaRPr lang="en-GB" dirty="0"/>
+          </a:p>
+        </p:txBody>
+      </p:sp>
+    </p:spTree>
+    <p:extLst>
+      <p:ext uri="{BB962C8B-B14F-4D97-AF65-F5344CB8AC3E}">
+        <p14:creationId xmlns:p14="http://schemas.microsoft.com/office/powerpoint/2010/main" val="383320192"/>
+      </p:ext>
+    </p:extLst>
+  </p:cSld>
+  <p:clrMapOvr>
+    <a:masterClrMapping/>
+  </p:clrMapOvr>
+</p:sld>
+</file>
+
+<file path=ppt/slides/slide5.xml><?xml version="1.0" encoding="utf-8"?>
+<p:sld xmlns:a="http://schemas.openxmlformats.org/drawingml/2006/main" xmlns:r="http://schemas.openxmlformats.org/officeDocument/2006/relationships" xmlns:p="http://schemas.openxmlformats.org/presentationml/2006/main">
+  <p:cSld>
+    <p:spTree>
+      <p:nvGrpSpPr>
+        <p:cNvPr id="1" name=""/>
+        <p:cNvGrpSpPr/>
+        <p:nvPr/>
+      </p:nvGrpSpPr>
+      <p:grpSpPr>
+        <a:xfrm>
+          <a:off x="0" y="0"/>
+          <a:ext cx="0" cy="0"/>
+          <a:chOff x="0" y="0"/>
+          <a:chExt cx="0" cy="0"/>
+        </a:xfrm>
+      </p:grpSpPr>
+      <p:sp>
+        <p:nvSpPr>
+          <p:cNvPr id="2" name="Title 1">
+            <a:extLst>
+              <a:ext uri="{FF2B5EF4-FFF2-40B4-BE49-F238E27FC236}">
+                <a16:creationId xmlns:a16="http://schemas.microsoft.com/office/drawing/2014/main" id="{563A9FC4-19C9-054C-9067-608AEC480786}"/>
+              </a:ext>
+            </a:extLst>
+          </p:cNvPr>
+          <p:cNvSpPr>
+            <a:spLocks noGrp="1"/>
+          </p:cNvSpPr>
+          <p:nvPr>
+            <p:ph type="title"/>
+          </p:nvPr>
+        </p:nvSpPr>
+        <p:spPr/>
+        <p:txBody>
+          <a:bodyPr/>
+          <a:lstStyle/>
+          <a:p>
+            <a:r>
+              <a:rPr lang="en-RU" dirty="0"/>
+              <a:t>EDA</a:t>
+            </a:r>
+          </a:p>
+        </p:txBody>
+      </p:sp>
+      <p:pic>
+        <p:nvPicPr>
+          <p:cNvPr id="4" name="Picture 3">
+            <a:extLst>
+              <a:ext uri="{FF2B5EF4-FFF2-40B4-BE49-F238E27FC236}">
+                <a16:creationId xmlns:a16="http://schemas.microsoft.com/office/drawing/2014/main" id="{2862E137-7405-8642-89B2-A99BF2CA0091}"/>
+              </a:ext>
+            </a:extLst>
+          </p:cNvPr>
+          <p:cNvPicPr>
+            <a:picLocks noChangeAspect="1"/>
+          </p:cNvPicPr>
+          <p:nvPr/>
+        </p:nvPicPr>
+        <p:blipFill>
+          <a:blip r:embed="rId2"/>
+          <a:stretch>
+            <a:fillRect/>
+          </a:stretch>
+        </p:blipFill>
+        <p:spPr>
+          <a:xfrm>
+            <a:off x="469756" y="1593850"/>
+            <a:ext cx="5181600" cy="3670300"/>
+          </a:xfrm>
+          <a:prstGeom prst="rect">
+            <a:avLst/>
+          </a:prstGeom>
+        </p:spPr>
+      </p:pic>
+      <p:pic>
+        <p:nvPicPr>
+          <p:cNvPr id="9" name="Picture 8">
+            <a:extLst>
+              <a:ext uri="{FF2B5EF4-FFF2-40B4-BE49-F238E27FC236}">
+                <a16:creationId xmlns:a16="http://schemas.microsoft.com/office/drawing/2014/main" id="{44B09D16-D63D-0B4B-AB6A-85EFF86184CF}"/>
+              </a:ext>
+            </a:extLst>
+          </p:cNvPr>
+          <p:cNvPicPr>
+            <a:picLocks noChangeAspect="1"/>
+          </p:cNvPicPr>
+          <p:nvPr/>
+        </p:nvPicPr>
+        <p:blipFill>
+          <a:blip r:embed="rId3"/>
+          <a:stretch>
+            <a:fillRect/>
+          </a:stretch>
+        </p:blipFill>
+        <p:spPr>
+          <a:xfrm>
+            <a:off x="7054778" y="1748096"/>
+            <a:ext cx="2895600" cy="1841500"/>
+          </a:xfrm>
+          <a:prstGeom prst="rect">
+            <a:avLst/>
+          </a:prstGeom>
+        </p:spPr>
+      </p:pic>
+      <p:sp>
+        <p:nvSpPr>
+          <p:cNvPr id="11" name="TextBox 10">
+            <a:extLst>
+              <a:ext uri="{FF2B5EF4-FFF2-40B4-BE49-F238E27FC236}">
+                <a16:creationId xmlns:a16="http://schemas.microsoft.com/office/drawing/2014/main" id="{105BACD7-DDEF-1F4C-875B-B430DA394008}"/>
+              </a:ext>
+            </a:extLst>
+          </p:cNvPr>
+          <p:cNvSpPr txBox="1"/>
+          <p:nvPr/>
+        </p:nvSpPr>
+        <p:spPr>
+          <a:xfrm>
+            <a:off x="3050381" y="3387209"/>
+            <a:ext cx="6100762" cy="369332"/>
+          </a:xfrm>
+          <a:prstGeom prst="rect">
+            <a:avLst/>
+          </a:prstGeom>
+          <a:noFill/>
+        </p:spPr>
+        <p:txBody>
+          <a:bodyPr wrap="square">
+            <a:spAutoFit/>
+          </a:bodyPr>
+          <a:lstStyle/>
+          <a:p>
+            <a:r>
+              <a:rPr lang="en-RU" dirty="0"/>
+              <a:t>networkx</a:t>
+            </a:r>
+          </a:p>
+        </p:txBody>
+      </p:sp>
+    </p:spTree>
+    <p:extLst>
+      <p:ext uri="{BB962C8B-B14F-4D97-AF65-F5344CB8AC3E}">
+        <p14:creationId xmlns:p14="http://schemas.microsoft.com/office/powerpoint/2010/main" val="3978721797"/>
+      </p:ext>
+    </p:extLst>
+  </p:cSld>
+  <p:clrMapOvr>
+    <a:masterClrMapping/>
+  </p:clrMapOvr>
+</p:sld>
+</file>
+
+<file path=ppt/slides/slide6.xml><?xml version="1.0" encoding="utf-8"?>
+<p:sld xmlns:a="http://schemas.openxmlformats.org/drawingml/2006/main" xmlns:r="http://schemas.openxmlformats.org/officeDocument/2006/relationships" xmlns:p="http://schemas.openxmlformats.org/presentationml/2006/main">
+  <p:cSld>
+    <p:spTree>
+      <p:nvGrpSpPr>
+        <p:cNvPr id="1" name=""/>
+        <p:cNvGrpSpPr/>
+        <p:nvPr/>
+      </p:nvGrpSpPr>
+      <p:grpSpPr>
+        <a:xfrm>
+          <a:off x="0" y="0"/>
+          <a:ext cx="0" cy="0"/>
+          <a:chOff x="0" y="0"/>
+          <a:chExt cx="0" cy="0"/>
+        </a:xfrm>
+      </p:grpSpPr>
+      <p:sp>
+        <p:nvSpPr>
+          <p:cNvPr id="2" name="Title 1">
+            <a:extLst>
+              <a:ext uri="{FF2B5EF4-FFF2-40B4-BE49-F238E27FC236}">
+                <a16:creationId xmlns:a16="http://schemas.microsoft.com/office/drawing/2014/main" id="{563A9FC4-19C9-054C-9067-608AEC480786}"/>
+              </a:ext>
+            </a:extLst>
+          </p:cNvPr>
+          <p:cNvSpPr>
+            <a:spLocks noGrp="1"/>
+          </p:cNvSpPr>
+          <p:nvPr>
+            <p:ph type="title"/>
+          </p:nvPr>
+        </p:nvSpPr>
+        <p:spPr/>
+        <p:txBody>
+          <a:bodyPr/>
+          <a:lstStyle/>
+          <a:p>
+            <a:r>
+              <a:rPr lang="en-RU" dirty="0"/>
+              <a:t>EDA</a:t>
+            </a:r>
+          </a:p>
+        </p:txBody>
+      </p:sp>
+      <p:pic>
+        <p:nvPicPr>
+          <p:cNvPr id="7" name="Picture 6">
+            <a:extLst>
+              <a:ext uri="{FF2B5EF4-FFF2-40B4-BE49-F238E27FC236}">
+                <a16:creationId xmlns:a16="http://schemas.microsoft.com/office/drawing/2014/main" id="{8AEBD7A4-4AC8-614E-9479-DBE0F1E1A677}"/>
+              </a:ext>
+            </a:extLst>
+          </p:cNvPr>
+          <p:cNvPicPr>
+            <a:picLocks noChangeAspect="1"/>
+          </p:cNvPicPr>
+          <p:nvPr/>
+        </p:nvPicPr>
+        <p:blipFill>
+          <a:blip r:embed="rId2"/>
+          <a:stretch>
+            <a:fillRect/>
+          </a:stretch>
+        </p:blipFill>
+        <p:spPr>
+          <a:xfrm>
+            <a:off x="1100137" y="2014537"/>
+            <a:ext cx="3543300" cy="3200400"/>
+          </a:xfrm>
+          <a:prstGeom prst="rect">
+            <a:avLst/>
+          </a:prstGeom>
+        </p:spPr>
+      </p:pic>
+      <p:pic>
+        <p:nvPicPr>
+          <p:cNvPr id="8" name="Picture 7">
+            <a:extLst>
+              <a:ext uri="{FF2B5EF4-FFF2-40B4-BE49-F238E27FC236}">
+                <a16:creationId xmlns:a16="http://schemas.microsoft.com/office/drawing/2014/main" id="{BED48546-10D4-0E47-A0E5-30252AD9483F}"/>
+              </a:ext>
+            </a:extLst>
+          </p:cNvPr>
+          <p:cNvPicPr>
+            <a:picLocks noChangeAspect="1"/>
+          </p:cNvPicPr>
+          <p:nvPr/>
+        </p:nvPicPr>
+        <p:blipFill>
+          <a:blip r:embed="rId3"/>
+          <a:stretch>
+            <a:fillRect/>
+          </a:stretch>
+        </p:blipFill>
+        <p:spPr>
+          <a:xfrm>
+            <a:off x="6096000" y="2635250"/>
+            <a:ext cx="3606800" cy="1587500"/>
+          </a:xfrm>
+          <a:prstGeom prst="rect">
+            <a:avLst/>
+          </a:prstGeom>
+        </p:spPr>
+      </p:pic>
+    </p:spTree>
+    <p:extLst>
+      <p:ext uri="{BB962C8B-B14F-4D97-AF65-F5344CB8AC3E}">
+        <p14:creationId xmlns:p14="http://schemas.microsoft.com/office/powerpoint/2010/main" val="744294791"/>
+      </p:ext>
+    </p:extLst>
+  </p:cSld>
+  <p:clrMapOvr>
+    <a:masterClrMapping/>
+  </p:clrMapOvr>
+</p:sld>
+</file>
+
+<file path=ppt/slides/slide7.xml><?xml version="1.0" encoding="utf-8"?>
+<p:sld xmlns:a="http://schemas.openxmlformats.org/drawingml/2006/main" xmlns:r="http://schemas.openxmlformats.org/officeDocument/2006/relationships" xmlns:p="http://schemas.openxmlformats.org/presentationml/2006/main">
+  <p:cSld>
+    <p:spTree>
+      <p:nvGrpSpPr>
+        <p:cNvPr id="1" name=""/>
+        <p:cNvGrpSpPr/>
+        <p:nvPr/>
+      </p:nvGrpSpPr>
+      <p:grpSpPr>
+        <a:xfrm>
+          <a:off x="0" y="0"/>
+          <a:ext cx="0" cy="0"/>
+          <a:chOff x="0" y="0"/>
+          <a:chExt cx="0" cy="0"/>
+        </a:xfrm>
+      </p:grpSpPr>
+      <p:pic>
+        <p:nvPicPr>
+          <p:cNvPr id="4" name="Picture 3">
+            <a:extLst>
+              <a:ext uri="{FF2B5EF4-FFF2-40B4-BE49-F238E27FC236}">
+                <a16:creationId xmlns:a16="http://schemas.microsoft.com/office/drawing/2014/main" id="{90BA2F92-B3FA-0542-ADB4-42BFB15B061D}"/>
+              </a:ext>
+            </a:extLst>
+          </p:cNvPr>
+          <p:cNvPicPr>
+            <a:picLocks noChangeAspect="1"/>
+          </p:cNvPicPr>
+          <p:nvPr/>
+        </p:nvPicPr>
+        <p:blipFill>
+          <a:blip r:embed="rId2"/>
+          <a:stretch>
+            <a:fillRect/>
+          </a:stretch>
+        </p:blipFill>
+        <p:spPr>
+          <a:xfrm>
+            <a:off x="684964" y="2000250"/>
+            <a:ext cx="7978024" cy="4300155"/>
+          </a:xfrm>
+          <a:prstGeom prst="rect">
+            <a:avLst/>
+          </a:prstGeom>
+        </p:spPr>
+      </p:pic>
+      <p:sp>
+        <p:nvSpPr>
+          <p:cNvPr id="5" name="Title 1">
+            <a:extLst>
+              <a:ext uri="{FF2B5EF4-FFF2-40B4-BE49-F238E27FC236}">
+                <a16:creationId xmlns:a16="http://schemas.microsoft.com/office/drawing/2014/main" id="{53DFA981-EE78-2E4F-AEC8-E41B9C4F1F5B}"/>
+              </a:ext>
+            </a:extLst>
+          </p:cNvPr>
+          <p:cNvSpPr>
+            <a:spLocks noGrp="1"/>
+          </p:cNvSpPr>
+          <p:nvPr>
+            <p:ph type="title"/>
+          </p:nvPr>
+        </p:nvSpPr>
+        <p:spPr>
+          <a:xfrm>
+            <a:off x="838200" y="365125"/>
+            <a:ext cx="10515600" cy="1325563"/>
+          </a:xfrm>
+        </p:spPr>
+        <p:txBody>
+          <a:bodyPr/>
+          <a:lstStyle/>
+          <a:p>
+            <a:r>
+              <a:rPr lang="en-RU" dirty="0"/>
+              <a:t>Plotly intearactive graph</a:t>
+            </a:r>
+          </a:p>
+        </p:txBody>
+      </p:sp>
+    </p:spTree>
+    <p:extLst>
+      <p:ext uri="{BB962C8B-B14F-4D97-AF65-F5344CB8AC3E}">
+        <p14:creationId xmlns:p14="http://schemas.microsoft.com/office/powerpoint/2010/main" val="3242170166"/>
+      </p:ext>
+    </p:extLst>
+  </p:cSld>
+  <p:clrMapOvr>
+    <a:masterClrMapping/>
+  </p:clrMapOvr>
+</p:sld>
+</file>
+
+<file path=ppt/slides/slide8.xml><?xml version="1.0" encoding="utf-8"?>
+<p:sld xmlns:a="http://schemas.openxmlformats.org/drawingml/2006/main" xmlns:r="http://schemas.openxmlformats.org/officeDocument/2006/relationships" xmlns:p="http://schemas.openxmlformats.org/presentationml/2006/main">
+  <p:cSld>
+    <p:spTree>
+      <p:nvGrpSpPr>
+        <p:cNvPr id="1" name=""/>
+        <p:cNvGrpSpPr/>
+        <p:nvPr/>
+      </p:nvGrpSpPr>
+      <p:grpSpPr>
+        <a:xfrm>
+          <a:off x="0" y="0"/>
+          <a:ext cx="0" cy="0"/>
+          <a:chOff x="0" y="0"/>
+          <a:chExt cx="0" cy="0"/>
+        </a:xfrm>
+      </p:grpSpPr>
+      <p:sp>
+        <p:nvSpPr>
+          <p:cNvPr id="2" name="Title 1">
+            <a:extLst>
+              <a:ext uri="{FF2B5EF4-FFF2-40B4-BE49-F238E27FC236}">
+                <a16:creationId xmlns:a16="http://schemas.microsoft.com/office/drawing/2014/main" id="{D3C3C62E-E9FA-A543-9387-D1392222C339}"/>
+              </a:ext>
+            </a:extLst>
+          </p:cNvPr>
+          <p:cNvSpPr>
+            <a:spLocks noGrp="1"/>
+          </p:cNvSpPr>
+          <p:nvPr>
+            <p:ph type="title"/>
+          </p:nvPr>
+        </p:nvSpPr>
+        <p:spPr/>
+        <p:txBody>
+          <a:bodyPr/>
+          <a:lstStyle/>
+          <a:p>
+            <a:r>
+              <a:rPr lang="en-RU" dirty="0"/>
+              <a:t>Predictive analytics methodology</a:t>
+            </a:r>
+          </a:p>
+        </p:txBody>
+      </p:sp>
+      <p:sp>
+        <p:nvSpPr>
+          <p:cNvPr id="4" name="TextBox 3">
+            <a:extLst>
+              <a:ext uri="{FF2B5EF4-FFF2-40B4-BE49-F238E27FC236}">
+                <a16:creationId xmlns:a16="http://schemas.microsoft.com/office/drawing/2014/main" id="{DAF9AF01-CBAC-8A42-ACFF-B043FAFAE3AC}"/>
+              </a:ext>
+            </a:extLst>
+          </p:cNvPr>
+          <p:cNvSpPr txBox="1"/>
+          <p:nvPr/>
+        </p:nvSpPr>
+        <p:spPr>
+          <a:xfrm>
+            <a:off x="522836" y="1519476"/>
+            <a:ext cx="5958106" cy="4801314"/>
+          </a:xfrm>
+          <a:prstGeom prst="rect">
+            <a:avLst/>
+          </a:prstGeom>
+          <a:noFill/>
+        </p:spPr>
+        <p:txBody>
+          <a:bodyPr wrap="none" rtlCol="0">
+            <a:spAutoFit/>
+          </a:bodyPr>
+          <a:lstStyle/>
+          <a:p>
+            <a:r>
+              <a:rPr lang="en-US" dirty="0"/>
+              <a:t>We will predict probability of infection in certain time interval</a:t>
+            </a:r>
+          </a:p>
+          <a:p>
+            <a:r>
+              <a:rPr lang="ru-RU" dirty="0"/>
+              <a:t>1 – </a:t>
+            </a:r>
+            <a:r>
+              <a:rPr lang="en-US" dirty="0"/>
+              <a:t>if person is infected in this time interval</a:t>
+            </a:r>
+          </a:p>
+          <a:p>
+            <a:r>
+              <a:rPr lang="en-US" dirty="0"/>
+              <a:t>0 – if infected later (1 day later)</a:t>
+            </a:r>
+          </a:p>
+          <a:p>
+            <a:endParaRPr lang="en-US" dirty="0"/>
+          </a:p>
+          <a:p>
+            <a:r>
+              <a:rPr lang="en-US" dirty="0"/>
+              <a:t>Divide data on train – test:</a:t>
+            </a:r>
+          </a:p>
+          <a:p>
+            <a:r>
+              <a:rPr lang="en-US" dirty="0"/>
+              <a:t>Train contains first half of 7 July (positive examples)</a:t>
+            </a:r>
+          </a:p>
+          <a:p>
+            <a:r>
+              <a:rPr lang="en-US" dirty="0"/>
+              <a:t>and first half of 6 July (negative examples – infected later).</a:t>
+            </a:r>
+          </a:p>
+          <a:p>
+            <a:endParaRPr lang="en-US" dirty="0"/>
+          </a:p>
+          <a:p>
+            <a:r>
+              <a:rPr lang="en-US" dirty="0"/>
+              <a:t>Test contains second half of 7 July (positive examples)</a:t>
+            </a:r>
+          </a:p>
+          <a:p>
+            <a:r>
+              <a:rPr lang="en-US" dirty="0"/>
+              <a:t>and second half of 6 July (negative examples – infected later).</a:t>
+            </a:r>
+          </a:p>
+          <a:p>
+            <a:endParaRPr lang="en-US" dirty="0"/>
+          </a:p>
+          <a:p>
+            <a:endParaRPr lang="en-US" dirty="0"/>
+          </a:p>
+          <a:p>
+            <a:endParaRPr lang="en-US" dirty="0"/>
+          </a:p>
+          <a:p>
+            <a:endParaRPr lang="en-US" dirty="0"/>
+          </a:p>
+          <a:p>
+            <a:endParaRPr lang="en-US" dirty="0"/>
+          </a:p>
+          <a:p>
+            <a:endParaRPr lang="en-US" dirty="0"/>
+          </a:p>
+          <a:p>
+            <a:endParaRPr lang="en-US" dirty="0"/>
+          </a:p>
+        </p:txBody>
+      </p:sp>
+      <p:pic>
+        <p:nvPicPr>
+          <p:cNvPr id="11" name="Picture 10">
+            <a:extLst>
+              <a:ext uri="{FF2B5EF4-FFF2-40B4-BE49-F238E27FC236}">
+                <a16:creationId xmlns:a16="http://schemas.microsoft.com/office/drawing/2014/main" id="{8A9D288B-D0B8-1545-B964-6F5B0B5A4548}"/>
+              </a:ext>
+            </a:extLst>
+          </p:cNvPr>
+          <p:cNvPicPr>
+            <a:picLocks noChangeAspect="1"/>
+          </p:cNvPicPr>
+          <p:nvPr/>
+        </p:nvPicPr>
+        <p:blipFill>
+          <a:blip r:embed="rId2"/>
+          <a:stretch>
+            <a:fillRect/>
+          </a:stretch>
+        </p:blipFill>
+        <p:spPr>
+          <a:xfrm>
+            <a:off x="7268146" y="1502688"/>
+            <a:ext cx="4749800" cy="3644900"/>
+          </a:xfrm>
+          <a:prstGeom prst="rect">
+            <a:avLst/>
+          </a:prstGeom>
+        </p:spPr>
+      </p:pic>
+    </p:spTree>
+    <p:extLst>
+      <p:ext uri="{BB962C8B-B14F-4D97-AF65-F5344CB8AC3E}">
+        <p14:creationId xmlns:p14="http://schemas.microsoft.com/office/powerpoint/2010/main" val="1947585422"/>
+      </p:ext>
+    </p:extLst>
+  </p:cSld>
+  <p:clrMapOvr>
+    <a:masterClrMapping/>
+  </p:clrMapOvr>
+</p:sld>
+</file>
+
+<file path=ppt/slides/slide9.xml><?xml version="1.0" encoding="utf-8"?>
+<p:sld xmlns:a="http://schemas.openxmlformats.org/drawingml/2006/main" xmlns:r="http://schemas.openxmlformats.org/officeDocument/2006/relationships" xmlns:p="http://schemas.openxmlformats.org/presentationml/2006/main">
+  <p:cSld>
+    <p:spTree>
+      <p:nvGrpSpPr>
+        <p:cNvPr id="1" name=""/>
+        <p:cNvGrpSpPr/>
+        <p:nvPr/>
+      </p:nvGrpSpPr>
+      <p:grpSpPr>
+        <a:xfrm>
+          <a:off x="0" y="0"/>
+          <a:ext cx="0" cy="0"/>
+          <a:chOff x="0" y="0"/>
+          <a:chExt cx="0" cy="0"/>
+        </a:xfrm>
+      </p:grpSpPr>
       <p:graphicFrame>
         <p:nvGraphicFramePr>
           <p:cNvPr id="4" name="Table 9">
@@ -3492,13 +5874,13 @@
           <p:nvPr>
             <p:extLst>
               <p:ext uri="{D42A27DB-BD31-4B8C-83A1-F6EECF244321}">
-                <p14:modId xmlns:p14="http://schemas.microsoft.com/office/powerpoint/2010/main" val="1013809206"/>
+                <p14:modId xmlns:p14="http://schemas.microsoft.com/office/powerpoint/2010/main" val="564302148"/>
               </p:ext>
             </p:extLst>
           </p:nvPr>
         </p:nvGraphicFramePr>
         <p:xfrm>
-          <a:off x="1753672" y="4841875"/>
+          <a:off x="838200" y="3141662"/>
           <a:ext cx="9176265" cy="1381760"/>
         </p:xfrm>
         <a:graphic>
@@ -3776,74 +6158,12 @@
           </a:p>
         </p:txBody>
       </p:sp>
-    </p:spTree>
-    <p:extLst>
-      <p:ext uri="{BB962C8B-B14F-4D97-AF65-F5344CB8AC3E}">
-        <p14:creationId xmlns:p14="http://schemas.microsoft.com/office/powerpoint/2010/main" val="1888319588"/>
-      </p:ext>
-    </p:extLst>
-  </p:cSld>
-  <p:clrMapOvr>
-    <a:masterClrMapping/>
-  </p:clrMapOvr>
-</p:sld>
-</file>
-
-<file path=ppt/slides/slide2.xml><?xml version="1.0" encoding="utf-8"?>
-<p:sld xmlns:a="http://schemas.openxmlformats.org/drawingml/2006/main" xmlns:r="http://schemas.openxmlformats.org/officeDocument/2006/relationships" xmlns:p="http://schemas.openxmlformats.org/presentationml/2006/main">
-  <p:cSld>
-    <p:spTree>
-      <p:nvGrpSpPr>
-        <p:cNvPr id="1" name=""/>
-        <p:cNvGrpSpPr/>
-        <p:nvPr/>
-      </p:nvGrpSpPr>
-      <p:grpSpPr>
-        <a:xfrm>
-          <a:off x="0" y="0"/>
-          <a:ext cx="0" cy="0"/>
-          <a:chOff x="0" y="0"/>
-          <a:chExt cx="0" cy="0"/>
-        </a:xfrm>
-      </p:grpSpPr>
-      <p:sp>
-        <p:nvSpPr>
-          <p:cNvPr id="2" name="Title 1">
-            <a:extLst>
-              <a:ext uri="{FF2B5EF4-FFF2-40B4-BE49-F238E27FC236}">
-                <a16:creationId xmlns:a16="http://schemas.microsoft.com/office/drawing/2014/main" id="{B640F2DD-64D9-6345-8636-AC3FE427EC3E}"/>
-              </a:ext>
-            </a:extLst>
-          </p:cNvPr>
-          <p:cNvSpPr>
-            <a:spLocks noGrp="1"/>
-          </p:cNvSpPr>
-          <p:nvPr>
-            <p:ph type="title"/>
-          </p:nvPr>
-        </p:nvSpPr>
-        <p:spPr/>
-        <p:txBody>
-          <a:bodyPr/>
-          <a:lstStyle/>
-          <a:p>
-            <a:r>
-              <a:rPr lang="en-GB" b="1" dirty="0"/>
-              <a:t>Higgs Twitter Dataset</a:t>
-            </a:r>
-            <a:br>
-              <a:rPr lang="en-GB" b="1" dirty="0"/>
-            </a:br>
-            <a:endParaRPr lang="en-RU" dirty="0"/>
-          </a:p>
-        </p:txBody>
-      </p:sp>
-      <p:sp>
-        <p:nvSpPr>
-          <p:cNvPr id="4" name="TextBox 3">
-            <a:extLst>
-              <a:ext uri="{FF2B5EF4-FFF2-40B4-BE49-F238E27FC236}">
-                <a16:creationId xmlns:a16="http://schemas.microsoft.com/office/drawing/2014/main" id="{5F9C374D-708C-FC49-A780-A679840F1F06}"/>
+      <p:sp>
+        <p:nvSpPr>
+          <p:cNvPr id="8" name="TextBox 7">
+            <a:extLst>
+              <a:ext uri="{FF2B5EF4-FFF2-40B4-BE49-F238E27FC236}">
+                <a16:creationId xmlns:a16="http://schemas.microsoft.com/office/drawing/2014/main" id="{7A328AD2-31FD-FD43-8D45-432470B78EE4}"/>
               </a:ext>
             </a:extLst>
           </p:cNvPr>
@@ -3852,8 +6172,8 @@
         </p:nvSpPr>
         <p:spPr>
           <a:xfrm>
-            <a:off x="1021277" y="1506022"/>
-            <a:ext cx="8949373" cy="1754326"/>
+            <a:off x="1085850" y="2100263"/>
+            <a:ext cx="9126666" cy="646331"/>
           </a:xfrm>
           <a:prstGeom prst="rect">
             <a:avLst/>
@@ -3867,1699 +6187,39 @@
           <a:lstStyle/>
           <a:p>
             <a:r>
-              <a:rPr lang="en-RU" dirty="0"/>
-              <a:t>We use data from </a:t>
-            </a:r>
-            <a:r>
-              <a:rPr lang="en-GB" dirty="0">
-                <a:hlinkClick r:id="rId2"/>
-              </a:rPr>
-              <a:t>https://snap.stanford.edu/data/higgs-twitter.html</a:t>
-            </a:r>
-            <a:endParaRPr lang="en-GB" dirty="0"/>
-          </a:p>
-          <a:p>
-            <a:endParaRPr lang="en-GB" dirty="0"/>
-          </a:p>
-          <a:p>
-            <a:r>
-              <a:rPr lang="en-GB" dirty="0"/>
-              <a:t>It is information about how </a:t>
-            </a:r>
-            <a:r>
               <a:rPr lang="en-US" dirty="0"/>
-              <a:t>discovery Boson Higgs’</a:t>
-            </a:r>
-            <a:r>
-              <a:rPr lang="en-GB" dirty="0"/>
-              <a:t> rumour is spreading through twitter.</a:t>
-            </a:r>
-          </a:p>
-          <a:p>
-            <a:r>
-              <a:rPr lang="en-RU" dirty="0"/>
-              <a:t>In EDA we can see in what type rumor is spreading (retweet, motions, replies) throught time</a:t>
-            </a:r>
-          </a:p>
-          <a:p>
+              <a:t>We use these features</a:t>
+            </a:r>
+            <a:r>
+              <a:rPr lang="ru-RU" dirty="0"/>
+              <a:t>. </a:t>
+            </a:r>
+            <a:r>
+              <a:rPr lang="en-US" dirty="0"/>
+              <a:t>They show how many neighbors are infected. So we want </a:t>
+            </a:r>
+            <a:r>
+              <a:rPr lang="ru-RU" dirty="0"/>
+              <a:t> </a:t>
+            </a:r>
+            <a:r>
+              <a:rPr lang="en-US" dirty="0"/>
+              <a:t>to investigate</a:t>
+            </a:r>
+          </a:p>
+          <a:p>
+            <a:r>
+              <a:rPr lang="en-US" dirty="0"/>
+              <a:t> influence of number of infected neighbors in close area determine fact of infection</a:t>
+            </a:r>
             <a:endParaRPr lang="en-RU" dirty="0"/>
-          </a:p>
-          <a:p>
-            <a:r>
-              <a:rPr lang="en-RU" dirty="0"/>
-              <a:t>In predictive analysis we can see what parametres influence on spreading</a:t>
-            </a:r>
-            <a:endParaRPr lang="en-GB" dirty="0"/>
           </a:p>
         </p:txBody>
       </p:sp>
     </p:spTree>
     <p:extLst>
       <p:ext uri="{BB962C8B-B14F-4D97-AF65-F5344CB8AC3E}">
-        <p14:creationId xmlns:p14="http://schemas.microsoft.com/office/powerpoint/2010/main" val="804940946"/>
-      </p:ext>
-    </p:extLst>
-  </p:cSld>
-  <p:clrMapOvr>
-    <a:masterClrMapping/>
-  </p:clrMapOvr>
-</p:sld>
-</file>
-
-<file path=ppt/slides/slide3.xml><?xml version="1.0" encoding="utf-8"?>
-<p:sld xmlns:a="http://schemas.openxmlformats.org/drawingml/2006/main" xmlns:r="http://schemas.openxmlformats.org/officeDocument/2006/relationships" xmlns:p="http://schemas.openxmlformats.org/presentationml/2006/main">
-  <p:cSld>
-    <p:spTree>
-      <p:nvGrpSpPr>
-        <p:cNvPr id="1" name=""/>
-        <p:cNvGrpSpPr/>
-        <p:nvPr/>
-      </p:nvGrpSpPr>
-      <p:grpSpPr>
-        <a:xfrm>
-          <a:off x="0" y="0"/>
-          <a:ext cx="0" cy="0"/>
-          <a:chOff x="0" y="0"/>
-          <a:chExt cx="0" cy="0"/>
-        </a:xfrm>
-      </p:grpSpPr>
-      <p:sp>
-        <p:nvSpPr>
-          <p:cNvPr id="4" name="Title 1">
-            <a:extLst>
-              <a:ext uri="{FF2B5EF4-FFF2-40B4-BE49-F238E27FC236}">
-                <a16:creationId xmlns:a16="http://schemas.microsoft.com/office/drawing/2014/main" id="{0E1AEEEB-27E0-7749-B740-DAAC679F818A}"/>
-              </a:ext>
-            </a:extLst>
-          </p:cNvPr>
-          <p:cNvSpPr txBox="1">
-            <a:spLocks/>
-          </p:cNvSpPr>
-          <p:nvPr/>
-        </p:nvSpPr>
-        <p:spPr>
-          <a:xfrm>
-            <a:off x="990600" y="517525"/>
-            <a:ext cx="10515600" cy="1325563"/>
-          </a:xfrm>
-          <a:prstGeom prst="rect">
-            <a:avLst/>
-          </a:prstGeom>
-        </p:spPr>
-        <p:txBody>
-          <a:bodyPr vert="horz" lIns="91440" tIns="45720" rIns="91440" bIns="45720" rtlCol="0" anchor="ctr">
-            <a:normAutofit/>
-          </a:bodyPr>
-          <a:lstStyle>
-            <a:lvl1pPr algn="l" defTabSz="914400" rtl="0" eaLnBrk="1" latinLnBrk="0" hangingPunct="1">
-              <a:lnSpc>
-                <a:spcPct val="90000"/>
-              </a:lnSpc>
-              <a:spcBef>
-                <a:spcPct val="0"/>
-              </a:spcBef>
-              <a:buNone/>
-              <a:defRPr sz="4400" kern="1200">
-                <a:solidFill>
-                  <a:schemeClr val="tx1"/>
-                </a:solidFill>
-                <a:latin typeface="+mj-lt"/>
-                <a:ea typeface="+mj-ea"/>
-                <a:cs typeface="+mj-cs"/>
-              </a:defRPr>
-            </a:lvl1pPr>
-          </a:lstStyle>
-          <a:p>
-            <a:r>
-              <a:rPr lang="en-US" b="1" dirty="0"/>
-              <a:t>Collecting data</a:t>
-            </a:r>
-            <a:br>
-              <a:rPr lang="en-GB" b="1" dirty="0"/>
-            </a:br>
-            <a:endParaRPr lang="en-RU" dirty="0"/>
-          </a:p>
-        </p:txBody>
-      </p:sp>
-      <p:sp>
-        <p:nvSpPr>
-          <p:cNvPr id="5" name="TextBox 4">
-            <a:extLst>
-              <a:ext uri="{FF2B5EF4-FFF2-40B4-BE49-F238E27FC236}">
-                <a16:creationId xmlns:a16="http://schemas.microsoft.com/office/drawing/2014/main" id="{30FA89FA-A18C-444C-871B-0D94E10E477D}"/>
-              </a:ext>
-            </a:extLst>
-          </p:cNvPr>
-          <p:cNvSpPr txBox="1"/>
-          <p:nvPr/>
-        </p:nvSpPr>
-        <p:spPr>
-          <a:xfrm>
-            <a:off x="912421" y="1482271"/>
-            <a:ext cx="6576031" cy="1477328"/>
-          </a:xfrm>
-          <a:prstGeom prst="rect">
-            <a:avLst/>
-          </a:prstGeom>
-          <a:noFill/>
-        </p:spPr>
-        <p:txBody>
-          <a:bodyPr wrap="none" rtlCol="0">
-            <a:spAutoFit/>
-          </a:bodyPr>
-          <a:lstStyle/>
-          <a:p>
-            <a:r>
-              <a:rPr lang="en-RU" dirty="0"/>
-              <a:t>We use data from </a:t>
-            </a:r>
-            <a:r>
-              <a:rPr lang="en-GB" dirty="0">
-                <a:hlinkClick r:id="rId2"/>
-              </a:rPr>
-              <a:t>https://snap.stanford.edu/data/higgs-twitter.html</a:t>
-            </a:r>
-            <a:endParaRPr lang="en-GB" dirty="0"/>
-          </a:p>
-          <a:p>
-            <a:endParaRPr lang="en-GB" dirty="0"/>
-          </a:p>
-          <a:p>
-            <a:r>
-              <a:rPr lang="en-GB" dirty="0"/>
-              <a:t>Data has text format, we use for report 2 tables</a:t>
-            </a:r>
-            <a:r>
-              <a:rPr lang="en-US" dirty="0"/>
-              <a:t>: </a:t>
-            </a:r>
-          </a:p>
-          <a:p>
-            <a:endParaRPr lang="en-US" dirty="0"/>
-          </a:p>
-          <a:p>
-            <a:endParaRPr lang="en-GB" dirty="0"/>
-          </a:p>
-        </p:txBody>
-      </p:sp>
-      <p:graphicFrame>
-        <p:nvGraphicFramePr>
-          <p:cNvPr id="10" name="Table 10">
-            <a:extLst>
-              <a:ext uri="{FF2B5EF4-FFF2-40B4-BE49-F238E27FC236}">
-                <a16:creationId xmlns:a16="http://schemas.microsoft.com/office/drawing/2014/main" id="{A613390C-73F5-4647-9D88-E26CB0644D3C}"/>
-              </a:ext>
-            </a:extLst>
-          </p:cNvPr>
-          <p:cNvGraphicFramePr>
-            <a:graphicFrameLocks noGrp="1"/>
-          </p:cNvGraphicFramePr>
-          <p:nvPr>
-            <p:extLst>
-              <p:ext uri="{D42A27DB-BD31-4B8C-83A1-F6EECF244321}">
-                <p14:modId xmlns:p14="http://schemas.microsoft.com/office/powerpoint/2010/main" val="1677654078"/>
-              </p:ext>
-            </p:extLst>
-          </p:nvPr>
-        </p:nvGraphicFramePr>
-        <p:xfrm>
-          <a:off x="990600" y="2542803"/>
-          <a:ext cx="8128000" cy="1828800"/>
-        </p:xfrm>
-        <a:graphic>
-          <a:graphicData uri="http://schemas.openxmlformats.org/drawingml/2006/table">
-            <a:tbl>
-              <a:tblPr firstRow="1" bandRow="1">
-                <a:tableStyleId>{D27102A9-8310-4765-A935-A1911B00CA55}</a:tableStyleId>
-              </a:tblPr>
-              <a:tblGrid>
-                <a:gridCol w="4064000">
-                  <a:extLst>
-                    <a:ext uri="{9D8B030D-6E8A-4147-A177-3AD203B41FA5}">
-                      <a16:colId xmlns:a16="http://schemas.microsoft.com/office/drawing/2014/main" val="1942178246"/>
-                    </a:ext>
-                  </a:extLst>
-                </a:gridCol>
-                <a:gridCol w="4064000">
-                  <a:extLst>
-                    <a:ext uri="{9D8B030D-6E8A-4147-A177-3AD203B41FA5}">
-                      <a16:colId xmlns:a16="http://schemas.microsoft.com/office/drawing/2014/main" val="324448526"/>
-                    </a:ext>
-                  </a:extLst>
-                </a:gridCol>
-              </a:tblGrid>
-              <a:tr h="370840">
-                <a:tc>
-                  <a:txBody>
-                    <a:bodyPr/>
-                    <a:lstStyle/>
-                    <a:p>
-                      <a:pPr marL="0" marR="0" lvl="0" indent="0" algn="l" defTabSz="914400" rtl="0" eaLnBrk="1" fontAlgn="auto" latinLnBrk="0" hangingPunct="1">
-                        <a:lnSpc>
-                          <a:spcPct val="100000"/>
-                        </a:lnSpc>
-                        <a:spcBef>
-                          <a:spcPts val="0"/>
-                        </a:spcBef>
-                        <a:spcAft>
-                          <a:spcPts val="0"/>
-                        </a:spcAft>
-                        <a:buClrTx/>
-                        <a:buSzTx/>
-                        <a:buFontTx/>
-                        <a:buNone/>
-                        <a:tabLst/>
-                        <a:defRPr/>
-                      </a:pPr>
-                      <a:r>
-                        <a:rPr lang="en-GB" u="none" strike="noStrike" dirty="0">
-                          <a:solidFill>
-                            <a:srgbClr val="267ED5"/>
-                          </a:solidFill>
-                          <a:effectLst/>
-                          <a:hlinkClick r:id="rId3"/>
-                        </a:rPr>
-                        <a:t>social_network.edgelist.gz</a:t>
-                      </a:r>
-                      <a:endParaRPr lang="en-GB" dirty="0">
-                        <a:solidFill>
-                          <a:srgbClr val="000000"/>
-                        </a:solidFill>
-                        <a:effectLst/>
-                      </a:endParaRPr>
-                    </a:p>
-                    <a:p>
-                      <a:endParaRPr lang="en-RU" dirty="0"/>
-                    </a:p>
-                  </a:txBody>
-                  <a:tcPr/>
-                </a:tc>
-                <a:tc>
-                  <a:txBody>
-                    <a:bodyPr/>
-                    <a:lstStyle/>
-                    <a:p>
-                      <a:pPr marL="0" marR="0" lvl="0" indent="0" algn="l" defTabSz="914400" rtl="0" eaLnBrk="1" fontAlgn="auto" latinLnBrk="0" hangingPunct="1">
-                        <a:lnSpc>
-                          <a:spcPct val="100000"/>
-                        </a:lnSpc>
-                        <a:spcBef>
-                          <a:spcPts val="0"/>
-                        </a:spcBef>
-                        <a:spcAft>
-                          <a:spcPts val="0"/>
-                        </a:spcAft>
-                        <a:buClrTx/>
-                        <a:buSzTx/>
-                        <a:buFontTx/>
-                        <a:buNone/>
-                        <a:tabLst/>
-                        <a:defRPr/>
-                      </a:pPr>
-                      <a:r>
-                        <a:rPr lang="en-GB" dirty="0">
-                          <a:solidFill>
-                            <a:srgbClr val="000000"/>
-                          </a:solidFill>
-                          <a:effectLst/>
-                        </a:rPr>
-                        <a:t>Friends/follower graph (directed)*</a:t>
-                      </a:r>
-                    </a:p>
-                    <a:p>
-                      <a:endParaRPr lang="en-RU" dirty="0"/>
-                    </a:p>
-                  </a:txBody>
-                  <a:tcPr/>
-                </a:tc>
-                <a:extLst>
-                  <a:ext uri="{0D108BD9-81ED-4DB2-BD59-A6C34878D82A}">
-                    <a16:rowId xmlns:a16="http://schemas.microsoft.com/office/drawing/2014/main" val="1572645522"/>
-                  </a:ext>
-                </a:extLst>
-              </a:tr>
-              <a:tr h="370840">
-                <a:tc>
-                  <a:txBody>
-                    <a:bodyPr/>
-                    <a:lstStyle/>
-                    <a:p>
-                      <a:pPr marL="0" marR="0" lvl="0" indent="0" algn="l" defTabSz="914400" rtl="0" eaLnBrk="1" fontAlgn="auto" latinLnBrk="0" hangingPunct="1">
-                        <a:lnSpc>
-                          <a:spcPct val="100000"/>
-                        </a:lnSpc>
-                        <a:spcBef>
-                          <a:spcPts val="0"/>
-                        </a:spcBef>
-                        <a:spcAft>
-                          <a:spcPts val="0"/>
-                        </a:spcAft>
-                        <a:buClrTx/>
-                        <a:buSzTx/>
-                        <a:buFontTx/>
-                        <a:buNone/>
-                        <a:tabLst/>
-                        <a:defRPr/>
-                      </a:pPr>
-                      <a:r>
-                        <a:rPr lang="en-GB" u="none" strike="noStrike" dirty="0">
-                          <a:solidFill>
-                            <a:srgbClr val="267ED5"/>
-                          </a:solidFill>
-                          <a:effectLst/>
-                          <a:hlinkClick r:id="rId4"/>
-                        </a:rPr>
-                        <a:t>higgs-activity_time.txt.gz</a:t>
-                      </a:r>
-                      <a:endParaRPr lang="en-GB" dirty="0">
-                        <a:solidFill>
-                          <a:srgbClr val="000000"/>
-                        </a:solidFill>
-                        <a:effectLst/>
-                      </a:endParaRPr>
-                    </a:p>
-                    <a:p>
-                      <a:endParaRPr lang="en-RU" dirty="0"/>
-                    </a:p>
-                  </a:txBody>
-                  <a:tcPr/>
-                </a:tc>
-                <a:tc>
-                  <a:txBody>
-                    <a:bodyPr/>
-                    <a:lstStyle/>
-                    <a:p>
-                      <a:pPr marL="0" marR="0" lvl="0" indent="0" algn="l" defTabSz="914400" rtl="0" eaLnBrk="1" fontAlgn="auto" latinLnBrk="0" hangingPunct="1">
-                        <a:lnSpc>
-                          <a:spcPct val="100000"/>
-                        </a:lnSpc>
-                        <a:spcBef>
-                          <a:spcPts val="0"/>
-                        </a:spcBef>
-                        <a:spcAft>
-                          <a:spcPts val="0"/>
-                        </a:spcAft>
-                        <a:buClrTx/>
-                        <a:buSzTx/>
-                        <a:buFontTx/>
-                        <a:buNone/>
-                        <a:tabLst/>
-                        <a:defRPr/>
-                      </a:pPr>
-                      <a:r>
-                        <a:rPr lang="en-GB" dirty="0">
-                          <a:solidFill>
-                            <a:srgbClr val="000000"/>
-                          </a:solidFill>
-                          <a:effectLst/>
-                        </a:rPr>
-                        <a:t>The dataset provides information about activity on Twitter during the discovery of Higgs boson</a:t>
-                      </a:r>
-                    </a:p>
-                    <a:p>
-                      <a:endParaRPr lang="en-RU" dirty="0"/>
-                    </a:p>
-                  </a:txBody>
-                  <a:tcPr/>
-                </a:tc>
-                <a:extLst>
-                  <a:ext uri="{0D108BD9-81ED-4DB2-BD59-A6C34878D82A}">
-                    <a16:rowId xmlns:a16="http://schemas.microsoft.com/office/drawing/2014/main" val="1582323869"/>
-                  </a:ext>
-                </a:extLst>
-              </a:tr>
-            </a:tbl>
-          </a:graphicData>
-        </a:graphic>
-      </p:graphicFrame>
-      <p:sp>
-        <p:nvSpPr>
-          <p:cNvPr id="11" name="TextBox 10">
-            <a:extLst>
-              <a:ext uri="{FF2B5EF4-FFF2-40B4-BE49-F238E27FC236}">
-                <a16:creationId xmlns:a16="http://schemas.microsoft.com/office/drawing/2014/main" id="{DCB8A0BC-29A5-0D43-8F26-6C0CFC577491}"/>
-              </a:ext>
-            </a:extLst>
-          </p:cNvPr>
-          <p:cNvSpPr txBox="1"/>
-          <p:nvPr/>
-        </p:nvSpPr>
-        <p:spPr>
-          <a:xfrm>
-            <a:off x="1157288" y="5971143"/>
-            <a:ext cx="5271636" cy="369332"/>
-          </a:xfrm>
-          <a:prstGeom prst="rect">
-            <a:avLst/>
-          </a:prstGeom>
-          <a:noFill/>
-        </p:spPr>
-        <p:txBody>
-          <a:bodyPr wrap="none" rtlCol="0">
-            <a:spAutoFit/>
-          </a:bodyPr>
-          <a:lstStyle/>
-          <a:p>
-            <a:r>
-              <a:rPr lang="en-RU" dirty="0"/>
-              <a:t>* </a:t>
-            </a:r>
-            <a:r>
-              <a:rPr lang="en-GB" dirty="0"/>
-              <a:t>U</a:t>
-            </a:r>
-            <a:r>
-              <a:rPr lang="en-RU" dirty="0"/>
-              <a:t>se only half of edges, because memory complexety</a:t>
-            </a:r>
-          </a:p>
-        </p:txBody>
-      </p:sp>
-      <p:sp>
-        <p:nvSpPr>
-          <p:cNvPr id="12" name="TextBox 11">
-            <a:extLst>
-              <a:ext uri="{FF2B5EF4-FFF2-40B4-BE49-F238E27FC236}">
-                <a16:creationId xmlns:a16="http://schemas.microsoft.com/office/drawing/2014/main" id="{47A899C2-A250-1B42-BDB2-5BEF1A5FE471}"/>
-              </a:ext>
-            </a:extLst>
-          </p:cNvPr>
-          <p:cNvSpPr txBox="1"/>
-          <p:nvPr/>
-        </p:nvSpPr>
-        <p:spPr>
-          <a:xfrm>
-            <a:off x="1157288" y="4572000"/>
-            <a:ext cx="3641125" cy="1477328"/>
-          </a:xfrm>
-          <a:prstGeom prst="rect">
-            <a:avLst/>
-          </a:prstGeom>
-          <a:noFill/>
-        </p:spPr>
-        <p:txBody>
-          <a:bodyPr wrap="none" rtlCol="0">
-            <a:spAutoFit/>
-          </a:bodyPr>
-          <a:lstStyle/>
-          <a:p>
-            <a:r>
-              <a:rPr lang="en-RU" dirty="0"/>
-              <a:t>Methodology of getting data:</a:t>
-            </a:r>
-          </a:p>
-          <a:p>
-            <a:pPr marL="342900" indent="-342900">
-              <a:buAutoNum type="arabicParenR"/>
-            </a:pPr>
-            <a:r>
-              <a:rPr lang="en-RU" dirty="0"/>
-              <a:t>Download .txt files</a:t>
-            </a:r>
-          </a:p>
-          <a:p>
-            <a:pPr marL="342900" indent="-342900">
-              <a:buAutoNum type="arabicParenR"/>
-            </a:pPr>
-            <a:r>
-              <a:rPr lang="en-RU" dirty="0"/>
-              <a:t>Use pandas.read_csv</a:t>
-            </a:r>
-          </a:p>
-          <a:p>
-            <a:pPr marL="342900" indent="-342900">
-              <a:buAutoNum type="arabicParenR"/>
-            </a:pPr>
-            <a:r>
-              <a:rPr lang="en-RU" dirty="0"/>
-              <a:t>Use </a:t>
-            </a:r>
-            <a:r>
-              <a:rPr lang="en-GB" dirty="0"/>
-              <a:t>network to work with graphs</a:t>
-            </a:r>
-            <a:endParaRPr lang="en-RU" dirty="0"/>
-          </a:p>
-          <a:p>
-            <a:pPr marL="342900" indent="-342900">
-              <a:buAutoNum type="arabicParenR"/>
-            </a:pPr>
-            <a:endParaRPr lang="en-RU" dirty="0"/>
-          </a:p>
-        </p:txBody>
-      </p:sp>
-    </p:spTree>
-    <p:extLst>
-      <p:ext uri="{BB962C8B-B14F-4D97-AF65-F5344CB8AC3E}">
-        <p14:creationId xmlns:p14="http://schemas.microsoft.com/office/powerpoint/2010/main" val="1832503845"/>
-      </p:ext>
-    </p:extLst>
-  </p:cSld>
-  <p:clrMapOvr>
-    <a:masterClrMapping/>
-  </p:clrMapOvr>
-</p:sld>
-</file>
-
-<file path=ppt/slides/slide4.xml><?xml version="1.0" encoding="utf-8"?>
-<p:sld xmlns:a="http://schemas.openxmlformats.org/drawingml/2006/main" xmlns:r="http://schemas.openxmlformats.org/officeDocument/2006/relationships" xmlns:p="http://schemas.openxmlformats.org/presentationml/2006/main">
-  <p:cSld>
-    <p:spTree>
-      <p:nvGrpSpPr>
-        <p:cNvPr id="1" name=""/>
-        <p:cNvGrpSpPr/>
-        <p:nvPr/>
-      </p:nvGrpSpPr>
-      <p:grpSpPr>
-        <a:xfrm>
-          <a:off x="0" y="0"/>
-          <a:ext cx="0" cy="0"/>
-          <a:chOff x="0" y="0"/>
-          <a:chExt cx="0" cy="0"/>
-        </a:xfrm>
-      </p:grpSpPr>
-      <p:sp>
-        <p:nvSpPr>
-          <p:cNvPr id="2" name="Title 1">
-            <a:extLst>
-              <a:ext uri="{FF2B5EF4-FFF2-40B4-BE49-F238E27FC236}">
-                <a16:creationId xmlns:a16="http://schemas.microsoft.com/office/drawing/2014/main" id="{7A7388FF-008B-3544-83AF-BA49D5F60BB7}"/>
-              </a:ext>
-            </a:extLst>
-          </p:cNvPr>
-          <p:cNvSpPr>
-            <a:spLocks noGrp="1"/>
-          </p:cNvSpPr>
-          <p:nvPr>
-            <p:ph type="title"/>
-          </p:nvPr>
-        </p:nvSpPr>
-        <p:spPr/>
-        <p:txBody>
-          <a:bodyPr/>
-          <a:lstStyle/>
-          <a:p>
-            <a:r>
-              <a:rPr lang="en-RU" dirty="0"/>
-              <a:t>EDA methodology</a:t>
-            </a:r>
-          </a:p>
-        </p:txBody>
-      </p:sp>
-      <p:sp>
-        <p:nvSpPr>
-          <p:cNvPr id="5" name="TextBox 4">
-            <a:extLst>
-              <a:ext uri="{FF2B5EF4-FFF2-40B4-BE49-F238E27FC236}">
-                <a16:creationId xmlns:a16="http://schemas.microsoft.com/office/drawing/2014/main" id="{2302D44A-8AE4-D34E-AFB9-0F165F234A21}"/>
-              </a:ext>
-            </a:extLst>
-          </p:cNvPr>
-          <p:cNvSpPr txBox="1"/>
-          <p:nvPr/>
-        </p:nvSpPr>
-        <p:spPr>
-          <a:xfrm>
-            <a:off x="1021277" y="1506022"/>
-            <a:ext cx="4153894" cy="1477328"/>
-          </a:xfrm>
-          <a:prstGeom prst="rect">
-            <a:avLst/>
-          </a:prstGeom>
-          <a:noFill/>
-        </p:spPr>
-        <p:txBody>
-          <a:bodyPr wrap="none" rtlCol="0">
-            <a:spAutoFit/>
-          </a:bodyPr>
-          <a:lstStyle/>
-          <a:p>
-            <a:r>
-              <a:rPr lang="en-US" dirty="0"/>
-              <a:t>The main goals of EDA analysis:</a:t>
-            </a:r>
-          </a:p>
-          <a:p>
-            <a:r>
-              <a:rPr lang="en-US" dirty="0"/>
-              <a:t>1) Brief peek of data</a:t>
-            </a:r>
-          </a:p>
-          <a:p>
-            <a:r>
-              <a:rPr lang="en-US" dirty="0"/>
-              <a:t>2) Understanding of data</a:t>
-            </a:r>
-          </a:p>
-          <a:p>
-            <a:r>
-              <a:rPr lang="en-US" dirty="0"/>
-              <a:t>3) Detection of outliers and </a:t>
-            </a:r>
-            <a:r>
-              <a:rPr lang="en-US" dirty="0" err="1"/>
-              <a:t>misings</a:t>
-            </a:r>
-            <a:endParaRPr lang="ru-RU" dirty="0"/>
-          </a:p>
-          <a:p>
-            <a:r>
-              <a:rPr lang="ru-RU" dirty="0"/>
-              <a:t>4) </a:t>
-            </a:r>
-            <a:r>
-              <a:rPr lang="en-US" dirty="0"/>
-              <a:t>Cleaning and prepare data for modeling</a:t>
-            </a:r>
-          </a:p>
-        </p:txBody>
-      </p:sp>
-      <p:sp>
-        <p:nvSpPr>
-          <p:cNvPr id="7" name="TextBox 6">
-            <a:extLst>
-              <a:ext uri="{FF2B5EF4-FFF2-40B4-BE49-F238E27FC236}">
-                <a16:creationId xmlns:a16="http://schemas.microsoft.com/office/drawing/2014/main" id="{BC17A11D-C07E-944A-B8A3-12C4D60E102B}"/>
-              </a:ext>
-            </a:extLst>
-          </p:cNvPr>
-          <p:cNvSpPr txBox="1"/>
-          <p:nvPr/>
-        </p:nvSpPr>
-        <p:spPr>
-          <a:xfrm>
-            <a:off x="1021277" y="3227833"/>
-            <a:ext cx="6097978" cy="2031325"/>
-          </a:xfrm>
-          <a:prstGeom prst="rect">
-            <a:avLst/>
-          </a:prstGeom>
-          <a:noFill/>
-        </p:spPr>
-        <p:txBody>
-          <a:bodyPr wrap="square">
-            <a:spAutoFit/>
-          </a:bodyPr>
-          <a:lstStyle/>
-          <a:p>
-            <a:r>
-              <a:rPr lang="en-US" dirty="0"/>
-              <a:t>For these goals we use</a:t>
-            </a:r>
-          </a:p>
-          <a:p>
-            <a:r>
-              <a:rPr lang="en-US" dirty="0"/>
-              <a:t>1) Plot of distribution: histogram </a:t>
-            </a:r>
-          </a:p>
-          <a:p>
-            <a:r>
-              <a:rPr lang="en-US" dirty="0"/>
-              <a:t>2) Bar or pie plots for categorial data</a:t>
-            </a:r>
-          </a:p>
-          <a:p>
-            <a:endParaRPr lang="en-US" dirty="0"/>
-          </a:p>
-          <a:p>
-            <a:endParaRPr lang="ru-RU" dirty="0"/>
-          </a:p>
-          <a:p>
-            <a:endParaRPr lang="ru-RU" dirty="0"/>
-          </a:p>
-          <a:p>
-            <a:endParaRPr lang="en-GB" dirty="0"/>
-          </a:p>
-        </p:txBody>
-      </p:sp>
-      <p:sp>
-        <p:nvSpPr>
-          <p:cNvPr id="8" name="TextBox 7">
-            <a:extLst>
-              <a:ext uri="{FF2B5EF4-FFF2-40B4-BE49-F238E27FC236}">
-                <a16:creationId xmlns:a16="http://schemas.microsoft.com/office/drawing/2014/main" id="{DAAC4698-19C9-2349-B52A-2A6972D736B1}"/>
-              </a:ext>
-            </a:extLst>
-          </p:cNvPr>
-          <p:cNvSpPr txBox="1"/>
-          <p:nvPr/>
-        </p:nvSpPr>
-        <p:spPr>
-          <a:xfrm>
-            <a:off x="5874265" y="1489889"/>
-            <a:ext cx="6194581" cy="1200329"/>
-          </a:xfrm>
-          <a:prstGeom prst="rect">
-            <a:avLst/>
-          </a:prstGeom>
-          <a:noFill/>
-        </p:spPr>
-        <p:txBody>
-          <a:bodyPr wrap="none" rtlCol="0">
-            <a:spAutoFit/>
-          </a:bodyPr>
-          <a:lstStyle/>
-          <a:p>
-            <a:r>
-              <a:rPr lang="en-US" dirty="0"/>
-              <a:t>The main goals of interactive EDA:</a:t>
-            </a:r>
-          </a:p>
-          <a:p>
-            <a:r>
-              <a:rPr lang="en-US" dirty="0"/>
-              <a:t>1) See how data changes through time</a:t>
-            </a:r>
-          </a:p>
-          <a:p>
-            <a:r>
-              <a:rPr lang="en-US" dirty="0"/>
-              <a:t>2) See how relationships between features change through time</a:t>
-            </a:r>
-          </a:p>
-          <a:p>
-            <a:r>
-              <a:rPr lang="en-US" dirty="0"/>
-              <a:t>3) Recognize changeable patterns</a:t>
-            </a:r>
-          </a:p>
-        </p:txBody>
-      </p:sp>
-      <p:sp>
-        <p:nvSpPr>
-          <p:cNvPr id="9" name="TextBox 8">
-            <a:extLst>
-              <a:ext uri="{FF2B5EF4-FFF2-40B4-BE49-F238E27FC236}">
-                <a16:creationId xmlns:a16="http://schemas.microsoft.com/office/drawing/2014/main" id="{77098DB1-6598-9F40-B959-0C17136F8306}"/>
-              </a:ext>
-            </a:extLst>
-          </p:cNvPr>
-          <p:cNvSpPr txBox="1"/>
-          <p:nvPr/>
-        </p:nvSpPr>
-        <p:spPr>
-          <a:xfrm>
-            <a:off x="5922566" y="3011925"/>
-            <a:ext cx="6097978" cy="1477328"/>
-          </a:xfrm>
-          <a:prstGeom prst="rect">
-            <a:avLst/>
-          </a:prstGeom>
-          <a:noFill/>
-        </p:spPr>
-        <p:txBody>
-          <a:bodyPr wrap="square">
-            <a:spAutoFit/>
-          </a:bodyPr>
-          <a:lstStyle/>
-          <a:p>
-            <a:r>
-              <a:rPr lang="en-US" dirty="0"/>
-              <a:t>For these goals we use</a:t>
-            </a:r>
-          </a:p>
-          <a:p>
-            <a:r>
-              <a:rPr lang="en-US" dirty="0"/>
-              <a:t>1) For these goals we use </a:t>
-            </a:r>
-            <a:r>
-              <a:rPr lang="en-GB" dirty="0" err="1"/>
-              <a:t>Plotly</a:t>
-            </a:r>
-            <a:r>
-              <a:rPr lang="en-GB" dirty="0"/>
-              <a:t> Dash-related slides</a:t>
-            </a:r>
-            <a:endParaRPr lang="en-US" dirty="0"/>
-          </a:p>
-          <a:p>
-            <a:endParaRPr lang="ru-RU" dirty="0"/>
-          </a:p>
-          <a:p>
-            <a:endParaRPr lang="ru-RU" dirty="0"/>
-          </a:p>
-          <a:p>
-            <a:endParaRPr lang="en-GB" dirty="0"/>
-          </a:p>
-        </p:txBody>
-      </p:sp>
-    </p:spTree>
-    <p:extLst>
-      <p:ext uri="{BB962C8B-B14F-4D97-AF65-F5344CB8AC3E}">
-        <p14:creationId xmlns:p14="http://schemas.microsoft.com/office/powerpoint/2010/main" val="383320192"/>
-      </p:ext>
-    </p:extLst>
-  </p:cSld>
-  <p:clrMapOvr>
-    <a:masterClrMapping/>
-  </p:clrMapOvr>
-</p:sld>
-</file>
-
-<file path=ppt/slides/slide5.xml><?xml version="1.0" encoding="utf-8"?>
-<p:sld xmlns:a="http://schemas.openxmlformats.org/drawingml/2006/main" xmlns:r="http://schemas.openxmlformats.org/officeDocument/2006/relationships" xmlns:p="http://schemas.openxmlformats.org/presentationml/2006/main">
-  <p:cSld>
-    <p:spTree>
-      <p:nvGrpSpPr>
-        <p:cNvPr id="1" name=""/>
-        <p:cNvGrpSpPr/>
-        <p:nvPr/>
-      </p:nvGrpSpPr>
-      <p:grpSpPr>
-        <a:xfrm>
-          <a:off x="0" y="0"/>
-          <a:ext cx="0" cy="0"/>
-          <a:chOff x="0" y="0"/>
-          <a:chExt cx="0" cy="0"/>
-        </a:xfrm>
-      </p:grpSpPr>
-      <p:sp>
-        <p:nvSpPr>
-          <p:cNvPr id="2" name="Title 1">
-            <a:extLst>
-              <a:ext uri="{FF2B5EF4-FFF2-40B4-BE49-F238E27FC236}">
-                <a16:creationId xmlns:a16="http://schemas.microsoft.com/office/drawing/2014/main" id="{563A9FC4-19C9-054C-9067-608AEC480786}"/>
-              </a:ext>
-            </a:extLst>
-          </p:cNvPr>
-          <p:cNvSpPr>
-            <a:spLocks noGrp="1"/>
-          </p:cNvSpPr>
-          <p:nvPr>
-            <p:ph type="title"/>
-          </p:nvPr>
-        </p:nvSpPr>
-        <p:spPr/>
-        <p:txBody>
-          <a:bodyPr/>
-          <a:lstStyle/>
-          <a:p>
-            <a:r>
-              <a:rPr lang="en-RU" dirty="0"/>
-              <a:t>EDA</a:t>
-            </a:r>
-          </a:p>
-        </p:txBody>
-      </p:sp>
-      <p:pic>
-        <p:nvPicPr>
-          <p:cNvPr id="4" name="Picture 3">
-            <a:extLst>
-              <a:ext uri="{FF2B5EF4-FFF2-40B4-BE49-F238E27FC236}">
-                <a16:creationId xmlns:a16="http://schemas.microsoft.com/office/drawing/2014/main" id="{2862E137-7405-8642-89B2-A99BF2CA0091}"/>
-              </a:ext>
-            </a:extLst>
-          </p:cNvPr>
-          <p:cNvPicPr>
-            <a:picLocks noChangeAspect="1"/>
-          </p:cNvPicPr>
-          <p:nvPr/>
-        </p:nvPicPr>
-        <p:blipFill>
-          <a:blip r:embed="rId2"/>
-          <a:stretch>
-            <a:fillRect/>
-          </a:stretch>
-        </p:blipFill>
-        <p:spPr>
-          <a:xfrm>
-            <a:off x="469756" y="1593850"/>
-            <a:ext cx="5181600" cy="3670300"/>
-          </a:xfrm>
-          <a:prstGeom prst="rect">
-            <a:avLst/>
-          </a:prstGeom>
-        </p:spPr>
-      </p:pic>
-      <p:pic>
-        <p:nvPicPr>
-          <p:cNvPr id="9" name="Picture 8">
-            <a:extLst>
-              <a:ext uri="{FF2B5EF4-FFF2-40B4-BE49-F238E27FC236}">
-                <a16:creationId xmlns:a16="http://schemas.microsoft.com/office/drawing/2014/main" id="{44B09D16-D63D-0B4B-AB6A-85EFF86184CF}"/>
-              </a:ext>
-            </a:extLst>
-          </p:cNvPr>
-          <p:cNvPicPr>
-            <a:picLocks noChangeAspect="1"/>
-          </p:cNvPicPr>
-          <p:nvPr/>
-        </p:nvPicPr>
-        <p:blipFill>
-          <a:blip r:embed="rId3"/>
-          <a:stretch>
-            <a:fillRect/>
-          </a:stretch>
-        </p:blipFill>
-        <p:spPr>
-          <a:xfrm>
-            <a:off x="7054778" y="1748096"/>
-            <a:ext cx="2895600" cy="1841500"/>
-          </a:xfrm>
-          <a:prstGeom prst="rect">
-            <a:avLst/>
-          </a:prstGeom>
-        </p:spPr>
-      </p:pic>
-      <p:sp>
-        <p:nvSpPr>
-          <p:cNvPr id="11" name="TextBox 10">
-            <a:extLst>
-              <a:ext uri="{FF2B5EF4-FFF2-40B4-BE49-F238E27FC236}">
-                <a16:creationId xmlns:a16="http://schemas.microsoft.com/office/drawing/2014/main" id="{105BACD7-DDEF-1F4C-875B-B430DA394008}"/>
-              </a:ext>
-            </a:extLst>
-          </p:cNvPr>
-          <p:cNvSpPr txBox="1"/>
-          <p:nvPr/>
-        </p:nvSpPr>
-        <p:spPr>
-          <a:xfrm>
-            <a:off x="3050381" y="3387209"/>
-            <a:ext cx="6100762" cy="369332"/>
-          </a:xfrm>
-          <a:prstGeom prst="rect">
-            <a:avLst/>
-          </a:prstGeom>
-          <a:noFill/>
-        </p:spPr>
-        <p:txBody>
-          <a:bodyPr wrap="square">
-            <a:spAutoFit/>
-          </a:bodyPr>
-          <a:lstStyle/>
-          <a:p>
-            <a:r>
-              <a:rPr lang="en-RU" dirty="0"/>
-              <a:t>networkx</a:t>
-            </a:r>
-          </a:p>
-        </p:txBody>
-      </p:sp>
-    </p:spTree>
-    <p:extLst>
-      <p:ext uri="{BB962C8B-B14F-4D97-AF65-F5344CB8AC3E}">
-        <p14:creationId xmlns:p14="http://schemas.microsoft.com/office/powerpoint/2010/main" val="3978721797"/>
-      </p:ext>
-    </p:extLst>
-  </p:cSld>
-  <p:clrMapOvr>
-    <a:masterClrMapping/>
-  </p:clrMapOvr>
-</p:sld>
-</file>
-
-<file path=ppt/slides/slide6.xml><?xml version="1.0" encoding="utf-8"?>
-<p:sld xmlns:a="http://schemas.openxmlformats.org/drawingml/2006/main" xmlns:r="http://schemas.openxmlformats.org/officeDocument/2006/relationships" xmlns:p="http://schemas.openxmlformats.org/presentationml/2006/main">
-  <p:cSld>
-    <p:spTree>
-      <p:nvGrpSpPr>
-        <p:cNvPr id="1" name=""/>
-        <p:cNvGrpSpPr/>
-        <p:nvPr/>
-      </p:nvGrpSpPr>
-      <p:grpSpPr>
-        <a:xfrm>
-          <a:off x="0" y="0"/>
-          <a:ext cx="0" cy="0"/>
-          <a:chOff x="0" y="0"/>
-          <a:chExt cx="0" cy="0"/>
-        </a:xfrm>
-      </p:grpSpPr>
-      <p:sp>
-        <p:nvSpPr>
-          <p:cNvPr id="2" name="Title 1">
-            <a:extLst>
-              <a:ext uri="{FF2B5EF4-FFF2-40B4-BE49-F238E27FC236}">
-                <a16:creationId xmlns:a16="http://schemas.microsoft.com/office/drawing/2014/main" id="{563A9FC4-19C9-054C-9067-608AEC480786}"/>
-              </a:ext>
-            </a:extLst>
-          </p:cNvPr>
-          <p:cNvSpPr>
-            <a:spLocks noGrp="1"/>
-          </p:cNvSpPr>
-          <p:nvPr>
-            <p:ph type="title"/>
-          </p:nvPr>
-        </p:nvSpPr>
-        <p:spPr/>
-        <p:txBody>
-          <a:bodyPr/>
-          <a:lstStyle/>
-          <a:p>
-            <a:r>
-              <a:rPr lang="en-RU" dirty="0"/>
-              <a:t>EDA</a:t>
-            </a:r>
-          </a:p>
-        </p:txBody>
-      </p:sp>
-      <p:pic>
-        <p:nvPicPr>
-          <p:cNvPr id="7" name="Picture 6">
-            <a:extLst>
-              <a:ext uri="{FF2B5EF4-FFF2-40B4-BE49-F238E27FC236}">
-                <a16:creationId xmlns:a16="http://schemas.microsoft.com/office/drawing/2014/main" id="{8AEBD7A4-4AC8-614E-9479-DBE0F1E1A677}"/>
-              </a:ext>
-            </a:extLst>
-          </p:cNvPr>
-          <p:cNvPicPr>
-            <a:picLocks noChangeAspect="1"/>
-          </p:cNvPicPr>
-          <p:nvPr/>
-        </p:nvPicPr>
-        <p:blipFill>
-          <a:blip r:embed="rId2"/>
-          <a:stretch>
-            <a:fillRect/>
-          </a:stretch>
-        </p:blipFill>
-        <p:spPr>
-          <a:xfrm>
-            <a:off x="1100137" y="2014537"/>
-            <a:ext cx="3543300" cy="3200400"/>
-          </a:xfrm>
-          <a:prstGeom prst="rect">
-            <a:avLst/>
-          </a:prstGeom>
-        </p:spPr>
-      </p:pic>
-      <p:pic>
-        <p:nvPicPr>
-          <p:cNvPr id="8" name="Picture 7">
-            <a:extLst>
-              <a:ext uri="{FF2B5EF4-FFF2-40B4-BE49-F238E27FC236}">
-                <a16:creationId xmlns:a16="http://schemas.microsoft.com/office/drawing/2014/main" id="{BED48546-10D4-0E47-A0E5-30252AD9483F}"/>
-              </a:ext>
-            </a:extLst>
-          </p:cNvPr>
-          <p:cNvPicPr>
-            <a:picLocks noChangeAspect="1"/>
-          </p:cNvPicPr>
-          <p:nvPr/>
-        </p:nvPicPr>
-        <p:blipFill>
-          <a:blip r:embed="rId3"/>
-          <a:stretch>
-            <a:fillRect/>
-          </a:stretch>
-        </p:blipFill>
-        <p:spPr>
-          <a:xfrm>
-            <a:off x="6096000" y="2635250"/>
-            <a:ext cx="3606800" cy="1587500"/>
-          </a:xfrm>
-          <a:prstGeom prst="rect">
-            <a:avLst/>
-          </a:prstGeom>
-        </p:spPr>
-      </p:pic>
-    </p:spTree>
-    <p:extLst>
-      <p:ext uri="{BB962C8B-B14F-4D97-AF65-F5344CB8AC3E}">
-        <p14:creationId xmlns:p14="http://schemas.microsoft.com/office/powerpoint/2010/main" val="744294791"/>
-      </p:ext>
-    </p:extLst>
-  </p:cSld>
-  <p:clrMapOvr>
-    <a:masterClrMapping/>
-  </p:clrMapOvr>
-</p:sld>
-</file>
-
-<file path=ppt/slides/slide7.xml><?xml version="1.0" encoding="utf-8"?>
-<p:sld xmlns:a="http://schemas.openxmlformats.org/drawingml/2006/main" xmlns:r="http://schemas.openxmlformats.org/officeDocument/2006/relationships" xmlns:p="http://schemas.openxmlformats.org/presentationml/2006/main">
-  <p:cSld>
-    <p:spTree>
-      <p:nvGrpSpPr>
-        <p:cNvPr id="1" name=""/>
-        <p:cNvGrpSpPr/>
-        <p:nvPr/>
-      </p:nvGrpSpPr>
-      <p:grpSpPr>
-        <a:xfrm>
-          <a:off x="0" y="0"/>
-          <a:ext cx="0" cy="0"/>
-          <a:chOff x="0" y="0"/>
-          <a:chExt cx="0" cy="0"/>
-        </a:xfrm>
-      </p:grpSpPr>
-      <p:pic>
-        <p:nvPicPr>
-          <p:cNvPr id="4" name="Picture 3">
-            <a:extLst>
-              <a:ext uri="{FF2B5EF4-FFF2-40B4-BE49-F238E27FC236}">
-                <a16:creationId xmlns:a16="http://schemas.microsoft.com/office/drawing/2014/main" id="{90BA2F92-B3FA-0542-ADB4-42BFB15B061D}"/>
-              </a:ext>
-            </a:extLst>
-          </p:cNvPr>
-          <p:cNvPicPr>
-            <a:picLocks noChangeAspect="1"/>
-          </p:cNvPicPr>
-          <p:nvPr/>
-        </p:nvPicPr>
-        <p:blipFill>
-          <a:blip r:embed="rId2"/>
-          <a:stretch>
-            <a:fillRect/>
-          </a:stretch>
-        </p:blipFill>
-        <p:spPr>
-          <a:xfrm>
-            <a:off x="684964" y="2000250"/>
-            <a:ext cx="7978024" cy="4300155"/>
-          </a:xfrm>
-          <a:prstGeom prst="rect">
-            <a:avLst/>
-          </a:prstGeom>
-        </p:spPr>
-      </p:pic>
-      <p:sp>
-        <p:nvSpPr>
-          <p:cNvPr id="5" name="Title 1">
-            <a:extLst>
-              <a:ext uri="{FF2B5EF4-FFF2-40B4-BE49-F238E27FC236}">
-                <a16:creationId xmlns:a16="http://schemas.microsoft.com/office/drawing/2014/main" id="{53DFA981-EE78-2E4F-AEC8-E41B9C4F1F5B}"/>
-              </a:ext>
-            </a:extLst>
-          </p:cNvPr>
-          <p:cNvSpPr>
-            <a:spLocks noGrp="1"/>
-          </p:cNvSpPr>
-          <p:nvPr>
-            <p:ph type="title"/>
-          </p:nvPr>
-        </p:nvSpPr>
-        <p:spPr>
-          <a:xfrm>
-            <a:off x="838200" y="365125"/>
-            <a:ext cx="10515600" cy="1325563"/>
-          </a:xfrm>
-        </p:spPr>
-        <p:txBody>
-          <a:bodyPr/>
-          <a:lstStyle/>
-          <a:p>
-            <a:r>
-              <a:rPr lang="en-RU" dirty="0"/>
-              <a:t>Plotly intearactive graph</a:t>
-            </a:r>
-          </a:p>
-        </p:txBody>
-      </p:sp>
-    </p:spTree>
-    <p:extLst>
-      <p:ext uri="{BB962C8B-B14F-4D97-AF65-F5344CB8AC3E}">
-        <p14:creationId xmlns:p14="http://schemas.microsoft.com/office/powerpoint/2010/main" val="3242170166"/>
-      </p:ext>
-    </p:extLst>
-  </p:cSld>
-  <p:clrMapOvr>
-    <a:masterClrMapping/>
-  </p:clrMapOvr>
-</p:sld>
-</file>
-
-<file path=ppt/slides/slide8.xml><?xml version="1.0" encoding="utf-8"?>
-<p:sld xmlns:a="http://schemas.openxmlformats.org/drawingml/2006/main" xmlns:r="http://schemas.openxmlformats.org/officeDocument/2006/relationships" xmlns:p="http://schemas.openxmlformats.org/presentationml/2006/main">
-  <p:cSld>
-    <p:spTree>
-      <p:nvGrpSpPr>
-        <p:cNvPr id="1" name=""/>
-        <p:cNvGrpSpPr/>
-        <p:nvPr/>
-      </p:nvGrpSpPr>
-      <p:grpSpPr>
-        <a:xfrm>
-          <a:off x="0" y="0"/>
-          <a:ext cx="0" cy="0"/>
-          <a:chOff x="0" y="0"/>
-          <a:chExt cx="0" cy="0"/>
-        </a:xfrm>
-      </p:grpSpPr>
-      <p:sp>
-        <p:nvSpPr>
-          <p:cNvPr id="2" name="Title 1">
-            <a:extLst>
-              <a:ext uri="{FF2B5EF4-FFF2-40B4-BE49-F238E27FC236}">
-                <a16:creationId xmlns:a16="http://schemas.microsoft.com/office/drawing/2014/main" id="{D3C3C62E-E9FA-A543-9387-D1392222C339}"/>
-              </a:ext>
-            </a:extLst>
-          </p:cNvPr>
-          <p:cNvSpPr>
-            <a:spLocks noGrp="1"/>
-          </p:cNvSpPr>
-          <p:nvPr>
-            <p:ph type="title"/>
-          </p:nvPr>
-        </p:nvSpPr>
-        <p:spPr/>
-        <p:txBody>
-          <a:bodyPr/>
-          <a:lstStyle/>
-          <a:p>
-            <a:r>
-              <a:rPr lang="en-RU" dirty="0"/>
-              <a:t>Predictive analytics methodology</a:t>
-            </a:r>
-          </a:p>
-        </p:txBody>
-      </p:sp>
-      <p:sp>
-        <p:nvSpPr>
-          <p:cNvPr id="4" name="TextBox 3">
-            <a:extLst>
-              <a:ext uri="{FF2B5EF4-FFF2-40B4-BE49-F238E27FC236}">
-                <a16:creationId xmlns:a16="http://schemas.microsoft.com/office/drawing/2014/main" id="{DAF9AF01-CBAC-8A42-ACFF-B043FAFAE3AC}"/>
-              </a:ext>
-            </a:extLst>
-          </p:cNvPr>
-          <p:cNvSpPr txBox="1"/>
-          <p:nvPr/>
-        </p:nvSpPr>
-        <p:spPr>
-          <a:xfrm>
-            <a:off x="522836" y="1519476"/>
-            <a:ext cx="5958106" cy="4801314"/>
-          </a:xfrm>
-          <a:prstGeom prst="rect">
-            <a:avLst/>
-          </a:prstGeom>
-          <a:noFill/>
-        </p:spPr>
-        <p:txBody>
-          <a:bodyPr wrap="none" rtlCol="0">
-            <a:spAutoFit/>
-          </a:bodyPr>
-          <a:lstStyle/>
-          <a:p>
-            <a:r>
-              <a:rPr lang="en-US" dirty="0"/>
-              <a:t>We will predict probability of infection in certain time interval</a:t>
-            </a:r>
-          </a:p>
-          <a:p>
-            <a:r>
-              <a:rPr lang="ru-RU" dirty="0"/>
-              <a:t>1 – </a:t>
-            </a:r>
-            <a:r>
-              <a:rPr lang="en-US" dirty="0"/>
-              <a:t>if person is infected in this time interval</a:t>
-            </a:r>
-          </a:p>
-          <a:p>
-            <a:r>
-              <a:rPr lang="en-US" dirty="0"/>
-              <a:t>0 – if infected later (1 day later)</a:t>
-            </a:r>
-          </a:p>
-          <a:p>
-            <a:endParaRPr lang="en-US" dirty="0"/>
-          </a:p>
-          <a:p>
-            <a:r>
-              <a:rPr lang="en-US" dirty="0"/>
-              <a:t>Divide data on train – test:</a:t>
-            </a:r>
-          </a:p>
-          <a:p>
-            <a:r>
-              <a:rPr lang="en-US" dirty="0"/>
-              <a:t>Train contains first half of 7 July (positive examples)</a:t>
-            </a:r>
-          </a:p>
-          <a:p>
-            <a:r>
-              <a:rPr lang="en-US" dirty="0"/>
-              <a:t>and first half of 6 July (negative examples – infected later).</a:t>
-            </a:r>
-          </a:p>
-          <a:p>
-            <a:endParaRPr lang="en-US" dirty="0"/>
-          </a:p>
-          <a:p>
-            <a:r>
-              <a:rPr lang="en-US" dirty="0"/>
-              <a:t>Test contains second half of 7 July (positive examples)</a:t>
-            </a:r>
-          </a:p>
-          <a:p>
-            <a:r>
-              <a:rPr lang="en-US" dirty="0"/>
-              <a:t>and second half of 6 July (negative examples – infected later).</a:t>
-            </a:r>
-          </a:p>
-          <a:p>
-            <a:endParaRPr lang="en-US" dirty="0"/>
-          </a:p>
-          <a:p>
-            <a:endParaRPr lang="en-US" dirty="0"/>
-          </a:p>
-          <a:p>
-            <a:endParaRPr lang="en-US" dirty="0"/>
-          </a:p>
-          <a:p>
-            <a:endParaRPr lang="en-US" dirty="0"/>
-          </a:p>
-          <a:p>
-            <a:endParaRPr lang="en-US" dirty="0"/>
-          </a:p>
-          <a:p>
-            <a:endParaRPr lang="en-US" dirty="0"/>
-          </a:p>
-          <a:p>
-            <a:endParaRPr lang="en-US" dirty="0"/>
-          </a:p>
-        </p:txBody>
-      </p:sp>
-      <p:pic>
-        <p:nvPicPr>
-          <p:cNvPr id="11" name="Picture 10">
-            <a:extLst>
-              <a:ext uri="{FF2B5EF4-FFF2-40B4-BE49-F238E27FC236}">
-                <a16:creationId xmlns:a16="http://schemas.microsoft.com/office/drawing/2014/main" id="{8A9D288B-D0B8-1545-B964-6F5B0B5A4548}"/>
-              </a:ext>
-            </a:extLst>
-          </p:cNvPr>
-          <p:cNvPicPr>
-            <a:picLocks noChangeAspect="1"/>
-          </p:cNvPicPr>
-          <p:nvPr/>
-        </p:nvPicPr>
-        <p:blipFill>
-          <a:blip r:embed="rId2"/>
-          <a:stretch>
-            <a:fillRect/>
-          </a:stretch>
-        </p:blipFill>
-        <p:spPr>
-          <a:xfrm>
-            <a:off x="7268146" y="1502688"/>
-            <a:ext cx="4749800" cy="3644900"/>
-          </a:xfrm>
-          <a:prstGeom prst="rect">
-            <a:avLst/>
-          </a:prstGeom>
-        </p:spPr>
-      </p:pic>
-    </p:spTree>
-    <p:extLst>
-      <p:ext uri="{BB962C8B-B14F-4D97-AF65-F5344CB8AC3E}">
-        <p14:creationId xmlns:p14="http://schemas.microsoft.com/office/powerpoint/2010/main" val="1947585422"/>
-      </p:ext>
-    </p:extLst>
-  </p:cSld>
-  <p:clrMapOvr>
-    <a:masterClrMapping/>
-  </p:clrMapOvr>
-</p:sld>
-</file>
-
-<file path=ppt/slides/slide9.xml><?xml version="1.0" encoding="utf-8"?>
-<p:sld xmlns:a="http://schemas.openxmlformats.org/drawingml/2006/main" xmlns:r="http://schemas.openxmlformats.org/officeDocument/2006/relationships" xmlns:p="http://schemas.openxmlformats.org/presentationml/2006/main">
-  <p:cSld>
-    <p:spTree>
-      <p:nvGrpSpPr>
-        <p:cNvPr id="1" name=""/>
-        <p:cNvGrpSpPr/>
-        <p:nvPr/>
-      </p:nvGrpSpPr>
-      <p:grpSpPr>
-        <a:xfrm>
-          <a:off x="0" y="0"/>
-          <a:ext cx="0" cy="0"/>
-          <a:chOff x="0" y="0"/>
-          <a:chExt cx="0" cy="0"/>
-        </a:xfrm>
-      </p:grpSpPr>
-      <p:sp>
-        <p:nvSpPr>
-          <p:cNvPr id="4" name="Title 1">
-            <a:extLst>
-              <a:ext uri="{FF2B5EF4-FFF2-40B4-BE49-F238E27FC236}">
-                <a16:creationId xmlns:a16="http://schemas.microsoft.com/office/drawing/2014/main" id="{14D08290-2484-2643-B8A7-53D73ED1D911}"/>
-              </a:ext>
-            </a:extLst>
-          </p:cNvPr>
-          <p:cNvSpPr txBox="1">
-            <a:spLocks/>
-          </p:cNvSpPr>
-          <p:nvPr/>
-        </p:nvSpPr>
-        <p:spPr>
-          <a:xfrm>
-            <a:off x="990600" y="517525"/>
-            <a:ext cx="10515600" cy="1325563"/>
-          </a:xfrm>
-          <a:prstGeom prst="rect">
-            <a:avLst/>
-          </a:prstGeom>
-        </p:spPr>
-        <p:txBody>
-          <a:bodyPr vert="horz" lIns="91440" tIns="45720" rIns="91440" bIns="45720" rtlCol="0" anchor="ctr">
-            <a:normAutofit/>
-          </a:bodyPr>
-          <a:lstStyle>
-            <a:lvl1pPr algn="l" defTabSz="914400" rtl="0" eaLnBrk="1" latinLnBrk="0" hangingPunct="1">
-              <a:lnSpc>
-                <a:spcPct val="90000"/>
-              </a:lnSpc>
-              <a:spcBef>
-                <a:spcPct val="0"/>
-              </a:spcBef>
-              <a:buNone/>
-              <a:defRPr sz="4400" kern="1200">
-                <a:solidFill>
-                  <a:schemeClr val="tx1"/>
-                </a:solidFill>
-                <a:latin typeface="+mj-lt"/>
-                <a:ea typeface="+mj-ea"/>
-                <a:cs typeface="+mj-cs"/>
-              </a:defRPr>
-            </a:lvl1pPr>
-          </a:lstStyle>
-          <a:p>
-            <a:r>
-              <a:rPr lang="en-RU" dirty="0"/>
-              <a:t>EDA with SQL </a:t>
-            </a:r>
-          </a:p>
-        </p:txBody>
-      </p:sp>
-      <p:sp>
-        <p:nvSpPr>
-          <p:cNvPr id="7" name="TextBox 6">
-            <a:extLst>
-              <a:ext uri="{FF2B5EF4-FFF2-40B4-BE49-F238E27FC236}">
-                <a16:creationId xmlns:a16="http://schemas.microsoft.com/office/drawing/2014/main" id="{AB87AEFE-10CA-0745-B153-F04A68056040}"/>
-              </a:ext>
-            </a:extLst>
-          </p:cNvPr>
-          <p:cNvSpPr txBox="1"/>
-          <p:nvPr/>
-        </p:nvSpPr>
-        <p:spPr>
-          <a:xfrm>
-            <a:off x="522836" y="1519476"/>
-            <a:ext cx="10908114" cy="2031325"/>
-          </a:xfrm>
-          <a:prstGeom prst="rect">
-            <a:avLst/>
-          </a:prstGeom>
-          <a:noFill/>
-        </p:spPr>
-        <p:txBody>
-          <a:bodyPr wrap="none" rtlCol="0">
-            <a:spAutoFit/>
-          </a:bodyPr>
-          <a:lstStyle/>
-          <a:p>
-            <a:r>
-              <a:rPr lang="en-US" dirty="0"/>
-              <a:t>We determine train and test sets. In this section we will analyze this tables with SQL</a:t>
-            </a:r>
-            <a:r>
-              <a:rPr lang="ru-RU" dirty="0"/>
-              <a:t> (</a:t>
-            </a:r>
-            <a:r>
-              <a:rPr lang="en-US" dirty="0"/>
-              <a:t>all SQL queries are in </a:t>
-            </a:r>
-            <a:r>
-              <a:rPr lang="en-US" dirty="0" err="1"/>
-              <a:t>jupyter</a:t>
-            </a:r>
-            <a:r>
-              <a:rPr lang="en-US" dirty="0"/>
-              <a:t>)</a:t>
-            </a:r>
-          </a:p>
-          <a:p>
-            <a:endParaRPr lang="en-US" dirty="0"/>
-          </a:p>
-          <a:p>
-            <a:endParaRPr lang="en-US" dirty="0"/>
-          </a:p>
-          <a:p>
-            <a:endParaRPr lang="en-US" dirty="0"/>
-          </a:p>
-          <a:p>
-            <a:endParaRPr lang="en-US" dirty="0"/>
-          </a:p>
-          <a:p>
-            <a:endParaRPr lang="en-US" dirty="0"/>
-          </a:p>
-          <a:p>
-            <a:endParaRPr lang="en-US" dirty="0"/>
-          </a:p>
-        </p:txBody>
-      </p:sp>
-      <p:pic>
-        <p:nvPicPr>
-          <p:cNvPr id="8" name="Picture 7">
-            <a:extLst>
-              <a:ext uri="{FF2B5EF4-FFF2-40B4-BE49-F238E27FC236}">
-                <a16:creationId xmlns:a16="http://schemas.microsoft.com/office/drawing/2014/main" id="{54ACBD8D-8E2F-A94A-B2C1-7226252F00A5}"/>
-              </a:ext>
-            </a:extLst>
-          </p:cNvPr>
-          <p:cNvPicPr>
-            <a:picLocks noChangeAspect="1"/>
-          </p:cNvPicPr>
-          <p:nvPr/>
-        </p:nvPicPr>
-        <p:blipFill>
-          <a:blip r:embed="rId2"/>
-          <a:stretch>
-            <a:fillRect/>
-          </a:stretch>
-        </p:blipFill>
-        <p:spPr>
-          <a:xfrm>
-            <a:off x="522836" y="2438400"/>
-            <a:ext cx="2819400" cy="1981200"/>
-          </a:xfrm>
-          <a:prstGeom prst="rect">
-            <a:avLst/>
-          </a:prstGeom>
-        </p:spPr>
-      </p:pic>
-      <p:sp>
-        <p:nvSpPr>
-          <p:cNvPr id="9" name="TextBox 8">
-            <a:extLst>
-              <a:ext uri="{FF2B5EF4-FFF2-40B4-BE49-F238E27FC236}">
-                <a16:creationId xmlns:a16="http://schemas.microsoft.com/office/drawing/2014/main" id="{1390EF94-0478-BA46-B850-3CDEE44EF50E}"/>
-              </a:ext>
-            </a:extLst>
-          </p:cNvPr>
-          <p:cNvSpPr txBox="1"/>
-          <p:nvPr/>
-        </p:nvSpPr>
-        <p:spPr>
-          <a:xfrm>
-            <a:off x="522836" y="2115681"/>
-            <a:ext cx="4613186" cy="646331"/>
-          </a:xfrm>
-          <a:prstGeom prst="rect">
-            <a:avLst/>
-          </a:prstGeom>
-          <a:noFill/>
-        </p:spPr>
-        <p:txBody>
-          <a:bodyPr wrap="none" rtlCol="0">
-            <a:spAutoFit/>
-          </a:bodyPr>
-          <a:lstStyle/>
-          <a:p>
-            <a:r>
-              <a:rPr lang="en-US" dirty="0"/>
-              <a:t>1) How many objects in train and test samples</a:t>
-            </a:r>
-            <a:r>
-              <a:rPr lang="ru-RU" dirty="0"/>
-              <a:t>?</a:t>
-            </a:r>
-            <a:endParaRPr lang="en-US" dirty="0"/>
-          </a:p>
-          <a:p>
-            <a:endParaRPr lang="en-RU" dirty="0"/>
-          </a:p>
-        </p:txBody>
-      </p:sp>
-      <p:sp>
-        <p:nvSpPr>
-          <p:cNvPr id="10" name="TextBox 9">
-            <a:extLst>
-              <a:ext uri="{FF2B5EF4-FFF2-40B4-BE49-F238E27FC236}">
-                <a16:creationId xmlns:a16="http://schemas.microsoft.com/office/drawing/2014/main" id="{03FDB276-A777-344D-A928-C3132A2D1E7D}"/>
-              </a:ext>
-            </a:extLst>
-          </p:cNvPr>
-          <p:cNvSpPr txBox="1"/>
-          <p:nvPr/>
-        </p:nvSpPr>
-        <p:spPr>
-          <a:xfrm>
-            <a:off x="5379719" y="2115681"/>
-            <a:ext cx="3352521" cy="369332"/>
-          </a:xfrm>
-          <a:prstGeom prst="rect">
-            <a:avLst/>
-          </a:prstGeom>
-          <a:noFill/>
-        </p:spPr>
-        <p:txBody>
-          <a:bodyPr wrap="none" rtlCol="0">
-            <a:spAutoFit/>
-          </a:bodyPr>
-          <a:lstStyle/>
-          <a:p>
-            <a:r>
-              <a:rPr lang="en-RU" dirty="0"/>
-              <a:t>2) Mean of all features in samples</a:t>
-            </a:r>
-          </a:p>
-        </p:txBody>
-      </p:sp>
-      <p:pic>
-        <p:nvPicPr>
-          <p:cNvPr id="11" name="Picture 10">
-            <a:extLst>
-              <a:ext uri="{FF2B5EF4-FFF2-40B4-BE49-F238E27FC236}">
-                <a16:creationId xmlns:a16="http://schemas.microsoft.com/office/drawing/2014/main" id="{53B5A4F1-44B6-1343-8F4E-86411483165B}"/>
-              </a:ext>
-            </a:extLst>
-          </p:cNvPr>
-          <p:cNvPicPr>
-            <a:picLocks noChangeAspect="1"/>
-          </p:cNvPicPr>
-          <p:nvPr/>
-        </p:nvPicPr>
-        <p:blipFill>
-          <a:blip r:embed="rId3"/>
-          <a:stretch>
-            <a:fillRect/>
-          </a:stretch>
-        </p:blipFill>
-        <p:spPr>
-          <a:xfrm>
-            <a:off x="3342236" y="3022943"/>
-            <a:ext cx="8498357" cy="1350045"/>
-          </a:xfrm>
-          <a:prstGeom prst="rect">
-            <a:avLst/>
-          </a:prstGeom>
-        </p:spPr>
-      </p:pic>
-    </p:spTree>
-    <p:extLst>
-      <p:ext uri="{BB962C8B-B14F-4D97-AF65-F5344CB8AC3E}">
-        <p14:creationId xmlns:p14="http://schemas.microsoft.com/office/powerpoint/2010/main" val="819576219"/>
+        <p14:creationId xmlns:p14="http://schemas.microsoft.com/office/powerpoint/2010/main" val="1888319588"/>
       </p:ext>
     </p:extLst>
   </p:cSld>
